--- a/capstone-presentation.pptx
+++ b/capstone-presentation.pptx
@@ -15,9 +15,11 @@
     <p:sldId id="262" r:id="rId10"/>
     <p:sldId id="263" r:id="rId11"/>
     <p:sldId id="264" r:id="rId12"/>
+    <p:sldId id="265" r:id="rId13"/>
+    <p:sldId id="266" r:id="rId14"/>
   </p:sldIdLst>
   <p:sldSz cx="10080625" cy="5670550"/>
-  <p:notesSz cx="7559675" cy="10691813"/>
+  <p:notesSz cx="7772400" cy="10058400"/>
 </p:presentation>
 </file>
 
@@ -72,8 +74,8 @@
         </p:nvSpPr>
         <p:spPr>
           <a:xfrm>
-            <a:off x="360000" y="180000"/>
-            <a:ext cx="9360000" cy="478080"/>
+            <a:off x="360000" y="106200"/>
+            <a:ext cx="9359640" cy="625320"/>
           </a:xfrm>
           <a:prstGeom prst="rect">
             <a:avLst/>
@@ -91,10 +93,7 @@
             <a:pPr algn="ctr">
               <a:buNone/>
             </a:pPr>
-            <a:endParaRPr b="0" lang="en-US" sz="3300" spc="-1" strike="noStrike">
-              <a:solidFill>
-                <a:srgbClr val="ffffff"/>
-              </a:solidFill>
+            <a:endParaRPr b="0" lang="en-US" sz="4400" spc="-1" strike="noStrike">
               <a:latin typeface="Arial"/>
             </a:endParaRPr>
           </a:p>
@@ -113,7 +112,7 @@
         <p:spPr>
           <a:xfrm>
             <a:off x="360000" y="1080000"/>
-            <a:ext cx="9360000" cy="1716840"/>
+            <a:ext cx="9359640" cy="1716840"/>
           </a:xfrm>
           <a:prstGeom prst="rect">
             <a:avLst/>
@@ -125,13 +124,10 @@
         </p:spPr>
         <p:txBody>
           <a:bodyPr lIns="0" rIns="0" tIns="0" bIns="0" anchor="t">
-            <a:noAutofit/>
-          </a:bodyPr>
-          <a:p>
-            <a:endParaRPr b="0" lang="en-US" sz="2400" spc="-1" strike="noStrike">
-              <a:solidFill>
-                <a:srgbClr val="009bdd"/>
-              </a:solidFill>
+            <a:normAutofit/>
+          </a:bodyPr>
+          <a:p>
+            <a:endParaRPr b="0" lang="en-US" sz="3200" spc="-1" strike="noStrike">
               <a:latin typeface="Arial"/>
             </a:endParaRPr>
           </a:p>
@@ -150,7 +146,7 @@
         <p:spPr>
           <a:xfrm>
             <a:off x="360000" y="2960280"/>
-            <a:ext cx="9360000" cy="1716840"/>
+            <a:ext cx="9359640" cy="1716840"/>
           </a:xfrm>
           <a:prstGeom prst="rect">
             <a:avLst/>
@@ -162,13 +158,10 @@
         </p:spPr>
         <p:txBody>
           <a:bodyPr lIns="0" rIns="0" tIns="0" bIns="0" anchor="t">
-            <a:noAutofit/>
-          </a:bodyPr>
-          <a:p>
-            <a:endParaRPr b="0" lang="en-US" sz="2400" spc="-1" strike="noStrike">
-              <a:solidFill>
-                <a:srgbClr val="009bdd"/>
-              </a:solidFill>
+            <a:normAutofit/>
+          </a:bodyPr>
+          <a:p>
+            <a:endParaRPr b="0" lang="en-US" sz="3200" spc="-1" strike="noStrike">
               <a:latin typeface="Arial"/>
             </a:endParaRPr>
           </a:p>
@@ -208,8 +201,8 @@
         </p:nvSpPr>
         <p:spPr>
           <a:xfrm>
-            <a:off x="360000" y="180000"/>
-            <a:ext cx="9360000" cy="478080"/>
+            <a:off x="360000" y="106200"/>
+            <a:ext cx="9359640" cy="625320"/>
           </a:xfrm>
           <a:prstGeom prst="rect">
             <a:avLst/>
@@ -227,10 +220,7 @@
             <a:pPr algn="ctr">
               <a:buNone/>
             </a:pPr>
-            <a:endParaRPr b="0" lang="en-US" sz="3300" spc="-1" strike="noStrike">
-              <a:solidFill>
-                <a:srgbClr val="ffffff"/>
-              </a:solidFill>
+            <a:endParaRPr b="0" lang="en-US" sz="4400" spc="-1" strike="noStrike">
               <a:latin typeface="Arial"/>
             </a:endParaRPr>
           </a:p>
@@ -261,13 +251,10 @@
         </p:spPr>
         <p:txBody>
           <a:bodyPr lIns="0" rIns="0" tIns="0" bIns="0" anchor="t">
-            <a:noAutofit/>
-          </a:bodyPr>
-          <a:p>
-            <a:endParaRPr b="0" lang="en-US" sz="2400" spc="-1" strike="noStrike">
-              <a:solidFill>
-                <a:srgbClr val="009bdd"/>
-              </a:solidFill>
+            <a:normAutofit/>
+          </a:bodyPr>
+          <a:p>
+            <a:endParaRPr b="0" lang="en-US" sz="3200" spc="-1" strike="noStrike">
               <a:latin typeface="Arial"/>
             </a:endParaRPr>
           </a:p>
@@ -298,13 +285,10 @@
         </p:spPr>
         <p:txBody>
           <a:bodyPr lIns="0" rIns="0" tIns="0" bIns="0" anchor="t">
-            <a:noAutofit/>
-          </a:bodyPr>
-          <a:p>
-            <a:endParaRPr b="0" lang="en-US" sz="2400" spc="-1" strike="noStrike">
-              <a:solidFill>
-                <a:srgbClr val="009bdd"/>
-              </a:solidFill>
+            <a:normAutofit/>
+          </a:bodyPr>
+          <a:p>
+            <a:endParaRPr b="0" lang="en-US" sz="3200" spc="-1" strike="noStrike">
               <a:latin typeface="Arial"/>
             </a:endParaRPr>
           </a:p>
@@ -335,13 +319,10 @@
         </p:spPr>
         <p:txBody>
           <a:bodyPr lIns="0" rIns="0" tIns="0" bIns="0" anchor="t">
-            <a:noAutofit/>
-          </a:bodyPr>
-          <a:p>
-            <a:endParaRPr b="0" lang="en-US" sz="2400" spc="-1" strike="noStrike">
-              <a:solidFill>
-                <a:srgbClr val="009bdd"/>
-              </a:solidFill>
+            <a:normAutofit/>
+          </a:bodyPr>
+          <a:p>
+            <a:endParaRPr b="0" lang="en-US" sz="3200" spc="-1" strike="noStrike">
               <a:latin typeface="Arial"/>
             </a:endParaRPr>
           </a:p>
@@ -372,13 +353,10 @@
         </p:spPr>
         <p:txBody>
           <a:bodyPr lIns="0" rIns="0" tIns="0" bIns="0" anchor="t">
-            <a:noAutofit/>
-          </a:bodyPr>
-          <a:p>
-            <a:endParaRPr b="0" lang="en-US" sz="2400" spc="-1" strike="noStrike">
-              <a:solidFill>
-                <a:srgbClr val="009bdd"/>
-              </a:solidFill>
+            <a:normAutofit/>
+          </a:bodyPr>
+          <a:p>
+            <a:endParaRPr b="0" lang="en-US" sz="3200" spc="-1" strike="noStrike">
               <a:latin typeface="Arial"/>
             </a:endParaRPr>
           </a:p>
@@ -418,8 +396,8 @@
         </p:nvSpPr>
         <p:spPr>
           <a:xfrm>
-            <a:off x="360000" y="180000"/>
-            <a:ext cx="9360000" cy="478080"/>
+            <a:off x="360000" y="106200"/>
+            <a:ext cx="9359640" cy="625320"/>
           </a:xfrm>
           <a:prstGeom prst="rect">
             <a:avLst/>
@@ -437,10 +415,7 @@
             <a:pPr algn="ctr">
               <a:buNone/>
             </a:pPr>
-            <a:endParaRPr b="0" lang="en-US" sz="3300" spc="-1" strike="noStrike">
-              <a:solidFill>
-                <a:srgbClr val="ffffff"/>
-              </a:solidFill>
+            <a:endParaRPr b="0" lang="en-US" sz="4400" spc="-1" strike="noStrike">
               <a:latin typeface="Arial"/>
             </a:endParaRPr>
           </a:p>
@@ -471,13 +446,10 @@
         </p:spPr>
         <p:txBody>
           <a:bodyPr lIns="0" rIns="0" tIns="0" bIns="0" anchor="t">
-            <a:noAutofit/>
-          </a:bodyPr>
-          <a:p>
-            <a:endParaRPr b="0" lang="en-US" sz="2400" spc="-1" strike="noStrike">
-              <a:solidFill>
-                <a:srgbClr val="009bdd"/>
-              </a:solidFill>
+            <a:normAutofit/>
+          </a:bodyPr>
+          <a:p>
+            <a:endParaRPr b="0" lang="en-US" sz="3200" spc="-1" strike="noStrike">
               <a:latin typeface="Arial"/>
             </a:endParaRPr>
           </a:p>
@@ -508,13 +480,10 @@
         </p:spPr>
         <p:txBody>
           <a:bodyPr lIns="0" rIns="0" tIns="0" bIns="0" anchor="t">
-            <a:noAutofit/>
-          </a:bodyPr>
-          <a:p>
-            <a:endParaRPr b="0" lang="en-US" sz="2400" spc="-1" strike="noStrike">
-              <a:solidFill>
-                <a:srgbClr val="009bdd"/>
-              </a:solidFill>
+            <a:normAutofit/>
+          </a:bodyPr>
+          <a:p>
+            <a:endParaRPr b="0" lang="en-US" sz="3200" spc="-1" strike="noStrike">
               <a:latin typeface="Arial"/>
             </a:endParaRPr>
           </a:p>
@@ -545,13 +514,10 @@
         </p:spPr>
         <p:txBody>
           <a:bodyPr lIns="0" rIns="0" tIns="0" bIns="0" anchor="t">
-            <a:noAutofit/>
-          </a:bodyPr>
-          <a:p>
-            <a:endParaRPr b="0" lang="en-US" sz="2400" spc="-1" strike="noStrike">
-              <a:solidFill>
-                <a:srgbClr val="009bdd"/>
-              </a:solidFill>
+            <a:normAutofit/>
+          </a:bodyPr>
+          <a:p>
+            <a:endParaRPr b="0" lang="en-US" sz="3200" spc="-1" strike="noStrike">
               <a:latin typeface="Arial"/>
             </a:endParaRPr>
           </a:p>
@@ -582,13 +548,10 @@
         </p:spPr>
         <p:txBody>
           <a:bodyPr lIns="0" rIns="0" tIns="0" bIns="0" anchor="t">
-            <a:noAutofit/>
-          </a:bodyPr>
-          <a:p>
-            <a:endParaRPr b="0" lang="en-US" sz="2400" spc="-1" strike="noStrike">
-              <a:solidFill>
-                <a:srgbClr val="009bdd"/>
-              </a:solidFill>
+            <a:normAutofit/>
+          </a:bodyPr>
+          <a:p>
+            <a:endParaRPr b="0" lang="en-US" sz="3200" spc="-1" strike="noStrike">
               <a:latin typeface="Arial"/>
             </a:endParaRPr>
           </a:p>
@@ -619,13 +582,10 @@
         </p:spPr>
         <p:txBody>
           <a:bodyPr lIns="0" rIns="0" tIns="0" bIns="0" anchor="t">
-            <a:noAutofit/>
-          </a:bodyPr>
-          <a:p>
-            <a:endParaRPr b="0" lang="en-US" sz="2400" spc="-1" strike="noStrike">
-              <a:solidFill>
-                <a:srgbClr val="009bdd"/>
-              </a:solidFill>
+            <a:normAutofit/>
+          </a:bodyPr>
+          <a:p>
+            <a:endParaRPr b="0" lang="en-US" sz="3200" spc="-1" strike="noStrike">
               <a:latin typeface="Arial"/>
             </a:endParaRPr>
           </a:p>
@@ -656,13 +616,10 @@
         </p:spPr>
         <p:txBody>
           <a:bodyPr lIns="0" rIns="0" tIns="0" bIns="0" anchor="t">
-            <a:noAutofit/>
-          </a:bodyPr>
-          <a:p>
-            <a:endParaRPr b="0" lang="en-US" sz="2400" spc="-1" strike="noStrike">
-              <a:solidFill>
-                <a:srgbClr val="009bdd"/>
-              </a:solidFill>
+            <a:normAutofit/>
+          </a:bodyPr>
+          <a:p>
+            <a:endParaRPr b="0" lang="en-US" sz="3200" spc="-1" strike="noStrike">
               <a:latin typeface="Arial"/>
             </a:endParaRPr>
           </a:p>
@@ -697,7 +654,7 @@
             <a:spLocks noGrp="1"/>
           </p:cNvSpPr>
           <p:nvPr>
-            <p:ph type="ftr" idx="2"/>
+            <p:ph type="ftr" idx="1"/>
           </p:nvPr>
         </p:nvSpPr>
         <p:spPr/>
@@ -717,14 +674,14 @@
             <a:spLocks noGrp="1"/>
           </p:cNvSpPr>
           <p:nvPr>
-            <p:ph type="sldNum" idx="3"/>
+            <p:ph type="sldNum" idx="2"/>
           </p:nvPr>
         </p:nvSpPr>
         <p:spPr/>
         <p:txBody>
           <a:bodyPr/>
           <a:p>
-            <a:fld id="{7ADBF66C-A5BE-4B89-B3F8-4DF387A8A85A}" type="slidenum">
+            <a:fld id="{C197BBFC-592F-4E29-9205-040B4CF6EEF0}" type="slidenum">
               <a:t>&lt;#&gt;</a:t>
             </a:fld>
           </a:p>
@@ -737,7 +694,7 @@
             <a:spLocks noGrp="1"/>
           </p:cNvSpPr>
           <p:nvPr>
-            <p:ph type="dt" idx="1"/>
+            <p:ph type="dt" idx="3"/>
           </p:nvPr>
         </p:nvSpPr>
         <p:spPr/>
@@ -785,8 +742,8 @@
         </p:nvSpPr>
         <p:spPr>
           <a:xfrm>
-            <a:off x="360000" y="180000"/>
-            <a:ext cx="9360000" cy="478080"/>
+            <a:off x="360000" y="106200"/>
+            <a:ext cx="9359640" cy="625320"/>
           </a:xfrm>
           <a:prstGeom prst="rect">
             <a:avLst/>
@@ -804,10 +761,7 @@
             <a:pPr algn="ctr">
               <a:buNone/>
             </a:pPr>
-            <a:endParaRPr b="0" lang="en-US" sz="3300" spc="-1" strike="noStrike">
-              <a:solidFill>
-                <a:srgbClr val="ffffff"/>
-              </a:solidFill>
+            <a:endParaRPr b="0" lang="en-US" sz="4400" spc="-1" strike="noStrike">
               <a:latin typeface="Arial"/>
             </a:endParaRPr>
           </a:p>
@@ -826,7 +780,7 @@
         <p:spPr>
           <a:xfrm>
             <a:off x="360000" y="1080000"/>
-            <a:ext cx="9360000" cy="3600000"/>
+            <a:ext cx="9359640" cy="3599640"/>
           </a:xfrm>
           <a:prstGeom prst="rect">
             <a:avLst/>
@@ -845,9 +799,6 @@
               <a:buNone/>
             </a:pPr>
             <a:endParaRPr b="0" lang="en-US" sz="3200" spc="-1" strike="noStrike">
-              <a:highlight>
-                <a:srgbClr val="ffffff"/>
-              </a:highlight>
               <a:latin typeface="Arial"/>
             </a:endParaRPr>
           </a:p>
@@ -860,7 +811,7 @@
             <a:spLocks noGrp="1"/>
           </p:cNvSpPr>
           <p:nvPr>
-            <p:ph type="ftr" idx="2"/>
+            <p:ph type="ftr" idx="1"/>
           </p:nvPr>
         </p:nvSpPr>
         <p:spPr/>
@@ -880,14 +831,14 @@
             <a:spLocks noGrp="1"/>
           </p:cNvSpPr>
           <p:nvPr>
-            <p:ph type="sldNum" idx="3"/>
+            <p:ph type="sldNum" idx="2"/>
           </p:nvPr>
         </p:nvSpPr>
         <p:spPr/>
         <p:txBody>
           <a:bodyPr/>
           <a:p>
-            <a:fld id="{B6F7A927-E741-43D1-8326-839BB2D5D9B4}" type="slidenum">
+            <a:fld id="{60096F9E-8BA3-43F2-9B1A-E0157DB9115C}" type="slidenum">
               <a:t>&lt;#&gt;</a:t>
             </a:fld>
           </a:p>
@@ -900,7 +851,7 @@
             <a:spLocks noGrp="1"/>
           </p:cNvSpPr>
           <p:nvPr>
-            <p:ph type="dt" idx="1"/>
+            <p:ph type="dt" idx="3"/>
           </p:nvPr>
         </p:nvSpPr>
         <p:spPr/>
@@ -948,8 +899,8 @@
         </p:nvSpPr>
         <p:spPr>
           <a:xfrm>
-            <a:off x="360000" y="180000"/>
-            <a:ext cx="9360000" cy="478080"/>
+            <a:off x="360000" y="106200"/>
+            <a:ext cx="9359640" cy="625320"/>
           </a:xfrm>
           <a:prstGeom prst="rect">
             <a:avLst/>
@@ -967,10 +918,7 @@
             <a:pPr algn="ctr">
               <a:buNone/>
             </a:pPr>
-            <a:endParaRPr b="0" lang="en-US" sz="3300" spc="-1" strike="noStrike">
-              <a:solidFill>
-                <a:srgbClr val="ffffff"/>
-              </a:solidFill>
+            <a:endParaRPr b="0" lang="en-US" sz="4400" spc="-1" strike="noStrike">
               <a:latin typeface="Arial"/>
             </a:endParaRPr>
           </a:p>
@@ -989,7 +937,7 @@
         <p:spPr>
           <a:xfrm>
             <a:off x="360000" y="1080000"/>
-            <a:ext cx="9360000" cy="3600000"/>
+            <a:ext cx="9359640" cy="3599640"/>
           </a:xfrm>
           <a:prstGeom prst="rect">
             <a:avLst/>
@@ -1001,13 +949,10 @@
         </p:spPr>
         <p:txBody>
           <a:bodyPr lIns="0" rIns="0" tIns="0" bIns="0" anchor="t">
-            <a:noAutofit/>
-          </a:bodyPr>
-          <a:p>
-            <a:endParaRPr b="0" lang="en-US" sz="2400" spc="-1" strike="noStrike">
-              <a:solidFill>
-                <a:srgbClr val="009bdd"/>
-              </a:solidFill>
+            <a:normAutofit/>
+          </a:bodyPr>
+          <a:p>
+            <a:endParaRPr b="0" lang="en-US" sz="3200" spc="-1" strike="noStrike">
               <a:latin typeface="Arial"/>
             </a:endParaRPr>
           </a:p>
@@ -1020,7 +965,7 @@
             <a:spLocks noGrp="1"/>
           </p:cNvSpPr>
           <p:nvPr>
-            <p:ph type="ftr" idx="2"/>
+            <p:ph type="ftr" idx="1"/>
           </p:nvPr>
         </p:nvSpPr>
         <p:spPr/>
@@ -1040,14 +985,14 @@
             <a:spLocks noGrp="1"/>
           </p:cNvSpPr>
           <p:nvPr>
-            <p:ph type="sldNum" idx="3"/>
+            <p:ph type="sldNum" idx="2"/>
           </p:nvPr>
         </p:nvSpPr>
         <p:spPr/>
         <p:txBody>
           <a:bodyPr/>
           <a:p>
-            <a:fld id="{ECDCCCE1-8A1D-4BE8-95B9-1F495DF72A1D}" type="slidenum">
+            <a:fld id="{1DB4F2BF-26C9-4CC7-88D5-9FBC511F08C3}" type="slidenum">
               <a:t>&lt;#&gt;</a:t>
             </a:fld>
           </a:p>
@@ -1060,7 +1005,7 @@
             <a:spLocks noGrp="1"/>
           </p:cNvSpPr>
           <p:nvPr>
-            <p:ph type="dt" idx="1"/>
+            <p:ph type="dt" idx="3"/>
           </p:nvPr>
         </p:nvSpPr>
         <p:spPr/>
@@ -1108,8 +1053,8 @@
         </p:nvSpPr>
         <p:spPr>
           <a:xfrm>
-            <a:off x="360000" y="180000"/>
-            <a:ext cx="9360000" cy="478080"/>
+            <a:off x="360000" y="106200"/>
+            <a:ext cx="9359640" cy="625320"/>
           </a:xfrm>
           <a:prstGeom prst="rect">
             <a:avLst/>
@@ -1127,10 +1072,7 @@
             <a:pPr algn="ctr">
               <a:buNone/>
             </a:pPr>
-            <a:endParaRPr b="0" lang="en-US" sz="3300" spc="-1" strike="noStrike">
-              <a:solidFill>
-                <a:srgbClr val="ffffff"/>
-              </a:solidFill>
+            <a:endParaRPr b="0" lang="en-US" sz="4400" spc="-1" strike="noStrike">
               <a:latin typeface="Arial"/>
             </a:endParaRPr>
           </a:p>
@@ -1149,7 +1091,7 @@
         <p:spPr>
           <a:xfrm>
             <a:off x="360000" y="1080000"/>
-            <a:ext cx="4567320" cy="3600000"/>
+            <a:ext cx="4567320" cy="3599640"/>
           </a:xfrm>
           <a:prstGeom prst="rect">
             <a:avLst/>
@@ -1161,13 +1103,10 @@
         </p:spPr>
         <p:txBody>
           <a:bodyPr lIns="0" rIns="0" tIns="0" bIns="0" anchor="t">
-            <a:noAutofit/>
-          </a:bodyPr>
-          <a:p>
-            <a:endParaRPr b="0" lang="en-US" sz="2400" spc="-1" strike="noStrike">
-              <a:solidFill>
-                <a:srgbClr val="009bdd"/>
-              </a:solidFill>
+            <a:normAutofit/>
+          </a:bodyPr>
+          <a:p>
+            <a:endParaRPr b="0" lang="en-US" sz="3200" spc="-1" strike="noStrike">
               <a:latin typeface="Arial"/>
             </a:endParaRPr>
           </a:p>
@@ -1186,7 +1125,7 @@
         <p:spPr>
           <a:xfrm>
             <a:off x="5155920" y="1080000"/>
-            <a:ext cx="4567320" cy="3600000"/>
+            <a:ext cx="4567320" cy="3599640"/>
           </a:xfrm>
           <a:prstGeom prst="rect">
             <a:avLst/>
@@ -1198,13 +1137,10 @@
         </p:spPr>
         <p:txBody>
           <a:bodyPr lIns="0" rIns="0" tIns="0" bIns="0" anchor="t">
-            <a:noAutofit/>
-          </a:bodyPr>
-          <a:p>
-            <a:endParaRPr b="0" lang="en-US" sz="2400" spc="-1" strike="noStrike">
-              <a:solidFill>
-                <a:srgbClr val="009bdd"/>
-              </a:solidFill>
+            <a:normAutofit/>
+          </a:bodyPr>
+          <a:p>
+            <a:endParaRPr b="0" lang="en-US" sz="3200" spc="-1" strike="noStrike">
               <a:latin typeface="Arial"/>
             </a:endParaRPr>
           </a:p>
@@ -1217,7 +1153,7 @@
             <a:spLocks noGrp="1"/>
           </p:cNvSpPr>
           <p:nvPr>
-            <p:ph type="ftr" idx="2"/>
+            <p:ph type="ftr" idx="1"/>
           </p:nvPr>
         </p:nvSpPr>
         <p:spPr/>
@@ -1237,14 +1173,14 @@
             <a:spLocks noGrp="1"/>
           </p:cNvSpPr>
           <p:nvPr>
-            <p:ph type="sldNum" idx="3"/>
+            <p:ph type="sldNum" idx="2"/>
           </p:nvPr>
         </p:nvSpPr>
         <p:spPr/>
         <p:txBody>
           <a:bodyPr/>
           <a:p>
-            <a:fld id="{173D7D96-22F9-465D-A17F-7A92100E2C47}" type="slidenum">
+            <a:fld id="{287A7C90-07DC-453B-A976-6DFEF246754D}" type="slidenum">
               <a:t>&lt;#&gt;</a:t>
             </a:fld>
           </a:p>
@@ -1257,7 +1193,7 @@
             <a:spLocks noGrp="1"/>
           </p:cNvSpPr>
           <p:nvPr>
-            <p:ph type="dt" idx="1"/>
+            <p:ph type="dt" idx="3"/>
           </p:nvPr>
         </p:nvSpPr>
         <p:spPr/>
@@ -1305,8 +1241,8 @@
         </p:nvSpPr>
         <p:spPr>
           <a:xfrm>
-            <a:off x="360000" y="180000"/>
-            <a:ext cx="9360000" cy="478080"/>
+            <a:off x="360000" y="106200"/>
+            <a:ext cx="9359640" cy="625320"/>
           </a:xfrm>
           <a:prstGeom prst="rect">
             <a:avLst/>
@@ -1324,10 +1260,7 @@
             <a:pPr algn="ctr">
               <a:buNone/>
             </a:pPr>
-            <a:endParaRPr b="0" lang="en-US" sz="3300" spc="-1" strike="noStrike">
-              <a:solidFill>
-                <a:srgbClr val="ffffff"/>
-              </a:solidFill>
+            <a:endParaRPr b="0" lang="en-US" sz="4400" spc="-1" strike="noStrike">
               <a:latin typeface="Arial"/>
             </a:endParaRPr>
           </a:p>
@@ -1340,7 +1273,7 @@
             <a:spLocks noGrp="1"/>
           </p:cNvSpPr>
           <p:nvPr>
-            <p:ph type="ftr" idx="2"/>
+            <p:ph type="ftr" idx="1"/>
           </p:nvPr>
         </p:nvSpPr>
         <p:spPr/>
@@ -1360,14 +1293,14 @@
             <a:spLocks noGrp="1"/>
           </p:cNvSpPr>
           <p:nvPr>
-            <p:ph type="sldNum" idx="3"/>
+            <p:ph type="sldNum" idx="2"/>
           </p:nvPr>
         </p:nvSpPr>
         <p:spPr/>
         <p:txBody>
           <a:bodyPr/>
           <a:p>
-            <a:fld id="{D791C3A9-7DDF-466A-B0B5-AA6479B7DE38}" type="slidenum">
+            <a:fld id="{5B19522E-57AB-4EDE-B516-1685947510C2}" type="slidenum">
               <a:t>&lt;#&gt;</a:t>
             </a:fld>
           </a:p>
@@ -1380,7 +1313,7 @@
             <a:spLocks noGrp="1"/>
           </p:cNvSpPr>
           <p:nvPr>
-            <p:ph type="dt" idx="1"/>
+            <p:ph type="dt" idx="3"/>
           </p:nvPr>
         </p:nvSpPr>
         <p:spPr/>
@@ -1429,7 +1362,7 @@
         <p:spPr>
           <a:xfrm>
             <a:off x="360000" y="180000"/>
-            <a:ext cx="9360000" cy="2217240"/>
+            <a:ext cx="9359640" cy="2215800"/>
           </a:xfrm>
           <a:prstGeom prst="rect">
             <a:avLst/>
@@ -1448,9 +1381,6 @@
               <a:buNone/>
             </a:pPr>
             <a:endParaRPr b="0" lang="en-US" sz="3200" spc="-1" strike="noStrike">
-              <a:highlight>
-                <a:srgbClr val="ffffff"/>
-              </a:highlight>
               <a:latin typeface="Arial"/>
             </a:endParaRPr>
           </a:p>
@@ -1463,7 +1393,7 @@
             <a:spLocks noGrp="1"/>
           </p:cNvSpPr>
           <p:nvPr>
-            <p:ph type="ftr" idx="2"/>
+            <p:ph type="ftr" idx="1"/>
           </p:nvPr>
         </p:nvSpPr>
         <p:spPr/>
@@ -1483,14 +1413,14 @@
             <a:spLocks noGrp="1"/>
           </p:cNvSpPr>
           <p:nvPr>
-            <p:ph type="sldNum" idx="3"/>
+            <p:ph type="sldNum" idx="2"/>
           </p:nvPr>
         </p:nvSpPr>
         <p:spPr/>
         <p:txBody>
           <a:bodyPr/>
           <a:p>
-            <a:fld id="{B0475D25-F04D-4182-9A16-2CA67D711347}" type="slidenum">
+            <a:fld id="{9D97A86E-2863-46DC-BFA8-DC5B0A2380AE}" type="slidenum">
               <a:t>&lt;#&gt;</a:t>
             </a:fld>
           </a:p>
@@ -1503,7 +1433,7 @@
             <a:spLocks noGrp="1"/>
           </p:cNvSpPr>
           <p:nvPr>
-            <p:ph type="dt" idx="1"/>
+            <p:ph type="dt" idx="3"/>
           </p:nvPr>
         </p:nvSpPr>
         <p:spPr/>
@@ -1551,8 +1481,8 @@
         </p:nvSpPr>
         <p:spPr>
           <a:xfrm>
-            <a:off x="360000" y="180000"/>
-            <a:ext cx="9360000" cy="478080"/>
+            <a:off x="360000" y="106200"/>
+            <a:ext cx="9359640" cy="625320"/>
           </a:xfrm>
           <a:prstGeom prst="rect">
             <a:avLst/>
@@ -1570,10 +1500,7 @@
             <a:pPr algn="ctr">
               <a:buNone/>
             </a:pPr>
-            <a:endParaRPr b="0" lang="en-US" sz="3300" spc="-1" strike="noStrike">
-              <a:solidFill>
-                <a:srgbClr val="ffffff"/>
-              </a:solidFill>
+            <a:endParaRPr b="0" lang="en-US" sz="4400" spc="-1" strike="noStrike">
               <a:latin typeface="Arial"/>
             </a:endParaRPr>
           </a:p>
@@ -1604,13 +1531,10 @@
         </p:spPr>
         <p:txBody>
           <a:bodyPr lIns="0" rIns="0" tIns="0" bIns="0" anchor="t">
-            <a:noAutofit/>
-          </a:bodyPr>
-          <a:p>
-            <a:endParaRPr b="0" lang="en-US" sz="2400" spc="-1" strike="noStrike">
-              <a:solidFill>
-                <a:srgbClr val="009bdd"/>
-              </a:solidFill>
+            <a:normAutofit/>
+          </a:bodyPr>
+          <a:p>
+            <a:endParaRPr b="0" lang="en-US" sz="3200" spc="-1" strike="noStrike">
               <a:latin typeface="Arial"/>
             </a:endParaRPr>
           </a:p>
@@ -1629,7 +1553,7 @@
         <p:spPr>
           <a:xfrm>
             <a:off x="5155920" y="1080000"/>
-            <a:ext cx="4567320" cy="3600000"/>
+            <a:ext cx="4567320" cy="3599640"/>
           </a:xfrm>
           <a:prstGeom prst="rect">
             <a:avLst/>
@@ -1641,13 +1565,10 @@
         </p:spPr>
         <p:txBody>
           <a:bodyPr lIns="0" rIns="0" tIns="0" bIns="0" anchor="t">
-            <a:noAutofit/>
-          </a:bodyPr>
-          <a:p>
-            <a:endParaRPr b="0" lang="en-US" sz="2400" spc="-1" strike="noStrike">
-              <a:solidFill>
-                <a:srgbClr val="009bdd"/>
-              </a:solidFill>
+            <a:normAutofit/>
+          </a:bodyPr>
+          <a:p>
+            <a:endParaRPr b="0" lang="en-US" sz="3200" spc="-1" strike="noStrike">
               <a:latin typeface="Arial"/>
             </a:endParaRPr>
           </a:p>
@@ -1678,13 +1599,10 @@
         </p:spPr>
         <p:txBody>
           <a:bodyPr lIns="0" rIns="0" tIns="0" bIns="0" anchor="t">
-            <a:noAutofit/>
-          </a:bodyPr>
-          <a:p>
-            <a:endParaRPr b="0" lang="en-US" sz="2400" spc="-1" strike="noStrike">
-              <a:solidFill>
-                <a:srgbClr val="009bdd"/>
-              </a:solidFill>
+            <a:normAutofit/>
+          </a:bodyPr>
+          <a:p>
+            <a:endParaRPr b="0" lang="en-US" sz="3200" spc="-1" strike="noStrike">
               <a:latin typeface="Arial"/>
             </a:endParaRPr>
           </a:p>
@@ -1697,7 +1615,7 @@
             <a:spLocks noGrp="1"/>
           </p:cNvSpPr>
           <p:nvPr>
-            <p:ph type="ftr" idx="2"/>
+            <p:ph type="ftr" idx="1"/>
           </p:nvPr>
         </p:nvSpPr>
         <p:spPr/>
@@ -1717,14 +1635,14 @@
             <a:spLocks noGrp="1"/>
           </p:cNvSpPr>
           <p:nvPr>
-            <p:ph type="sldNum" idx="3"/>
+            <p:ph type="sldNum" idx="2"/>
           </p:nvPr>
         </p:nvSpPr>
         <p:spPr/>
         <p:txBody>
           <a:bodyPr/>
           <a:p>
-            <a:fld id="{D9B4719D-A582-4C06-8AC6-42BE866B304F}" type="slidenum">
+            <a:fld id="{B4817BD4-D559-431C-8771-05D889BAEA1B}" type="slidenum">
               <a:t>&lt;#&gt;</a:t>
             </a:fld>
           </a:p>
@@ -1737,7 +1655,7 @@
             <a:spLocks noGrp="1"/>
           </p:cNvSpPr>
           <p:nvPr>
-            <p:ph type="dt" idx="1"/>
+            <p:ph type="dt" idx="3"/>
           </p:nvPr>
         </p:nvSpPr>
         <p:spPr/>
@@ -1785,8 +1703,8 @@
         </p:nvSpPr>
         <p:spPr>
           <a:xfrm>
-            <a:off x="360000" y="180000"/>
-            <a:ext cx="9360000" cy="478080"/>
+            <a:off x="360000" y="106200"/>
+            <a:ext cx="9359640" cy="625320"/>
           </a:xfrm>
           <a:prstGeom prst="rect">
             <a:avLst/>
@@ -1804,10 +1722,7 @@
             <a:pPr algn="ctr">
               <a:buNone/>
             </a:pPr>
-            <a:endParaRPr b="0" lang="en-US" sz="3300" spc="-1" strike="noStrike">
-              <a:solidFill>
-                <a:srgbClr val="ffffff"/>
-              </a:solidFill>
+            <a:endParaRPr b="0" lang="en-US" sz="4400" spc="-1" strike="noStrike">
               <a:latin typeface="Arial"/>
             </a:endParaRPr>
           </a:p>
@@ -1826,7 +1741,7 @@
         <p:spPr>
           <a:xfrm>
             <a:off x="360000" y="1080000"/>
-            <a:ext cx="9360000" cy="3600000"/>
+            <a:ext cx="9359640" cy="3599640"/>
           </a:xfrm>
           <a:prstGeom prst="rect">
             <a:avLst/>
@@ -1845,9 +1760,6 @@
               <a:buNone/>
             </a:pPr>
             <a:endParaRPr b="0" lang="en-US" sz="3200" spc="-1" strike="noStrike">
-              <a:highlight>
-                <a:srgbClr val="ffffff"/>
-              </a:highlight>
               <a:latin typeface="Arial"/>
             </a:endParaRPr>
           </a:p>
@@ -1887,8 +1799,8 @@
         </p:nvSpPr>
         <p:spPr>
           <a:xfrm>
-            <a:off x="360000" y="180000"/>
-            <a:ext cx="9360000" cy="478080"/>
+            <a:off x="360000" y="106200"/>
+            <a:ext cx="9359640" cy="625320"/>
           </a:xfrm>
           <a:prstGeom prst="rect">
             <a:avLst/>
@@ -1906,10 +1818,7 @@
             <a:pPr algn="ctr">
               <a:buNone/>
             </a:pPr>
-            <a:endParaRPr b="0" lang="en-US" sz="3300" spc="-1" strike="noStrike">
-              <a:solidFill>
-                <a:srgbClr val="ffffff"/>
-              </a:solidFill>
+            <a:endParaRPr b="0" lang="en-US" sz="4400" spc="-1" strike="noStrike">
               <a:latin typeface="Arial"/>
             </a:endParaRPr>
           </a:p>
@@ -1928,7 +1837,7 @@
         <p:spPr>
           <a:xfrm>
             <a:off x="360000" y="1080000"/>
-            <a:ext cx="4567320" cy="3600000"/>
+            <a:ext cx="4567320" cy="3599640"/>
           </a:xfrm>
           <a:prstGeom prst="rect">
             <a:avLst/>
@@ -1940,13 +1849,10 @@
         </p:spPr>
         <p:txBody>
           <a:bodyPr lIns="0" rIns="0" tIns="0" bIns="0" anchor="t">
-            <a:noAutofit/>
-          </a:bodyPr>
-          <a:p>
-            <a:endParaRPr b="0" lang="en-US" sz="2400" spc="-1" strike="noStrike">
-              <a:solidFill>
-                <a:srgbClr val="009bdd"/>
-              </a:solidFill>
+            <a:normAutofit/>
+          </a:bodyPr>
+          <a:p>
+            <a:endParaRPr b="0" lang="en-US" sz="3200" spc="-1" strike="noStrike">
               <a:latin typeface="Arial"/>
             </a:endParaRPr>
           </a:p>
@@ -1977,13 +1883,10 @@
         </p:spPr>
         <p:txBody>
           <a:bodyPr lIns="0" rIns="0" tIns="0" bIns="0" anchor="t">
-            <a:noAutofit/>
-          </a:bodyPr>
-          <a:p>
-            <a:endParaRPr b="0" lang="en-US" sz="2400" spc="-1" strike="noStrike">
-              <a:solidFill>
-                <a:srgbClr val="009bdd"/>
-              </a:solidFill>
+            <a:normAutofit/>
+          </a:bodyPr>
+          <a:p>
+            <a:endParaRPr b="0" lang="en-US" sz="3200" spc="-1" strike="noStrike">
               <a:latin typeface="Arial"/>
             </a:endParaRPr>
           </a:p>
@@ -2014,13 +1917,10 @@
         </p:spPr>
         <p:txBody>
           <a:bodyPr lIns="0" rIns="0" tIns="0" bIns="0" anchor="t">
-            <a:noAutofit/>
-          </a:bodyPr>
-          <a:p>
-            <a:endParaRPr b="0" lang="en-US" sz="2400" spc="-1" strike="noStrike">
-              <a:solidFill>
-                <a:srgbClr val="009bdd"/>
-              </a:solidFill>
+            <a:normAutofit/>
+          </a:bodyPr>
+          <a:p>
+            <a:endParaRPr b="0" lang="en-US" sz="3200" spc="-1" strike="noStrike">
               <a:latin typeface="Arial"/>
             </a:endParaRPr>
           </a:p>
@@ -2033,7 +1933,7 @@
             <a:spLocks noGrp="1"/>
           </p:cNvSpPr>
           <p:nvPr>
-            <p:ph type="ftr" idx="2"/>
+            <p:ph type="ftr" idx="1"/>
           </p:nvPr>
         </p:nvSpPr>
         <p:spPr/>
@@ -2053,14 +1953,14 @@
             <a:spLocks noGrp="1"/>
           </p:cNvSpPr>
           <p:nvPr>
-            <p:ph type="sldNum" idx="3"/>
+            <p:ph type="sldNum" idx="2"/>
           </p:nvPr>
         </p:nvSpPr>
         <p:spPr/>
         <p:txBody>
           <a:bodyPr/>
           <a:p>
-            <a:fld id="{DBA6DE30-E242-43C5-896C-AB1AFD631E88}" type="slidenum">
+            <a:fld id="{0822C200-3952-47D3-B208-FF608A6211D6}" type="slidenum">
               <a:t>&lt;#&gt;</a:t>
             </a:fld>
           </a:p>
@@ -2073,7 +1973,7 @@
             <a:spLocks noGrp="1"/>
           </p:cNvSpPr>
           <p:nvPr>
-            <p:ph type="dt" idx="1"/>
+            <p:ph type="dt" idx="3"/>
           </p:nvPr>
         </p:nvSpPr>
         <p:spPr/>
@@ -2121,8 +2021,8 @@
         </p:nvSpPr>
         <p:spPr>
           <a:xfrm>
-            <a:off x="360000" y="180000"/>
-            <a:ext cx="9360000" cy="478080"/>
+            <a:off x="360000" y="106200"/>
+            <a:ext cx="9359640" cy="625320"/>
           </a:xfrm>
           <a:prstGeom prst="rect">
             <a:avLst/>
@@ -2140,10 +2040,7 @@
             <a:pPr algn="ctr">
               <a:buNone/>
             </a:pPr>
-            <a:endParaRPr b="0" lang="en-US" sz="3300" spc="-1" strike="noStrike">
-              <a:solidFill>
-                <a:srgbClr val="ffffff"/>
-              </a:solidFill>
+            <a:endParaRPr b="0" lang="en-US" sz="4400" spc="-1" strike="noStrike">
               <a:latin typeface="Arial"/>
             </a:endParaRPr>
           </a:p>
@@ -2174,13 +2071,10 @@
         </p:spPr>
         <p:txBody>
           <a:bodyPr lIns="0" rIns="0" tIns="0" bIns="0" anchor="t">
-            <a:noAutofit/>
-          </a:bodyPr>
-          <a:p>
-            <a:endParaRPr b="0" lang="en-US" sz="2400" spc="-1" strike="noStrike">
-              <a:solidFill>
-                <a:srgbClr val="009bdd"/>
-              </a:solidFill>
+            <a:normAutofit/>
+          </a:bodyPr>
+          <a:p>
+            <a:endParaRPr b="0" lang="en-US" sz="3200" spc="-1" strike="noStrike">
               <a:latin typeface="Arial"/>
             </a:endParaRPr>
           </a:p>
@@ -2211,13 +2105,10 @@
         </p:spPr>
         <p:txBody>
           <a:bodyPr lIns="0" rIns="0" tIns="0" bIns="0" anchor="t">
-            <a:noAutofit/>
-          </a:bodyPr>
-          <a:p>
-            <a:endParaRPr b="0" lang="en-US" sz="2400" spc="-1" strike="noStrike">
-              <a:solidFill>
-                <a:srgbClr val="009bdd"/>
-              </a:solidFill>
+            <a:normAutofit/>
+          </a:bodyPr>
+          <a:p>
+            <a:endParaRPr b="0" lang="en-US" sz="3200" spc="-1" strike="noStrike">
               <a:latin typeface="Arial"/>
             </a:endParaRPr>
           </a:p>
@@ -2236,7 +2127,7 @@
         <p:spPr>
           <a:xfrm>
             <a:off x="360000" y="2960280"/>
-            <a:ext cx="9360000" cy="1716840"/>
+            <a:ext cx="9359640" cy="1716840"/>
           </a:xfrm>
           <a:prstGeom prst="rect">
             <a:avLst/>
@@ -2248,13 +2139,10 @@
         </p:spPr>
         <p:txBody>
           <a:bodyPr lIns="0" rIns="0" tIns="0" bIns="0" anchor="t">
-            <a:noAutofit/>
-          </a:bodyPr>
-          <a:p>
-            <a:endParaRPr b="0" lang="en-US" sz="2400" spc="-1" strike="noStrike">
-              <a:solidFill>
-                <a:srgbClr val="009bdd"/>
-              </a:solidFill>
+            <a:normAutofit/>
+          </a:bodyPr>
+          <a:p>
+            <a:endParaRPr b="0" lang="en-US" sz="3200" spc="-1" strike="noStrike">
               <a:latin typeface="Arial"/>
             </a:endParaRPr>
           </a:p>
@@ -2267,7 +2155,7 @@
             <a:spLocks noGrp="1"/>
           </p:cNvSpPr>
           <p:nvPr>
-            <p:ph type="ftr" idx="2"/>
+            <p:ph type="ftr" idx="1"/>
           </p:nvPr>
         </p:nvSpPr>
         <p:spPr/>
@@ -2287,14 +2175,14 @@
             <a:spLocks noGrp="1"/>
           </p:cNvSpPr>
           <p:nvPr>
-            <p:ph type="sldNum" idx="3"/>
+            <p:ph type="sldNum" idx="2"/>
           </p:nvPr>
         </p:nvSpPr>
         <p:spPr/>
         <p:txBody>
           <a:bodyPr/>
           <a:p>
-            <a:fld id="{87783A07-4FFA-4AA1-88AC-0E1975C93D1A}" type="slidenum">
+            <a:fld id="{1B38450F-51EE-466A-AB07-0B1944665649}" type="slidenum">
               <a:t>&lt;#&gt;</a:t>
             </a:fld>
           </a:p>
@@ -2307,7 +2195,7 @@
             <a:spLocks noGrp="1"/>
           </p:cNvSpPr>
           <p:nvPr>
-            <p:ph type="dt" idx="1"/>
+            <p:ph type="dt" idx="3"/>
           </p:nvPr>
         </p:nvSpPr>
         <p:spPr/>
@@ -2355,8 +2243,8 @@
         </p:nvSpPr>
         <p:spPr>
           <a:xfrm>
-            <a:off x="360000" y="180000"/>
-            <a:ext cx="9360000" cy="478080"/>
+            <a:off x="360000" y="106200"/>
+            <a:ext cx="9359640" cy="625320"/>
           </a:xfrm>
           <a:prstGeom prst="rect">
             <a:avLst/>
@@ -2374,10 +2262,7 @@
             <a:pPr algn="ctr">
               <a:buNone/>
             </a:pPr>
-            <a:endParaRPr b="0" lang="en-US" sz="3300" spc="-1" strike="noStrike">
-              <a:solidFill>
-                <a:srgbClr val="ffffff"/>
-              </a:solidFill>
+            <a:endParaRPr b="0" lang="en-US" sz="4400" spc="-1" strike="noStrike">
               <a:latin typeface="Arial"/>
             </a:endParaRPr>
           </a:p>
@@ -2396,7 +2281,7 @@
         <p:spPr>
           <a:xfrm>
             <a:off x="360000" y="1080000"/>
-            <a:ext cx="9360000" cy="1716840"/>
+            <a:ext cx="9359640" cy="1716840"/>
           </a:xfrm>
           <a:prstGeom prst="rect">
             <a:avLst/>
@@ -2408,13 +2293,10 @@
         </p:spPr>
         <p:txBody>
           <a:bodyPr lIns="0" rIns="0" tIns="0" bIns="0" anchor="t">
-            <a:noAutofit/>
-          </a:bodyPr>
-          <a:p>
-            <a:endParaRPr b="0" lang="en-US" sz="2400" spc="-1" strike="noStrike">
-              <a:solidFill>
-                <a:srgbClr val="009bdd"/>
-              </a:solidFill>
+            <a:normAutofit/>
+          </a:bodyPr>
+          <a:p>
+            <a:endParaRPr b="0" lang="en-US" sz="3200" spc="-1" strike="noStrike">
               <a:latin typeface="Arial"/>
             </a:endParaRPr>
           </a:p>
@@ -2433,7 +2315,7 @@
         <p:spPr>
           <a:xfrm>
             <a:off x="360000" y="2960280"/>
-            <a:ext cx="9360000" cy="1716840"/>
+            <a:ext cx="9359640" cy="1716840"/>
           </a:xfrm>
           <a:prstGeom prst="rect">
             <a:avLst/>
@@ -2445,13 +2327,10 @@
         </p:spPr>
         <p:txBody>
           <a:bodyPr lIns="0" rIns="0" tIns="0" bIns="0" anchor="t">
-            <a:noAutofit/>
-          </a:bodyPr>
-          <a:p>
-            <a:endParaRPr b="0" lang="en-US" sz="2400" spc="-1" strike="noStrike">
-              <a:solidFill>
-                <a:srgbClr val="009bdd"/>
-              </a:solidFill>
+            <a:normAutofit/>
+          </a:bodyPr>
+          <a:p>
+            <a:endParaRPr b="0" lang="en-US" sz="3200" spc="-1" strike="noStrike">
               <a:latin typeface="Arial"/>
             </a:endParaRPr>
           </a:p>
@@ -2464,7 +2343,7 @@
             <a:spLocks noGrp="1"/>
           </p:cNvSpPr>
           <p:nvPr>
-            <p:ph type="ftr" idx="2"/>
+            <p:ph type="ftr" idx="1"/>
           </p:nvPr>
         </p:nvSpPr>
         <p:spPr/>
@@ -2484,14 +2363,14 @@
             <a:spLocks noGrp="1"/>
           </p:cNvSpPr>
           <p:nvPr>
-            <p:ph type="sldNum" idx="3"/>
+            <p:ph type="sldNum" idx="2"/>
           </p:nvPr>
         </p:nvSpPr>
         <p:spPr/>
         <p:txBody>
           <a:bodyPr/>
           <a:p>
-            <a:fld id="{779F75F5-344E-49B0-9727-2896B360217B}" type="slidenum">
+            <a:fld id="{7B865B89-F66F-47EE-8A31-E34C6C2C628C}" type="slidenum">
               <a:t>&lt;#&gt;</a:t>
             </a:fld>
           </a:p>
@@ -2504,7 +2383,7 @@
             <a:spLocks noGrp="1"/>
           </p:cNvSpPr>
           <p:nvPr>
-            <p:ph type="dt" idx="1"/>
+            <p:ph type="dt" idx="3"/>
           </p:nvPr>
         </p:nvSpPr>
         <p:spPr/>
@@ -2552,8 +2431,8 @@
         </p:nvSpPr>
         <p:spPr>
           <a:xfrm>
-            <a:off x="360000" y="180000"/>
-            <a:ext cx="9360000" cy="478080"/>
+            <a:off x="360000" y="106200"/>
+            <a:ext cx="9359640" cy="625320"/>
           </a:xfrm>
           <a:prstGeom prst="rect">
             <a:avLst/>
@@ -2571,10 +2450,7 @@
             <a:pPr algn="ctr">
               <a:buNone/>
             </a:pPr>
-            <a:endParaRPr b="0" lang="en-US" sz="3300" spc="-1" strike="noStrike">
-              <a:solidFill>
-                <a:srgbClr val="ffffff"/>
-              </a:solidFill>
+            <a:endParaRPr b="0" lang="en-US" sz="4400" spc="-1" strike="noStrike">
               <a:latin typeface="Arial"/>
             </a:endParaRPr>
           </a:p>
@@ -2605,13 +2481,10 @@
         </p:spPr>
         <p:txBody>
           <a:bodyPr lIns="0" rIns="0" tIns="0" bIns="0" anchor="t">
-            <a:noAutofit/>
-          </a:bodyPr>
-          <a:p>
-            <a:endParaRPr b="0" lang="en-US" sz="2400" spc="-1" strike="noStrike">
-              <a:solidFill>
-                <a:srgbClr val="009bdd"/>
-              </a:solidFill>
+            <a:normAutofit/>
+          </a:bodyPr>
+          <a:p>
+            <a:endParaRPr b="0" lang="en-US" sz="3200" spc="-1" strike="noStrike">
               <a:latin typeface="Arial"/>
             </a:endParaRPr>
           </a:p>
@@ -2642,13 +2515,10 @@
         </p:spPr>
         <p:txBody>
           <a:bodyPr lIns="0" rIns="0" tIns="0" bIns="0" anchor="t">
-            <a:noAutofit/>
-          </a:bodyPr>
-          <a:p>
-            <a:endParaRPr b="0" lang="en-US" sz="2400" spc="-1" strike="noStrike">
-              <a:solidFill>
-                <a:srgbClr val="009bdd"/>
-              </a:solidFill>
+            <a:normAutofit/>
+          </a:bodyPr>
+          <a:p>
+            <a:endParaRPr b="0" lang="en-US" sz="3200" spc="-1" strike="noStrike">
               <a:latin typeface="Arial"/>
             </a:endParaRPr>
           </a:p>
@@ -2679,13 +2549,10 @@
         </p:spPr>
         <p:txBody>
           <a:bodyPr lIns="0" rIns="0" tIns="0" bIns="0" anchor="t">
-            <a:noAutofit/>
-          </a:bodyPr>
-          <a:p>
-            <a:endParaRPr b="0" lang="en-US" sz="2400" spc="-1" strike="noStrike">
-              <a:solidFill>
-                <a:srgbClr val="009bdd"/>
-              </a:solidFill>
+            <a:normAutofit/>
+          </a:bodyPr>
+          <a:p>
+            <a:endParaRPr b="0" lang="en-US" sz="3200" spc="-1" strike="noStrike">
               <a:latin typeface="Arial"/>
             </a:endParaRPr>
           </a:p>
@@ -2716,13 +2583,10 @@
         </p:spPr>
         <p:txBody>
           <a:bodyPr lIns="0" rIns="0" tIns="0" bIns="0" anchor="t">
-            <a:noAutofit/>
-          </a:bodyPr>
-          <a:p>
-            <a:endParaRPr b="0" lang="en-US" sz="2400" spc="-1" strike="noStrike">
-              <a:solidFill>
-                <a:srgbClr val="009bdd"/>
-              </a:solidFill>
+            <a:normAutofit/>
+          </a:bodyPr>
+          <a:p>
+            <a:endParaRPr b="0" lang="en-US" sz="3200" spc="-1" strike="noStrike">
               <a:latin typeface="Arial"/>
             </a:endParaRPr>
           </a:p>
@@ -2735,7 +2599,7 @@
             <a:spLocks noGrp="1"/>
           </p:cNvSpPr>
           <p:nvPr>
-            <p:ph type="ftr" idx="2"/>
+            <p:ph type="ftr" idx="1"/>
           </p:nvPr>
         </p:nvSpPr>
         <p:spPr/>
@@ -2755,14 +2619,14 @@
             <a:spLocks noGrp="1"/>
           </p:cNvSpPr>
           <p:nvPr>
-            <p:ph type="sldNum" idx="3"/>
+            <p:ph type="sldNum" idx="2"/>
           </p:nvPr>
         </p:nvSpPr>
         <p:spPr/>
         <p:txBody>
           <a:bodyPr/>
           <a:p>
-            <a:fld id="{AD25739E-2F21-4D89-BBCB-B6AE7A461C71}" type="slidenum">
+            <a:fld id="{4DFF8F9D-C4AD-4979-AFA8-DC69B3E5EF05}" type="slidenum">
               <a:t>&lt;#&gt;</a:t>
             </a:fld>
           </a:p>
@@ -2775,7 +2639,7 @@
             <a:spLocks noGrp="1"/>
           </p:cNvSpPr>
           <p:nvPr>
-            <p:ph type="dt" idx="1"/>
+            <p:ph type="dt" idx="3"/>
           </p:nvPr>
         </p:nvSpPr>
         <p:spPr/>
@@ -2823,8 +2687,8 @@
         </p:nvSpPr>
         <p:spPr>
           <a:xfrm>
-            <a:off x="360000" y="180000"/>
-            <a:ext cx="9360000" cy="478080"/>
+            <a:off x="360000" y="106200"/>
+            <a:ext cx="9359640" cy="625320"/>
           </a:xfrm>
           <a:prstGeom prst="rect">
             <a:avLst/>
@@ -2842,10 +2706,7 @@
             <a:pPr algn="ctr">
               <a:buNone/>
             </a:pPr>
-            <a:endParaRPr b="0" lang="en-US" sz="3300" spc="-1" strike="noStrike">
-              <a:solidFill>
-                <a:srgbClr val="ffffff"/>
-              </a:solidFill>
+            <a:endParaRPr b="0" lang="en-US" sz="4400" spc="-1" strike="noStrike">
               <a:latin typeface="Arial"/>
             </a:endParaRPr>
           </a:p>
@@ -2876,13 +2737,10 @@
         </p:spPr>
         <p:txBody>
           <a:bodyPr lIns="0" rIns="0" tIns="0" bIns="0" anchor="t">
-            <a:noAutofit/>
-          </a:bodyPr>
-          <a:p>
-            <a:endParaRPr b="0" lang="en-US" sz="2400" spc="-1" strike="noStrike">
-              <a:solidFill>
-                <a:srgbClr val="009bdd"/>
-              </a:solidFill>
+            <a:normAutofit/>
+          </a:bodyPr>
+          <a:p>
+            <a:endParaRPr b="0" lang="en-US" sz="3200" spc="-1" strike="noStrike">
               <a:latin typeface="Arial"/>
             </a:endParaRPr>
           </a:p>
@@ -2913,13 +2771,10 @@
         </p:spPr>
         <p:txBody>
           <a:bodyPr lIns="0" rIns="0" tIns="0" bIns="0" anchor="t">
-            <a:noAutofit/>
-          </a:bodyPr>
-          <a:p>
-            <a:endParaRPr b="0" lang="en-US" sz="2400" spc="-1" strike="noStrike">
-              <a:solidFill>
-                <a:srgbClr val="009bdd"/>
-              </a:solidFill>
+            <a:normAutofit/>
+          </a:bodyPr>
+          <a:p>
+            <a:endParaRPr b="0" lang="en-US" sz="3200" spc="-1" strike="noStrike">
               <a:latin typeface="Arial"/>
             </a:endParaRPr>
           </a:p>
@@ -2950,13 +2805,10 @@
         </p:spPr>
         <p:txBody>
           <a:bodyPr lIns="0" rIns="0" tIns="0" bIns="0" anchor="t">
-            <a:noAutofit/>
-          </a:bodyPr>
-          <a:p>
-            <a:endParaRPr b="0" lang="en-US" sz="2400" spc="-1" strike="noStrike">
-              <a:solidFill>
-                <a:srgbClr val="009bdd"/>
-              </a:solidFill>
+            <a:normAutofit/>
+          </a:bodyPr>
+          <a:p>
+            <a:endParaRPr b="0" lang="en-US" sz="3200" spc="-1" strike="noStrike">
               <a:latin typeface="Arial"/>
             </a:endParaRPr>
           </a:p>
@@ -2987,13 +2839,10 @@
         </p:spPr>
         <p:txBody>
           <a:bodyPr lIns="0" rIns="0" tIns="0" bIns="0" anchor="t">
-            <a:noAutofit/>
-          </a:bodyPr>
-          <a:p>
-            <a:endParaRPr b="0" lang="en-US" sz="2400" spc="-1" strike="noStrike">
-              <a:solidFill>
-                <a:srgbClr val="009bdd"/>
-              </a:solidFill>
+            <a:normAutofit/>
+          </a:bodyPr>
+          <a:p>
+            <a:endParaRPr b="0" lang="en-US" sz="3200" spc="-1" strike="noStrike">
               <a:latin typeface="Arial"/>
             </a:endParaRPr>
           </a:p>
@@ -3024,13 +2873,10 @@
         </p:spPr>
         <p:txBody>
           <a:bodyPr lIns="0" rIns="0" tIns="0" bIns="0" anchor="t">
-            <a:noAutofit/>
-          </a:bodyPr>
-          <a:p>
-            <a:endParaRPr b="0" lang="en-US" sz="2400" spc="-1" strike="noStrike">
-              <a:solidFill>
-                <a:srgbClr val="009bdd"/>
-              </a:solidFill>
+            <a:normAutofit/>
+          </a:bodyPr>
+          <a:p>
+            <a:endParaRPr b="0" lang="en-US" sz="3200" spc="-1" strike="noStrike">
               <a:latin typeface="Arial"/>
             </a:endParaRPr>
           </a:p>
@@ -3061,13 +2907,10 @@
         </p:spPr>
         <p:txBody>
           <a:bodyPr lIns="0" rIns="0" tIns="0" bIns="0" anchor="t">
-            <a:noAutofit/>
-          </a:bodyPr>
-          <a:p>
-            <a:endParaRPr b="0" lang="en-US" sz="2400" spc="-1" strike="noStrike">
-              <a:solidFill>
-                <a:srgbClr val="009bdd"/>
-              </a:solidFill>
+            <a:normAutofit/>
+          </a:bodyPr>
+          <a:p>
+            <a:endParaRPr b="0" lang="en-US" sz="3200" spc="-1" strike="noStrike">
               <a:latin typeface="Arial"/>
             </a:endParaRPr>
           </a:p>
@@ -3080,7 +2923,7 @@
             <a:spLocks noGrp="1"/>
           </p:cNvSpPr>
           <p:nvPr>
-            <p:ph type="ftr" idx="2"/>
+            <p:ph type="ftr" idx="1"/>
           </p:nvPr>
         </p:nvSpPr>
         <p:spPr/>
@@ -3100,14 +2943,14 @@
             <a:spLocks noGrp="1"/>
           </p:cNvSpPr>
           <p:nvPr>
-            <p:ph type="sldNum" idx="3"/>
+            <p:ph type="sldNum" idx="2"/>
           </p:nvPr>
         </p:nvSpPr>
         <p:spPr/>
         <p:txBody>
           <a:bodyPr/>
           <a:p>
-            <a:fld id="{5BDDF7E8-07FF-4D34-9467-B586C36DFEC4}" type="slidenum">
+            <a:fld id="{2C1182EA-1503-4BAE-B450-CE924F6EE88A}" type="slidenum">
               <a:t>&lt;#&gt;</a:t>
             </a:fld>
           </a:p>
@@ -3120,7 +2963,7 @@
             <a:spLocks noGrp="1"/>
           </p:cNvSpPr>
           <p:nvPr>
-            <p:ph type="dt" idx="1"/>
+            <p:ph type="dt" idx="3"/>
           </p:nvPr>
         </p:nvSpPr>
         <p:spPr/>
@@ -3168,8 +3011,8 @@
         </p:nvSpPr>
         <p:spPr>
           <a:xfrm>
-            <a:off x="360000" y="180000"/>
-            <a:ext cx="9360000" cy="478080"/>
+            <a:off x="360000" y="106200"/>
+            <a:ext cx="9359640" cy="625320"/>
           </a:xfrm>
           <a:prstGeom prst="rect">
             <a:avLst/>
@@ -3187,10 +3030,7 @@
             <a:pPr algn="ctr">
               <a:buNone/>
             </a:pPr>
-            <a:endParaRPr b="0" lang="en-US" sz="3300" spc="-1" strike="noStrike">
-              <a:solidFill>
-                <a:srgbClr val="ffffff"/>
-              </a:solidFill>
+            <a:endParaRPr b="0" lang="en-US" sz="4400" spc="-1" strike="noStrike">
               <a:latin typeface="Arial"/>
             </a:endParaRPr>
           </a:p>
@@ -3209,7 +3049,7 @@
         <p:spPr>
           <a:xfrm>
             <a:off x="360000" y="1080000"/>
-            <a:ext cx="9360000" cy="3600000"/>
+            <a:ext cx="9359640" cy="3599640"/>
           </a:xfrm>
           <a:prstGeom prst="rect">
             <a:avLst/>
@@ -3221,13 +3061,10 @@
         </p:spPr>
         <p:txBody>
           <a:bodyPr lIns="0" rIns="0" tIns="0" bIns="0" anchor="t">
-            <a:noAutofit/>
-          </a:bodyPr>
-          <a:p>
-            <a:endParaRPr b="0" lang="en-US" sz="2400" spc="-1" strike="noStrike">
-              <a:solidFill>
-                <a:srgbClr val="009bdd"/>
-              </a:solidFill>
+            <a:normAutofit/>
+          </a:bodyPr>
+          <a:p>
+            <a:endParaRPr b="0" lang="en-US" sz="3200" spc="-1" strike="noStrike">
               <a:latin typeface="Arial"/>
             </a:endParaRPr>
           </a:p>
@@ -3267,8 +3104,8 @@
         </p:nvSpPr>
         <p:spPr>
           <a:xfrm>
-            <a:off x="360000" y="180000"/>
-            <a:ext cx="9360000" cy="478080"/>
+            <a:off x="360000" y="106200"/>
+            <a:ext cx="9359640" cy="625320"/>
           </a:xfrm>
           <a:prstGeom prst="rect">
             <a:avLst/>
@@ -3286,10 +3123,7 @@
             <a:pPr algn="ctr">
               <a:buNone/>
             </a:pPr>
-            <a:endParaRPr b="0" lang="en-US" sz="3300" spc="-1" strike="noStrike">
-              <a:solidFill>
-                <a:srgbClr val="ffffff"/>
-              </a:solidFill>
+            <a:endParaRPr b="0" lang="en-US" sz="4400" spc="-1" strike="noStrike">
               <a:latin typeface="Arial"/>
             </a:endParaRPr>
           </a:p>
@@ -3308,7 +3142,7 @@
         <p:spPr>
           <a:xfrm>
             <a:off x="360000" y="1080000"/>
-            <a:ext cx="4567320" cy="3600000"/>
+            <a:ext cx="4567320" cy="3599640"/>
           </a:xfrm>
           <a:prstGeom prst="rect">
             <a:avLst/>
@@ -3320,13 +3154,10 @@
         </p:spPr>
         <p:txBody>
           <a:bodyPr lIns="0" rIns="0" tIns="0" bIns="0" anchor="t">
-            <a:noAutofit/>
-          </a:bodyPr>
-          <a:p>
-            <a:endParaRPr b="0" lang="en-US" sz="2400" spc="-1" strike="noStrike">
-              <a:solidFill>
-                <a:srgbClr val="009bdd"/>
-              </a:solidFill>
+            <a:normAutofit/>
+          </a:bodyPr>
+          <a:p>
+            <a:endParaRPr b="0" lang="en-US" sz="3200" spc="-1" strike="noStrike">
               <a:latin typeface="Arial"/>
             </a:endParaRPr>
           </a:p>
@@ -3345,7 +3176,7 @@
         <p:spPr>
           <a:xfrm>
             <a:off x="5155920" y="1080000"/>
-            <a:ext cx="4567320" cy="3600000"/>
+            <a:ext cx="4567320" cy="3599640"/>
           </a:xfrm>
           <a:prstGeom prst="rect">
             <a:avLst/>
@@ -3357,13 +3188,10 @@
         </p:spPr>
         <p:txBody>
           <a:bodyPr lIns="0" rIns="0" tIns="0" bIns="0" anchor="t">
-            <a:noAutofit/>
-          </a:bodyPr>
-          <a:p>
-            <a:endParaRPr b="0" lang="en-US" sz="2400" spc="-1" strike="noStrike">
-              <a:solidFill>
-                <a:srgbClr val="009bdd"/>
-              </a:solidFill>
+            <a:normAutofit/>
+          </a:bodyPr>
+          <a:p>
+            <a:endParaRPr b="0" lang="en-US" sz="3200" spc="-1" strike="noStrike">
               <a:latin typeface="Arial"/>
             </a:endParaRPr>
           </a:p>
@@ -3403,8 +3231,8 @@
         </p:nvSpPr>
         <p:spPr>
           <a:xfrm>
-            <a:off x="360000" y="180000"/>
-            <a:ext cx="9360000" cy="478080"/>
+            <a:off x="360000" y="106200"/>
+            <a:ext cx="9359640" cy="625320"/>
           </a:xfrm>
           <a:prstGeom prst="rect">
             <a:avLst/>
@@ -3422,10 +3250,7 @@
             <a:pPr algn="ctr">
               <a:buNone/>
             </a:pPr>
-            <a:endParaRPr b="0" lang="en-US" sz="3300" spc="-1" strike="noStrike">
-              <a:solidFill>
-                <a:srgbClr val="ffffff"/>
-              </a:solidFill>
+            <a:endParaRPr b="0" lang="en-US" sz="4400" spc="-1" strike="noStrike">
               <a:latin typeface="Arial"/>
             </a:endParaRPr>
           </a:p>
@@ -3466,7 +3291,7 @@
         <p:spPr>
           <a:xfrm>
             <a:off x="360000" y="180000"/>
-            <a:ext cx="9360000" cy="2217240"/>
+            <a:ext cx="9359640" cy="2215800"/>
           </a:xfrm>
           <a:prstGeom prst="rect">
             <a:avLst/>
@@ -3485,9 +3310,6 @@
               <a:buNone/>
             </a:pPr>
             <a:endParaRPr b="0" lang="en-US" sz="3200" spc="-1" strike="noStrike">
-              <a:highlight>
-                <a:srgbClr val="ffffff"/>
-              </a:highlight>
               <a:latin typeface="Arial"/>
             </a:endParaRPr>
           </a:p>
@@ -3527,8 +3349,8 @@
         </p:nvSpPr>
         <p:spPr>
           <a:xfrm>
-            <a:off x="360000" y="180000"/>
-            <a:ext cx="9360000" cy="478080"/>
+            <a:off x="360000" y="106200"/>
+            <a:ext cx="9359640" cy="625320"/>
           </a:xfrm>
           <a:prstGeom prst="rect">
             <a:avLst/>
@@ -3546,10 +3368,7 @@
             <a:pPr algn="ctr">
               <a:buNone/>
             </a:pPr>
-            <a:endParaRPr b="0" lang="en-US" sz="3300" spc="-1" strike="noStrike">
-              <a:solidFill>
-                <a:srgbClr val="ffffff"/>
-              </a:solidFill>
+            <a:endParaRPr b="0" lang="en-US" sz="4400" spc="-1" strike="noStrike">
               <a:latin typeface="Arial"/>
             </a:endParaRPr>
           </a:p>
@@ -3580,13 +3399,10 @@
         </p:spPr>
         <p:txBody>
           <a:bodyPr lIns="0" rIns="0" tIns="0" bIns="0" anchor="t">
-            <a:noAutofit/>
-          </a:bodyPr>
-          <a:p>
-            <a:endParaRPr b="0" lang="en-US" sz="2400" spc="-1" strike="noStrike">
-              <a:solidFill>
-                <a:srgbClr val="009bdd"/>
-              </a:solidFill>
+            <a:normAutofit/>
+          </a:bodyPr>
+          <a:p>
+            <a:endParaRPr b="0" lang="en-US" sz="3200" spc="-1" strike="noStrike">
               <a:latin typeface="Arial"/>
             </a:endParaRPr>
           </a:p>
@@ -3605,7 +3421,7 @@
         <p:spPr>
           <a:xfrm>
             <a:off x="5155920" y="1080000"/>
-            <a:ext cx="4567320" cy="3600000"/>
+            <a:ext cx="4567320" cy="3599640"/>
           </a:xfrm>
           <a:prstGeom prst="rect">
             <a:avLst/>
@@ -3617,13 +3433,10 @@
         </p:spPr>
         <p:txBody>
           <a:bodyPr lIns="0" rIns="0" tIns="0" bIns="0" anchor="t">
-            <a:noAutofit/>
-          </a:bodyPr>
-          <a:p>
-            <a:endParaRPr b="0" lang="en-US" sz="2400" spc="-1" strike="noStrike">
-              <a:solidFill>
-                <a:srgbClr val="009bdd"/>
-              </a:solidFill>
+            <a:normAutofit/>
+          </a:bodyPr>
+          <a:p>
+            <a:endParaRPr b="0" lang="en-US" sz="3200" spc="-1" strike="noStrike">
               <a:latin typeface="Arial"/>
             </a:endParaRPr>
           </a:p>
@@ -3654,13 +3467,10 @@
         </p:spPr>
         <p:txBody>
           <a:bodyPr lIns="0" rIns="0" tIns="0" bIns="0" anchor="t">
-            <a:noAutofit/>
-          </a:bodyPr>
-          <a:p>
-            <a:endParaRPr b="0" lang="en-US" sz="2400" spc="-1" strike="noStrike">
-              <a:solidFill>
-                <a:srgbClr val="009bdd"/>
-              </a:solidFill>
+            <a:normAutofit/>
+          </a:bodyPr>
+          <a:p>
+            <a:endParaRPr b="0" lang="en-US" sz="3200" spc="-1" strike="noStrike">
               <a:latin typeface="Arial"/>
             </a:endParaRPr>
           </a:p>
@@ -3700,8 +3510,8 @@
         </p:nvSpPr>
         <p:spPr>
           <a:xfrm>
-            <a:off x="360000" y="180000"/>
-            <a:ext cx="9360000" cy="478080"/>
+            <a:off x="360000" y="106200"/>
+            <a:ext cx="9359640" cy="625320"/>
           </a:xfrm>
           <a:prstGeom prst="rect">
             <a:avLst/>
@@ -3719,10 +3529,7 @@
             <a:pPr algn="ctr">
               <a:buNone/>
             </a:pPr>
-            <a:endParaRPr b="0" lang="en-US" sz="3300" spc="-1" strike="noStrike">
-              <a:solidFill>
-                <a:srgbClr val="ffffff"/>
-              </a:solidFill>
+            <a:endParaRPr b="0" lang="en-US" sz="4400" spc="-1" strike="noStrike">
               <a:latin typeface="Arial"/>
             </a:endParaRPr>
           </a:p>
@@ -3741,7 +3548,7 @@
         <p:spPr>
           <a:xfrm>
             <a:off x="360000" y="1080000"/>
-            <a:ext cx="4567320" cy="3600000"/>
+            <a:ext cx="4567320" cy="3599640"/>
           </a:xfrm>
           <a:prstGeom prst="rect">
             <a:avLst/>
@@ -3753,13 +3560,10 @@
         </p:spPr>
         <p:txBody>
           <a:bodyPr lIns="0" rIns="0" tIns="0" bIns="0" anchor="t">
-            <a:noAutofit/>
-          </a:bodyPr>
-          <a:p>
-            <a:endParaRPr b="0" lang="en-US" sz="2400" spc="-1" strike="noStrike">
-              <a:solidFill>
-                <a:srgbClr val="009bdd"/>
-              </a:solidFill>
+            <a:normAutofit/>
+          </a:bodyPr>
+          <a:p>
+            <a:endParaRPr b="0" lang="en-US" sz="3200" spc="-1" strike="noStrike">
               <a:latin typeface="Arial"/>
             </a:endParaRPr>
           </a:p>
@@ -3790,13 +3594,10 @@
         </p:spPr>
         <p:txBody>
           <a:bodyPr lIns="0" rIns="0" tIns="0" bIns="0" anchor="t">
-            <a:noAutofit/>
-          </a:bodyPr>
-          <a:p>
-            <a:endParaRPr b="0" lang="en-US" sz="2400" spc="-1" strike="noStrike">
-              <a:solidFill>
-                <a:srgbClr val="009bdd"/>
-              </a:solidFill>
+            <a:normAutofit/>
+          </a:bodyPr>
+          <a:p>
+            <a:endParaRPr b="0" lang="en-US" sz="3200" spc="-1" strike="noStrike">
               <a:latin typeface="Arial"/>
             </a:endParaRPr>
           </a:p>
@@ -3827,13 +3628,10 @@
         </p:spPr>
         <p:txBody>
           <a:bodyPr lIns="0" rIns="0" tIns="0" bIns="0" anchor="t">
-            <a:noAutofit/>
-          </a:bodyPr>
-          <a:p>
-            <a:endParaRPr b="0" lang="en-US" sz="2400" spc="-1" strike="noStrike">
-              <a:solidFill>
-                <a:srgbClr val="009bdd"/>
-              </a:solidFill>
+            <a:normAutofit/>
+          </a:bodyPr>
+          <a:p>
+            <a:endParaRPr b="0" lang="en-US" sz="3200" spc="-1" strike="noStrike">
               <a:latin typeface="Arial"/>
             </a:endParaRPr>
           </a:p>
@@ -3873,8 +3671,8 @@
         </p:nvSpPr>
         <p:spPr>
           <a:xfrm>
-            <a:off x="360000" y="180000"/>
-            <a:ext cx="9360000" cy="478080"/>
+            <a:off x="360000" y="106200"/>
+            <a:ext cx="9359640" cy="625320"/>
           </a:xfrm>
           <a:prstGeom prst="rect">
             <a:avLst/>
@@ -3892,10 +3690,7 @@
             <a:pPr algn="ctr">
               <a:buNone/>
             </a:pPr>
-            <a:endParaRPr b="0" lang="en-US" sz="3300" spc="-1" strike="noStrike">
-              <a:solidFill>
-                <a:srgbClr val="ffffff"/>
-              </a:solidFill>
+            <a:endParaRPr b="0" lang="en-US" sz="4400" spc="-1" strike="noStrike">
               <a:latin typeface="Arial"/>
             </a:endParaRPr>
           </a:p>
@@ -3926,13 +3721,10 @@
         </p:spPr>
         <p:txBody>
           <a:bodyPr lIns="0" rIns="0" tIns="0" bIns="0" anchor="t">
-            <a:noAutofit/>
-          </a:bodyPr>
-          <a:p>
-            <a:endParaRPr b="0" lang="en-US" sz="2400" spc="-1" strike="noStrike">
-              <a:solidFill>
-                <a:srgbClr val="009bdd"/>
-              </a:solidFill>
+            <a:normAutofit/>
+          </a:bodyPr>
+          <a:p>
+            <a:endParaRPr b="0" lang="en-US" sz="3200" spc="-1" strike="noStrike">
               <a:latin typeface="Arial"/>
             </a:endParaRPr>
           </a:p>
@@ -3963,13 +3755,10 @@
         </p:spPr>
         <p:txBody>
           <a:bodyPr lIns="0" rIns="0" tIns="0" bIns="0" anchor="t">
-            <a:noAutofit/>
-          </a:bodyPr>
-          <a:p>
-            <a:endParaRPr b="0" lang="en-US" sz="2400" spc="-1" strike="noStrike">
-              <a:solidFill>
-                <a:srgbClr val="009bdd"/>
-              </a:solidFill>
+            <a:normAutofit/>
+          </a:bodyPr>
+          <a:p>
+            <a:endParaRPr b="0" lang="en-US" sz="3200" spc="-1" strike="noStrike">
               <a:latin typeface="Arial"/>
             </a:endParaRPr>
           </a:p>
@@ -3988,7 +3777,7 @@
         <p:spPr>
           <a:xfrm>
             <a:off x="360000" y="2960280"/>
-            <a:ext cx="9360000" cy="1716840"/>
+            <a:ext cx="9359640" cy="1716840"/>
           </a:xfrm>
           <a:prstGeom prst="rect">
             <a:avLst/>
@@ -4000,13 +3789,10 @@
         </p:spPr>
         <p:txBody>
           <a:bodyPr lIns="0" rIns="0" tIns="0" bIns="0" anchor="t">
-            <a:noAutofit/>
-          </a:bodyPr>
-          <a:p>
-            <a:endParaRPr b="0" lang="en-US" sz="2400" spc="-1" strike="noStrike">
-              <a:solidFill>
-                <a:srgbClr val="009bdd"/>
-              </a:solidFill>
+            <a:normAutofit/>
+          </a:bodyPr>
+          <a:p>
+            <a:endParaRPr b="0" lang="en-US" sz="3200" spc="-1" strike="noStrike">
               <a:latin typeface="Arial"/>
             </a:endParaRPr>
           </a:p>
@@ -4042,8 +3828,8 @@
         </p:nvSpPr>
         <p:spPr>
           <a:xfrm flipH="1" flipV="1">
-            <a:off x="0" y="4500000"/>
-            <a:ext cx="10080000" cy="1170000"/>
+            <a:off x="-720" y="4499280"/>
+            <a:ext cx="10079640" cy="1169640"/>
           </a:xfrm>
           <a:prstGeom prst="flowChartDocument">
             <a:avLst/>
@@ -4057,13 +3843,13 @@
                 <a:srgbClr val="009bdd"/>
               </a:gs>
             </a:gsLst>
-            <a:lin ang="10800000"/>
+            <a:lin ang="0"/>
           </a:gradFill>
           <a:ln w="18000">
             <a:noFill/>
           </a:ln>
           <a:effectLst>
-            <a:outerShdw dist="10800" dir="5400000" blurRad="0" rotWithShape="0">
+            <a:outerShdw blurRad="0" dir="5400000" dist="10800" rotWithShape="0">
               <a:srgbClr val="009bdd"/>
             </a:outerShdw>
           </a:effectLst>
@@ -4077,302 +3863,40 @@
       </p:sp>
       <p:sp>
         <p:nvSpPr>
-          <p:cNvPr id="1" name="PlaceHolder 1"/>
-          <p:cNvSpPr>
-            <a:spLocks noGrp="1"/>
-          </p:cNvSpPr>
-          <p:nvPr>
-            <p:ph type="title"/>
-          </p:nvPr>
-        </p:nvSpPr>
-        <p:spPr>
-          <a:xfrm>
-            <a:off x="0" y="1620000"/>
-            <a:ext cx="9000000" cy="1080000"/>
-          </a:xfrm>
-          <a:prstGeom prst="rect">
-            <a:avLst/>
-          </a:prstGeom>
-          <a:noFill/>
-          <a:ln w="0">
-            <a:noFill/>
-          </a:ln>
-        </p:spPr>
-        <p:txBody>
-          <a:bodyPr lIns="0" rIns="0" tIns="0" bIns="0" anchor="ctr">
-            <a:noAutofit/>
-          </a:bodyPr>
-          <a:p>
-            <a:pPr algn="ctr">
-              <a:buNone/>
-            </a:pPr>
-            <a:r>
-              <a:rPr b="0" lang="en-US" sz="3300" spc="-1" strike="noStrike">
-                <a:solidFill>
-                  <a:srgbClr val="dd4100"/>
-                </a:solidFill>
-                <a:latin typeface="Arial"/>
-              </a:rPr>
-              <a:t>Click to edit the title text format</a:t>
-            </a:r>
-            <a:endParaRPr b="0" lang="en-US" sz="3300" spc="-1" strike="noStrike">
-              <a:solidFill>
-                <a:srgbClr val="dd4100"/>
-              </a:solidFill>
-              <a:latin typeface="Arial"/>
-            </a:endParaRPr>
-          </a:p>
-        </p:txBody>
-      </p:sp>
-      <p:sp>
-        <p:nvSpPr>
-          <p:cNvPr id="2" name="PlaceHolder 2"/>
-          <p:cNvSpPr>
-            <a:spLocks noGrp="1"/>
-          </p:cNvSpPr>
-          <p:nvPr>
-            <p:ph type="body"/>
-          </p:nvPr>
-        </p:nvSpPr>
-        <p:spPr>
-          <a:xfrm>
-            <a:off x="360000" y="2880000"/>
-            <a:ext cx="9360000" cy="1620000"/>
-          </a:xfrm>
-          <a:prstGeom prst="rect">
-            <a:avLst/>
-          </a:prstGeom>
-          <a:noFill/>
-          <a:ln w="0">
-            <a:noFill/>
-          </a:ln>
-        </p:spPr>
-        <p:txBody>
-          <a:bodyPr lIns="0" rIns="0" tIns="0" bIns="0" anchor="t">
-            <a:normAutofit fontScale="78000"/>
-          </a:bodyPr>
-          <a:p>
-            <a:pPr marL="432000" indent="-324000">
-              <a:spcBef>
-                <a:spcPts val="1060"/>
-              </a:spcBef>
-              <a:buClr>
-                <a:srgbClr val="77caee"/>
-              </a:buClr>
-              <a:buSzPct val="45000"/>
-              <a:buFont typeface="Wingdings" charset="2"/>
-              <a:buChar char=""/>
-            </a:pPr>
-            <a:r>
-              <a:rPr b="0" lang="en-US" sz="2400" spc="-1" strike="noStrike">
-                <a:solidFill>
-                  <a:srgbClr val="009bdd"/>
-                </a:solidFill>
-                <a:latin typeface="Arial"/>
-              </a:rPr>
-              <a:t>Click to edit the outline text format</a:t>
-            </a:r>
-            <a:endParaRPr b="0" lang="en-US" sz="2400" spc="-1" strike="noStrike">
-              <a:solidFill>
-                <a:srgbClr val="009bdd"/>
-              </a:solidFill>
-              <a:latin typeface="Arial"/>
-            </a:endParaRPr>
-          </a:p>
-          <a:p>
-            <a:pPr lvl="1" marL="864000" indent="-324000">
-              <a:spcBef>
-                <a:spcPts val="850"/>
-              </a:spcBef>
-              <a:buClr>
-                <a:srgbClr val="77caee"/>
-              </a:buClr>
-              <a:buSzPct val="45000"/>
-              <a:buFont typeface="Wingdings" charset="2"/>
-              <a:buChar char=""/>
-            </a:pPr>
-            <a:r>
-              <a:rPr b="0" lang="en-US" sz="2100" spc="-1" strike="noStrike">
-                <a:solidFill>
-                  <a:srgbClr val="009bdd"/>
-                </a:solidFill>
-                <a:latin typeface="Arial"/>
-              </a:rPr>
-              <a:t>Second Outline Level</a:t>
-            </a:r>
-            <a:endParaRPr b="0" lang="en-US" sz="2100" spc="-1" strike="noStrike">
-              <a:solidFill>
-                <a:srgbClr val="009bdd"/>
-              </a:solidFill>
-              <a:latin typeface="Arial"/>
-            </a:endParaRPr>
-          </a:p>
-          <a:p>
-            <a:pPr lvl="2" marL="1296000" indent="-288000">
-              <a:spcBef>
-                <a:spcPts val="635"/>
-              </a:spcBef>
-              <a:buClr>
-                <a:srgbClr val="77caee"/>
-              </a:buClr>
-              <a:buSzPct val="45000"/>
-              <a:buFont typeface="Wingdings" charset="2"/>
-              <a:buChar char=""/>
-            </a:pPr>
-            <a:r>
-              <a:rPr b="0" lang="en-US" sz="1800" spc="-1" strike="noStrike">
-                <a:solidFill>
-                  <a:srgbClr val="009bdd"/>
-                </a:solidFill>
-                <a:latin typeface="Arial"/>
-              </a:rPr>
-              <a:t>Third Outline Level</a:t>
-            </a:r>
-            <a:endParaRPr b="0" lang="en-US" sz="1800" spc="-1" strike="noStrike">
-              <a:solidFill>
-                <a:srgbClr val="009bdd"/>
-              </a:solidFill>
-              <a:latin typeface="Arial"/>
-            </a:endParaRPr>
-          </a:p>
-          <a:p>
-            <a:pPr lvl="3" marL="1728000" indent="-216000">
-              <a:spcBef>
-                <a:spcPts val="422"/>
-              </a:spcBef>
-              <a:buClr>
-                <a:srgbClr val="77caee"/>
-              </a:buClr>
-              <a:buSzPct val="45000"/>
-              <a:buFont typeface="Wingdings" charset="2"/>
-              <a:buChar char=""/>
-            </a:pPr>
-            <a:r>
-              <a:rPr b="0" lang="en-US" sz="1500" spc="-1" strike="noStrike">
-                <a:solidFill>
-                  <a:srgbClr val="009bdd"/>
-                </a:solidFill>
-                <a:latin typeface="Arial"/>
-              </a:rPr>
-              <a:t>Fourth Outline Level</a:t>
-            </a:r>
-            <a:endParaRPr b="0" lang="en-US" sz="1500" spc="-1" strike="noStrike">
-              <a:solidFill>
-                <a:srgbClr val="009bdd"/>
-              </a:solidFill>
-              <a:latin typeface="Arial"/>
-            </a:endParaRPr>
-          </a:p>
-          <a:p>
-            <a:pPr lvl="4" marL="2160000" indent="-216000">
-              <a:spcBef>
-                <a:spcPts val="210"/>
-              </a:spcBef>
-              <a:buClr>
-                <a:srgbClr val="77caee"/>
-              </a:buClr>
-              <a:buSzPct val="45000"/>
-              <a:buFont typeface="Wingdings" charset="2"/>
-              <a:buChar char=""/>
-            </a:pPr>
-            <a:r>
-              <a:rPr b="0" lang="en-US" sz="1500" spc="-1" strike="noStrike">
-                <a:solidFill>
-                  <a:srgbClr val="009bdd"/>
-                </a:solidFill>
-                <a:latin typeface="Arial"/>
-              </a:rPr>
-              <a:t>Fifth Outline Level</a:t>
-            </a:r>
-            <a:endParaRPr b="0" lang="en-US" sz="1500" spc="-1" strike="noStrike">
-              <a:solidFill>
-                <a:srgbClr val="009bdd"/>
-              </a:solidFill>
-              <a:latin typeface="Arial"/>
-            </a:endParaRPr>
-          </a:p>
-          <a:p>
-            <a:pPr lvl="5" marL="2592000" indent="-216000">
-              <a:spcBef>
-                <a:spcPts val="210"/>
-              </a:spcBef>
-              <a:buClr>
-                <a:srgbClr val="77caee"/>
-              </a:buClr>
-              <a:buSzPct val="45000"/>
-              <a:buFont typeface="Wingdings" charset="2"/>
-              <a:buChar char=""/>
-            </a:pPr>
-            <a:r>
-              <a:rPr b="0" lang="en-US" sz="1500" spc="-1" strike="noStrike">
-                <a:solidFill>
-                  <a:srgbClr val="009bdd"/>
-                </a:solidFill>
-                <a:latin typeface="Arial"/>
-              </a:rPr>
-              <a:t>Sixth Outline Level</a:t>
-            </a:r>
-            <a:endParaRPr b="0" lang="en-US" sz="1500" spc="-1" strike="noStrike">
-              <a:solidFill>
-                <a:srgbClr val="009bdd"/>
-              </a:solidFill>
-              <a:latin typeface="Arial"/>
-            </a:endParaRPr>
-          </a:p>
-          <a:p>
-            <a:pPr lvl="6" marL="3024000" indent="-216000">
-              <a:spcBef>
-                <a:spcPts val="210"/>
-              </a:spcBef>
-              <a:buClr>
-                <a:srgbClr val="77caee"/>
-              </a:buClr>
-              <a:buSzPct val="45000"/>
-              <a:buFont typeface="Wingdings" charset="2"/>
-              <a:buChar char=""/>
-            </a:pPr>
-            <a:r>
-              <a:rPr b="0" lang="en-US" sz="1500" spc="-1" strike="noStrike">
-                <a:solidFill>
-                  <a:srgbClr val="009bdd"/>
-                </a:solidFill>
-                <a:latin typeface="Arial"/>
-              </a:rPr>
-              <a:t>Seventh Outline Level</a:t>
-            </a:r>
-            <a:endParaRPr b="0" lang="en-US" sz="1500" spc="-1" strike="noStrike">
-              <a:solidFill>
-                <a:srgbClr val="009bdd"/>
-              </a:solidFill>
-              <a:latin typeface="Arial"/>
-            </a:endParaRPr>
-          </a:p>
-        </p:txBody>
-      </p:sp>
-      <p:sp>
-        <p:nvSpPr>
-          <p:cNvPr id="3" name=""/>
-          <p:cNvSpPr txBox="1"/>
+          <p:cNvPr id="1" name=""/>
+          <p:cNvSpPr/>
           <p:nvPr/>
         </p:nvSpPr>
         <p:spPr>
           <a:xfrm>
             <a:off x="360000" y="5220000"/>
-            <a:ext cx="2340000" cy="360000"/>
-          </a:xfrm>
-          <a:prstGeom prst="rect">
-            <a:avLst/>
-          </a:prstGeom>
-          <a:noFill/>
-          <a:ln w="0">
-            <a:noFill/>
-          </a:ln>
-        </p:spPr>
+            <a:ext cx="2339640" cy="359640"/>
+          </a:xfrm>
+          <a:prstGeom prst="rect">
+            <a:avLst/>
+          </a:prstGeom>
+          <a:noFill/>
+          <a:ln w="0">
+            <a:noFill/>
+          </a:ln>
+        </p:spPr>
+        <p:style>
+          <a:lnRef idx="0"/>
+          <a:fillRef idx="0"/>
+          <a:effectRef idx="0"/>
+          <a:fontRef idx="minor"/>
+        </p:style>
         <p:txBody>
           <a:bodyPr lIns="0" rIns="0" tIns="0" bIns="0" anchor="t">
             <a:noAutofit/>
           </a:bodyPr>
           <a:p>
+            <a:pPr>
+              <a:lnSpc>
+                <a:spcPct val="100000"/>
+              </a:lnSpc>
+              <a:buNone/>
+            </a:pPr>
             <a:r>
               <a:rPr b="0" lang="en-US" sz="1400" spc="-1" strike="noStrike">
                 <a:solidFill>
@@ -4383,39 +3907,45 @@
               <a:t>&lt;date/time&gt;</a:t>
             </a:r>
             <a:endParaRPr b="0" lang="en-US" sz="1400" spc="-1" strike="noStrike">
-              <a:solidFill>
-                <a:srgbClr val="ffffff"/>
-              </a:solidFill>
-              <a:latin typeface="Arial"/>
-            </a:endParaRPr>
-          </a:p>
-        </p:txBody>
-      </p:sp>
-      <p:sp>
-        <p:nvSpPr>
-          <p:cNvPr id="4" name=""/>
-          <p:cNvSpPr txBox="1"/>
+              <a:latin typeface="Arial"/>
+            </a:endParaRPr>
+          </a:p>
+        </p:txBody>
+      </p:sp>
+      <p:sp>
+        <p:nvSpPr>
+          <p:cNvPr id="2" name=""/>
+          <p:cNvSpPr/>
           <p:nvPr/>
         </p:nvSpPr>
         <p:spPr>
           <a:xfrm>
             <a:off x="3420000" y="5220000"/>
-            <a:ext cx="3240000" cy="360000"/>
-          </a:xfrm>
-          <a:prstGeom prst="rect">
-            <a:avLst/>
-          </a:prstGeom>
-          <a:noFill/>
-          <a:ln w="0">
-            <a:noFill/>
-          </a:ln>
-        </p:spPr>
+            <a:ext cx="3239640" cy="359640"/>
+          </a:xfrm>
+          <a:prstGeom prst="rect">
+            <a:avLst/>
+          </a:prstGeom>
+          <a:noFill/>
+          <a:ln w="0">
+            <a:noFill/>
+          </a:ln>
+        </p:spPr>
+        <p:style>
+          <a:lnRef idx="0"/>
+          <a:fillRef idx="0"/>
+          <a:effectRef idx="0"/>
+          <a:fontRef idx="minor"/>
+        </p:style>
         <p:txBody>
           <a:bodyPr lIns="0" rIns="0" tIns="0" bIns="0" anchor="t">
             <a:noAutofit/>
           </a:bodyPr>
           <a:p>
             <a:pPr algn="ctr">
+              <a:lnSpc>
+                <a:spcPct val="100000"/>
+              </a:lnSpc>
               <a:buNone/>
             </a:pPr>
             <a:r>
@@ -4428,54 +3958,280 @@
               <a:t>&lt;footer&gt;</a:t>
             </a:r>
             <a:endParaRPr b="0" lang="en-US" sz="1400" spc="-1" strike="noStrike">
-              <a:solidFill>
-                <a:srgbClr val="ffffff"/>
-              </a:solidFill>
-              <a:latin typeface="Arial"/>
-            </a:endParaRPr>
-          </a:p>
-        </p:txBody>
-      </p:sp>
-      <p:sp>
-        <p:nvSpPr>
-          <p:cNvPr id="5" name=""/>
-          <p:cNvSpPr txBox="1"/>
+              <a:latin typeface="Arial"/>
+            </a:endParaRPr>
+          </a:p>
+        </p:txBody>
+      </p:sp>
+      <p:sp>
+        <p:nvSpPr>
+          <p:cNvPr id="3" name=""/>
+          <p:cNvSpPr/>
           <p:nvPr/>
         </p:nvSpPr>
         <p:spPr>
           <a:xfrm>
             <a:off x="7380000" y="5220000"/>
-            <a:ext cx="2340000" cy="360000"/>
-          </a:xfrm>
-          <a:prstGeom prst="rect">
-            <a:avLst/>
-          </a:prstGeom>
-          <a:noFill/>
-          <a:ln w="0">
-            <a:noFill/>
-          </a:ln>
-        </p:spPr>
+            <a:ext cx="2339640" cy="359640"/>
+          </a:xfrm>
+          <a:prstGeom prst="rect">
+            <a:avLst/>
+          </a:prstGeom>
+          <a:noFill/>
+          <a:ln w="0">
+            <a:noFill/>
+          </a:ln>
+        </p:spPr>
+        <p:style>
+          <a:lnRef idx="0"/>
+          <a:fillRef idx="0"/>
+          <a:effectRef idx="0"/>
+          <a:fontRef idx="minor"/>
+        </p:style>
         <p:txBody>
           <a:bodyPr lIns="0" rIns="0" tIns="0" bIns="0" anchor="t">
             <a:noAutofit/>
           </a:bodyPr>
           <a:p>
             <a:pPr algn="r">
+              <a:lnSpc>
+                <a:spcPct val="100000"/>
+              </a:lnSpc>
               <a:buNone/>
             </a:pPr>
-            <a:fld id="{1630A2EA-1E55-4432-A175-0218E4916071}" type="slidenum">
+            <a:fld id="{431C2E27-D0FC-4D81-99E2-BBEC445BBE3F}" type="slidenum">
               <a:rPr b="0" lang="en-US" sz="1400" spc="-1" strike="noStrike">
                 <a:solidFill>
                   <a:srgbClr val="ffffff"/>
                 </a:solidFill>
                 <a:latin typeface="Arial"/>
               </a:rPr>
-              <a:t>&lt;number&gt;</a:t>
+              <a:t>6</a:t>
             </a:fld>
             <a:endParaRPr b="0" lang="en-US" sz="1400" spc="-1" strike="noStrike">
-              <a:solidFill>
-                <a:srgbClr val="ffffff"/>
-              </a:solidFill>
+              <a:latin typeface="Arial"/>
+            </a:endParaRPr>
+          </a:p>
+        </p:txBody>
+      </p:sp>
+      <p:sp>
+        <p:nvSpPr>
+          <p:cNvPr id="4" name="PlaceHolder 1"/>
+          <p:cNvSpPr>
+            <a:spLocks noGrp="1"/>
+          </p:cNvSpPr>
+          <p:nvPr>
+            <p:ph type="title"/>
+          </p:nvPr>
+        </p:nvSpPr>
+        <p:spPr>
+          <a:xfrm>
+            <a:off x="360000" y="180000"/>
+            <a:ext cx="9359640" cy="477720"/>
+          </a:xfrm>
+          <a:prstGeom prst="rect">
+            <a:avLst/>
+          </a:prstGeom>
+          <a:noFill/>
+          <a:ln w="0">
+            <a:noFill/>
+          </a:ln>
+        </p:spPr>
+        <p:txBody>
+          <a:bodyPr lIns="0" rIns="0" tIns="0" bIns="0" anchor="ctr">
+            <a:noAutofit/>
+          </a:bodyPr>
+          <a:p>
+            <a:r>
+              <a:rPr b="0" lang="en-US" sz="1800" spc="-1" strike="noStrike">
+                <a:latin typeface="Arial"/>
+              </a:rPr>
+              <a:t>Click to edit the title text format</a:t>
+            </a:r>
+            <a:endParaRPr b="0" lang="en-US" sz="1800" spc="-1" strike="noStrike">
+              <a:latin typeface="Arial"/>
+            </a:endParaRPr>
+          </a:p>
+        </p:txBody>
+      </p:sp>
+      <p:sp>
+        <p:nvSpPr>
+          <p:cNvPr id="5" name="PlaceHolder 2"/>
+          <p:cNvSpPr>
+            <a:spLocks noGrp="1"/>
+          </p:cNvSpPr>
+          <p:nvPr>
+            <p:ph type="body"/>
+          </p:nvPr>
+        </p:nvSpPr>
+        <p:spPr>
+          <a:xfrm>
+            <a:off x="504000" y="1326600"/>
+            <a:ext cx="9072000" cy="3288600"/>
+          </a:xfrm>
+          <a:prstGeom prst="rect">
+            <a:avLst/>
+          </a:prstGeom>
+          <a:noFill/>
+          <a:ln w="0">
+            <a:noFill/>
+          </a:ln>
+        </p:spPr>
+        <p:txBody>
+          <a:bodyPr lIns="0" rIns="0" tIns="0" bIns="0" anchor="t">
+            <a:normAutofit/>
+          </a:bodyPr>
+          <a:p>
+            <a:pPr marL="432000" indent="-324000">
+              <a:spcBef>
+                <a:spcPts val="1417"/>
+              </a:spcBef>
+              <a:buClr>
+                <a:srgbClr val="000000"/>
+              </a:buClr>
+              <a:buSzPct val="45000"/>
+              <a:buFont typeface="Wingdings" charset="2"/>
+              <a:buChar char=""/>
+            </a:pPr>
+            <a:r>
+              <a:rPr b="0" lang="en-US" sz="3200" spc="-1" strike="noStrike">
+                <a:latin typeface="Arial"/>
+              </a:rPr>
+              <a:t>Click to edit the outline text format</a:t>
+            </a:r>
+            <a:endParaRPr b="0" lang="en-US" sz="3200" spc="-1" strike="noStrike">
+              <a:latin typeface="Arial"/>
+            </a:endParaRPr>
+          </a:p>
+          <a:p>
+            <a:pPr lvl="1" marL="864000" indent="-324000">
+              <a:spcBef>
+                <a:spcPts val="1134"/>
+              </a:spcBef>
+              <a:buClr>
+                <a:srgbClr val="000000"/>
+              </a:buClr>
+              <a:buSzPct val="75000"/>
+              <a:buFont typeface="Symbol" charset="2"/>
+              <a:buChar char=""/>
+            </a:pPr>
+            <a:r>
+              <a:rPr b="0" lang="en-US" sz="2800" spc="-1" strike="noStrike">
+                <a:latin typeface="Arial"/>
+              </a:rPr>
+              <a:t>Second Outline Level</a:t>
+            </a:r>
+            <a:endParaRPr b="0" lang="en-US" sz="2800" spc="-1" strike="noStrike">
+              <a:latin typeface="Arial"/>
+            </a:endParaRPr>
+          </a:p>
+          <a:p>
+            <a:pPr lvl="2" marL="1296000" indent="-288000">
+              <a:spcBef>
+                <a:spcPts val="850"/>
+              </a:spcBef>
+              <a:buClr>
+                <a:srgbClr val="000000"/>
+              </a:buClr>
+              <a:buSzPct val="45000"/>
+              <a:buFont typeface="Wingdings" charset="2"/>
+              <a:buChar char=""/>
+            </a:pPr>
+            <a:r>
+              <a:rPr b="0" lang="en-US" sz="2400" spc="-1" strike="noStrike">
+                <a:latin typeface="Arial"/>
+              </a:rPr>
+              <a:t>Third Outline Level</a:t>
+            </a:r>
+            <a:endParaRPr b="0" lang="en-US" sz="2400" spc="-1" strike="noStrike">
+              <a:latin typeface="Arial"/>
+            </a:endParaRPr>
+          </a:p>
+          <a:p>
+            <a:pPr lvl="3" marL="1728000" indent="-216000">
+              <a:spcBef>
+                <a:spcPts val="567"/>
+              </a:spcBef>
+              <a:buClr>
+                <a:srgbClr val="000000"/>
+              </a:buClr>
+              <a:buSzPct val="75000"/>
+              <a:buFont typeface="Symbol" charset="2"/>
+              <a:buChar char=""/>
+            </a:pPr>
+            <a:r>
+              <a:rPr b="0" lang="en-US" sz="2000" spc="-1" strike="noStrike">
+                <a:latin typeface="Arial"/>
+              </a:rPr>
+              <a:t>Fourth Outline Level</a:t>
+            </a:r>
+            <a:endParaRPr b="0" lang="en-US" sz="2000" spc="-1" strike="noStrike">
+              <a:latin typeface="Arial"/>
+            </a:endParaRPr>
+          </a:p>
+          <a:p>
+            <a:pPr lvl="4" marL="2160000" indent="-216000">
+              <a:spcBef>
+                <a:spcPts val="283"/>
+              </a:spcBef>
+              <a:buClr>
+                <a:srgbClr val="000000"/>
+              </a:buClr>
+              <a:buSzPct val="45000"/>
+              <a:buFont typeface="Wingdings" charset="2"/>
+              <a:buChar char=""/>
+            </a:pPr>
+            <a:r>
+              <a:rPr b="0" lang="en-US" sz="2000" spc="-1" strike="noStrike">
+                <a:latin typeface="Arial"/>
+              </a:rPr>
+              <a:t>Fifth Outline Level</a:t>
+            </a:r>
+            <a:endParaRPr b="0" lang="en-US" sz="2000" spc="-1" strike="noStrike">
+              <a:latin typeface="Arial"/>
+            </a:endParaRPr>
+          </a:p>
+          <a:p>
+            <a:pPr lvl="5" marL="2592000" indent="-216000">
+              <a:spcBef>
+                <a:spcPts val="283"/>
+              </a:spcBef>
+              <a:buClr>
+                <a:srgbClr val="000000"/>
+              </a:buClr>
+              <a:buSzPct val="45000"/>
+              <a:buFont typeface="Wingdings" charset="2"/>
+              <a:buChar char=""/>
+            </a:pPr>
+            <a:r>
+              <a:rPr b="0" lang="en-US" sz="2000" spc="-1" strike="noStrike">
+                <a:latin typeface="Arial"/>
+              </a:rPr>
+              <a:t>Sixth Outline Level</a:t>
+            </a:r>
+            <a:endParaRPr b="0" lang="en-US" sz="2000" spc="-1" strike="noStrike">
+              <a:latin typeface="Arial"/>
+            </a:endParaRPr>
+          </a:p>
+          <a:p>
+            <a:pPr lvl="6" marL="3024000" indent="-216000">
+              <a:spcBef>
+                <a:spcPts val="283"/>
+              </a:spcBef>
+              <a:buClr>
+                <a:srgbClr val="000000"/>
+              </a:buClr>
+              <a:buSzPct val="45000"/>
+              <a:buFont typeface="Wingdings" charset="2"/>
+              <a:buChar char=""/>
+            </a:pPr>
+            <a:r>
+              <a:rPr b="0" lang="en-US" sz="2000" spc="-1" strike="noStrike">
+                <a:latin typeface="Arial"/>
+              </a:rPr>
+              <a:t>Seventh Outline Level</a:t>
+            </a:r>
+            <a:endParaRPr b="0" lang="en-US" sz="2000" spc="-1" strike="noStrike">
               <a:latin typeface="Arial"/>
             </a:endParaRPr>
           </a:p>
@@ -4527,7 +4283,7 @@
         <p:spPr>
           <a:xfrm>
             <a:off x="0" y="0"/>
-            <a:ext cx="10076760" cy="720000"/>
+            <a:ext cx="10076400" cy="719640"/>
           </a:xfrm>
           <a:prstGeom prst="rect">
             <a:avLst/>
@@ -4547,7 +4303,7 @@
             <a:noFill/>
           </a:ln>
           <a:effectLst>
-            <a:outerShdw dist="10800" dir="5400000" blurRad="0" rotWithShape="0">
+            <a:outerShdw blurRad="0" dir="5400000" dist="10800" rotWithShape="0">
               <a:srgbClr val="009bdd"/>
             </a:outerShdw>
           </a:effectLst>
@@ -4568,7 +4324,7 @@
         <p:spPr>
           <a:xfrm>
             <a:off x="3240" y="5040000"/>
-            <a:ext cx="10076760" cy="631440"/>
+            <a:ext cx="10076400" cy="631080"/>
           </a:xfrm>
           <a:prstGeom prst="rect">
             <a:avLst/>
@@ -4588,7 +4344,7 @@
             <a:noFill/>
           </a:ln>
           <a:effectLst>
-            <a:outerShdw dist="10800" dir="5400000" blurRad="0" rotWithShape="0">
+            <a:outerShdw blurRad="0" dir="5400000" dist="10800" rotWithShape="0">
               <a:srgbClr val="009bdd"/>
             </a:outerShdw>
           </a:effectLst>
@@ -4613,7 +4369,7 @@
         <p:spPr>
           <a:xfrm>
             <a:off x="360000" y="180000"/>
-            <a:ext cx="9360000" cy="478080"/>
+            <a:ext cx="9359640" cy="477720"/>
           </a:xfrm>
           <a:prstGeom prst="rect">
             <a:avLst/>
@@ -4628,22 +4384,13 @@
             <a:noAutofit/>
           </a:bodyPr>
           <a:p>
-            <a:pPr algn="ctr">
-              <a:buNone/>
-            </a:pPr>
-            <a:r>
-              <a:rPr b="0" lang="en-US" sz="3300" spc="-1" strike="noStrike">
-                <a:solidFill>
-                  <a:srgbClr val="ffffff"/>
-                </a:solidFill>
+            <a:r>
+              <a:rPr b="0" lang="en-US" sz="1800" spc="-1" strike="noStrike">
                 <a:latin typeface="Arial"/>
               </a:rPr>
               <a:t>Click to edit the title text format</a:t>
             </a:r>
-            <a:endParaRPr b="0" lang="en-US" sz="3300" spc="-1" strike="noStrike">
-              <a:solidFill>
-                <a:srgbClr val="ffffff"/>
-              </a:solidFill>
+            <a:endParaRPr b="0" lang="en-US" sz="1800" spc="-1" strike="noStrike">
               <a:latin typeface="Arial"/>
             </a:endParaRPr>
           </a:p>
@@ -4662,7 +4409,7 @@
         <p:spPr>
           <a:xfrm>
             <a:off x="360000" y="1080000"/>
-            <a:ext cx="9360000" cy="3600000"/>
+            <a:ext cx="9359640" cy="3599640"/>
           </a:xfrm>
           <a:prstGeom prst="rect">
             <a:avLst/>
@@ -4679,66 +4426,98 @@
           <a:p>
             <a:pPr marL="432000" indent="-324000">
               <a:spcBef>
-                <a:spcPts val="1060"/>
+                <a:spcPts val="1417"/>
               </a:spcBef>
               <a:buClr>
-                <a:srgbClr val="77caee"/>
+                <a:srgbClr val="000000"/>
               </a:buClr>
               <a:buSzPct val="45000"/>
               <a:buFont typeface="Wingdings" charset="2"/>
               <a:buChar char=""/>
             </a:pPr>
             <a:r>
-              <a:rPr b="0" lang="en-US" sz="2400" spc="-1" strike="noStrike">
-                <a:solidFill>
-                  <a:srgbClr val="009bdd"/>
-                </a:solidFill>
+              <a:rPr b="0" lang="en-US" sz="1800" spc="-1" strike="noStrike">
                 <a:latin typeface="Arial"/>
               </a:rPr>
               <a:t>Click to edit the outline text format</a:t>
             </a:r>
-            <a:endParaRPr b="0" lang="en-US" sz="2400" spc="-1" strike="noStrike">
-              <a:solidFill>
-                <a:srgbClr val="009bdd"/>
-              </a:solidFill>
+            <a:endParaRPr b="0" lang="en-US" sz="1800" spc="-1" strike="noStrike">
               <a:latin typeface="Arial"/>
             </a:endParaRPr>
           </a:p>
           <a:p>
             <a:pPr lvl="1" marL="864000" indent="-324000">
+              <a:spcBef>
+                <a:spcPts val="1134"/>
+              </a:spcBef>
+              <a:buClr>
+                <a:srgbClr val="000000"/>
+              </a:buClr>
+              <a:buSzPct val="75000"/>
+              <a:buFont typeface="Symbol" charset="2"/>
+              <a:buChar char=""/>
+            </a:pPr>
+            <a:r>
+              <a:rPr b="0" lang="en-US" sz="1800" spc="-1" strike="noStrike">
+                <a:latin typeface="Arial"/>
+              </a:rPr>
+              <a:t>Second Outline Level</a:t>
+            </a:r>
+            <a:endParaRPr b="0" lang="en-US" sz="1800" spc="-1" strike="noStrike">
+              <a:latin typeface="Arial"/>
+            </a:endParaRPr>
+          </a:p>
+          <a:p>
+            <a:pPr lvl="2" marL="1296000" indent="-288000">
               <a:spcBef>
                 <a:spcPts val="850"/>
               </a:spcBef>
               <a:buClr>
-                <a:srgbClr val="77caee"/>
+                <a:srgbClr val="000000"/>
               </a:buClr>
               <a:buSzPct val="45000"/>
               <a:buFont typeface="Wingdings" charset="2"/>
               <a:buChar char=""/>
             </a:pPr>
             <a:r>
-              <a:rPr b="0" lang="en-US" sz="2100" spc="-1" strike="noStrike">
-                <a:solidFill>
-                  <a:srgbClr val="009bdd"/>
-                </a:solidFill>
+              <a:rPr b="0" lang="en-US" sz="1800" spc="-1" strike="noStrike">
                 <a:latin typeface="Arial"/>
               </a:rPr>
-              <a:t>Second Outline Level</a:t>
-            </a:r>
-            <a:endParaRPr b="0" lang="en-US" sz="2100" spc="-1" strike="noStrike">
-              <a:solidFill>
-                <a:srgbClr val="009bdd"/>
-              </a:solidFill>
-              <a:latin typeface="Arial"/>
-            </a:endParaRPr>
-          </a:p>
-          <a:p>
-            <a:pPr lvl="2" marL="1296000" indent="-288000">
+              <a:t>Third Outline Level</a:t>
+            </a:r>
+            <a:endParaRPr b="0" lang="en-US" sz="1800" spc="-1" strike="noStrike">
+              <a:latin typeface="Arial"/>
+            </a:endParaRPr>
+          </a:p>
+          <a:p>
+            <a:pPr lvl="3" marL="1728000" indent="-216000">
               <a:spcBef>
-                <a:spcPts val="635"/>
+                <a:spcPts val="567"/>
               </a:spcBef>
               <a:buClr>
-                <a:srgbClr val="77caee"/>
+                <a:srgbClr val="000000"/>
+              </a:buClr>
+              <a:buSzPct val="75000"/>
+              <a:buFont typeface="Symbol" charset="2"/>
+              <a:buChar char=""/>
+            </a:pPr>
+            <a:r>
+              <a:rPr b="0" lang="en-US" sz="1800" spc="-1" strike="noStrike">
+                <a:latin typeface="Arial"/>
+              </a:rPr>
+              <a:t>Fourth Outline Level</a:t>
+            </a:r>
+            <a:endParaRPr b="0" lang="en-US" sz="1800" spc="-1" strike="noStrike">
+              <a:latin typeface="Arial"/>
+            </a:endParaRPr>
+          </a:p>
+          <a:p>
+            <a:pPr lvl="4" marL="2160000" indent="-216000">
+              <a:spcBef>
+                <a:spcPts val="283"/>
+              </a:spcBef>
+              <a:buClr>
+                <a:srgbClr val="000000"/>
               </a:buClr>
               <a:buSzPct val="45000"/>
               <a:buFont typeface="Wingdings" charset="2"/>
@@ -4746,129 +4525,55 @@
             </a:pPr>
             <a:r>
               <a:rPr b="0" lang="en-US" sz="1800" spc="-1" strike="noStrike">
-                <a:solidFill>
-                  <a:srgbClr val="009bdd"/>
-                </a:solidFill>
                 <a:latin typeface="Arial"/>
               </a:rPr>
-              <a:t>Third Outline Level</a:t>
+              <a:t>Fifth Outline Level</a:t>
             </a:r>
             <a:endParaRPr b="0" lang="en-US" sz="1800" spc="-1" strike="noStrike">
-              <a:solidFill>
-                <a:srgbClr val="009bdd"/>
-              </a:solidFill>
-              <a:latin typeface="Arial"/>
-            </a:endParaRPr>
-          </a:p>
-          <a:p>
-            <a:pPr lvl="3" marL="1728000" indent="-216000">
+              <a:latin typeface="Arial"/>
+            </a:endParaRPr>
+          </a:p>
+          <a:p>
+            <a:pPr lvl="5" marL="2592000" indent="-216000">
               <a:spcBef>
-                <a:spcPts val="422"/>
+                <a:spcPts val="283"/>
               </a:spcBef>
               <a:buClr>
-                <a:srgbClr val="77caee"/>
+                <a:srgbClr val="000000"/>
               </a:buClr>
               <a:buSzPct val="45000"/>
               <a:buFont typeface="Wingdings" charset="2"/>
               <a:buChar char=""/>
             </a:pPr>
             <a:r>
-              <a:rPr b="0" lang="en-US" sz="1500" spc="-1" strike="noStrike">
-                <a:solidFill>
-                  <a:srgbClr val="009bdd"/>
-                </a:solidFill>
+              <a:rPr b="0" lang="en-US" sz="1800" spc="-1" strike="noStrike">
                 <a:latin typeface="Arial"/>
               </a:rPr>
-              <a:t>Fourth Outline Level</a:t>
-            </a:r>
-            <a:endParaRPr b="0" lang="en-US" sz="1500" spc="-1" strike="noStrike">
-              <a:solidFill>
-                <a:srgbClr val="009bdd"/>
-              </a:solidFill>
-              <a:latin typeface="Arial"/>
-            </a:endParaRPr>
-          </a:p>
-          <a:p>
-            <a:pPr lvl="4" marL="2160000" indent="-216000">
+              <a:t>Sixth Outline Level</a:t>
+            </a:r>
+            <a:endParaRPr b="0" lang="en-US" sz="1800" spc="-1" strike="noStrike">
+              <a:latin typeface="Arial"/>
+            </a:endParaRPr>
+          </a:p>
+          <a:p>
+            <a:pPr lvl="6" marL="3024000" indent="-216000">
               <a:spcBef>
-                <a:spcPts val="210"/>
+                <a:spcPts val="283"/>
               </a:spcBef>
               <a:buClr>
-                <a:srgbClr val="77caee"/>
+                <a:srgbClr val="000000"/>
               </a:buClr>
               <a:buSzPct val="45000"/>
               <a:buFont typeface="Wingdings" charset="2"/>
               <a:buChar char=""/>
             </a:pPr>
             <a:r>
-              <a:rPr b="0" lang="en-US" sz="1500" spc="-1" strike="noStrike">
-                <a:solidFill>
-                  <a:srgbClr val="009bdd"/>
-                </a:solidFill>
-                <a:latin typeface="Arial"/>
-              </a:rPr>
-              <a:t>Fifth Outline Level</a:t>
-            </a:r>
-            <a:endParaRPr b="0" lang="en-US" sz="1500" spc="-1" strike="noStrike">
-              <a:solidFill>
-                <a:srgbClr val="009bdd"/>
-              </a:solidFill>
-              <a:latin typeface="Arial"/>
-            </a:endParaRPr>
-          </a:p>
-          <a:p>
-            <a:pPr lvl="5" marL="2592000" indent="-216000">
-              <a:spcBef>
-                <a:spcPts val="210"/>
-              </a:spcBef>
-              <a:buClr>
-                <a:srgbClr val="77caee"/>
-              </a:buClr>
-              <a:buSzPct val="45000"/>
-              <a:buFont typeface="Wingdings" charset="2"/>
-              <a:buChar char=""/>
-            </a:pPr>
-            <a:r>
-              <a:rPr b="0" lang="en-US" sz="1500" spc="-1" strike="noStrike">
-                <a:solidFill>
-                  <a:srgbClr val="009bdd"/>
-                </a:solidFill>
-                <a:latin typeface="Arial"/>
-              </a:rPr>
-              <a:t>Sixth Outline Level</a:t>
-            </a:r>
-            <a:endParaRPr b="0" lang="en-US" sz="1500" spc="-1" strike="noStrike">
-              <a:solidFill>
-                <a:srgbClr val="009bdd"/>
-              </a:solidFill>
-              <a:latin typeface="Arial"/>
-            </a:endParaRPr>
-          </a:p>
-          <a:p>
-            <a:pPr lvl="6" marL="3024000" indent="-216000">
-              <a:spcBef>
-                <a:spcPts val="210"/>
-              </a:spcBef>
-              <a:buClr>
-                <a:srgbClr val="77caee"/>
-              </a:buClr>
-              <a:buSzPct val="45000"/>
-              <a:buFont typeface="Wingdings" charset="2"/>
-              <a:buChar char=""/>
-            </a:pPr>
-            <a:r>
-              <a:rPr b="0" lang="en-US" sz="1500" spc="-1" strike="noStrike">
-                <a:solidFill>
-                  <a:srgbClr val="009bdd"/>
-                </a:solidFill>
+              <a:rPr b="0" lang="en-US" sz="1800" spc="-1" strike="noStrike">
                 <a:latin typeface="Arial"/>
               </a:rPr>
               <a:t>Seventh Outline Level</a:t>
             </a:r>
-            <a:endParaRPr b="0" lang="en-US" sz="1500" spc="-1" strike="noStrike">
-              <a:solidFill>
-                <a:srgbClr val="009bdd"/>
-              </a:solidFill>
+            <a:endParaRPr b="0" lang="en-US" sz="1800" spc="-1" strike="noStrike">
               <a:latin typeface="Arial"/>
             </a:endParaRPr>
           </a:p>
@@ -4881,13 +4586,13 @@
             <a:spLocks noGrp="1"/>
           </p:cNvSpPr>
           <p:nvPr>
-            <p:ph type="dt" idx="1"/>
-          </p:nvPr>
-        </p:nvSpPr>
-        <p:spPr>
-          <a:xfrm>
-            <a:off x="360000" y="5220000"/>
-            <a:ext cx="2340000" cy="360000"/>
+            <p:ph type="ftr" idx="1"/>
+          </p:nvPr>
+        </p:nvSpPr>
+        <p:spPr>
+          <a:xfrm>
+            <a:off x="3420000" y="5220000"/>
+            <a:ext cx="3239640" cy="359640"/>
           </a:xfrm>
           <a:prstGeom prst="rect">
             <a:avLst/>
@@ -4902,63 +4607,10 @@
             <a:noAutofit/>
           </a:bodyPr>
           <a:lstStyle>
-            <a:lvl1pPr>
-              <a:defRPr b="0" lang="en-US" sz="1400" spc="-1" strike="noStrike">
-                <a:solidFill>
-                  <a:srgbClr val="ffffff"/>
-                </a:solidFill>
-                <a:latin typeface="Arial"/>
-              </a:defRPr>
-            </a:lvl1pPr>
-          </a:lstStyle>
-          <a:p>
-            <a:r>
-              <a:rPr b="0" lang="en-US" sz="1400" spc="-1" strike="noStrike">
-                <a:solidFill>
-                  <a:srgbClr val="ffffff"/>
-                </a:solidFill>
-                <a:latin typeface="Arial"/>
-              </a:rPr>
-              <a:t>&lt;date/time&gt;</a:t>
-            </a:r>
-            <a:endParaRPr b="0" lang="en-US" sz="1400" spc="-1" strike="noStrike">
-              <a:solidFill>
-                <a:srgbClr val="ffffff"/>
-              </a:solidFill>
-              <a:latin typeface="Arial"/>
-            </a:endParaRPr>
-          </a:p>
-        </p:txBody>
-      </p:sp>
-      <p:sp>
-        <p:nvSpPr>
-          <p:cNvPr id="47" name="PlaceHolder 4"/>
-          <p:cNvSpPr>
-            <a:spLocks noGrp="1"/>
-          </p:cNvSpPr>
-          <p:nvPr>
-            <p:ph type="ftr" idx="2"/>
-          </p:nvPr>
-        </p:nvSpPr>
-        <p:spPr>
-          <a:xfrm>
-            <a:off x="3420000" y="5220000"/>
-            <a:ext cx="3240000" cy="360000"/>
-          </a:xfrm>
-          <a:prstGeom prst="rect">
-            <a:avLst/>
-          </a:prstGeom>
-          <a:noFill/>
-          <a:ln w="0">
-            <a:noFill/>
-          </a:ln>
-        </p:spPr>
-        <p:txBody>
-          <a:bodyPr lIns="0" rIns="0" tIns="0" bIns="0" anchor="t">
-            <a:noAutofit/>
-          </a:bodyPr>
-          <a:lstStyle>
             <a:lvl1pPr algn="ctr">
+              <a:lnSpc>
+                <a:spcPct val="100000"/>
+              </a:lnSpc>
               <a:buNone/>
               <a:defRPr b="0" lang="en-US" sz="1400" spc="-1" strike="noStrike">
                 <a:solidFill>
@@ -4970,6 +4622,9 @@
           </a:lstStyle>
           <a:p>
             <a:pPr algn="ctr">
+              <a:lnSpc>
+                <a:spcPct val="100000"/>
+              </a:lnSpc>
               <a:buNone/>
             </a:pPr>
             <a:r>
@@ -4982,28 +4637,25 @@
               <a:t>&lt;footer&gt;</a:t>
             </a:r>
             <a:endParaRPr b="0" lang="en-US" sz="1400" spc="-1" strike="noStrike">
-              <a:solidFill>
-                <a:srgbClr val="ffffff"/>
-              </a:solidFill>
-              <a:latin typeface="Arial"/>
-            </a:endParaRPr>
-          </a:p>
-        </p:txBody>
-      </p:sp>
-      <p:sp>
-        <p:nvSpPr>
-          <p:cNvPr id="48" name="PlaceHolder 5"/>
-          <p:cNvSpPr>
-            <a:spLocks noGrp="1"/>
-          </p:cNvSpPr>
-          <p:nvPr>
-            <p:ph type="sldNum" idx="3"/>
+              <a:latin typeface="Times New Roman"/>
+            </a:endParaRPr>
+          </a:p>
+        </p:txBody>
+      </p:sp>
+      <p:sp>
+        <p:nvSpPr>
+          <p:cNvPr id="47" name="PlaceHolder 4"/>
+          <p:cNvSpPr>
+            <a:spLocks noGrp="1"/>
+          </p:cNvSpPr>
+          <p:nvPr>
+            <p:ph type="sldNum" idx="2"/>
           </p:nvPr>
         </p:nvSpPr>
         <p:spPr>
           <a:xfrm>
             <a:off x="7380000" y="5220000"/>
-            <a:ext cx="2340000" cy="360000"/>
+            <a:ext cx="2339640" cy="359640"/>
           </a:xfrm>
           <a:prstGeom prst="rect">
             <a:avLst/>
@@ -5019,6 +4671,9 @@
           </a:bodyPr>
           <a:lstStyle>
             <a:lvl1pPr algn="r">
+              <a:lnSpc>
+                <a:spcPct val="100000"/>
+              </a:lnSpc>
               <a:buNone/>
               <a:defRPr b="0" lang="en-US" sz="1400" spc="-1" strike="noStrike">
                 <a:solidFill>
@@ -5030,9 +4685,12 @@
           </a:lstStyle>
           <a:p>
             <a:pPr algn="r">
+              <a:lnSpc>
+                <a:spcPct val="100000"/>
+              </a:lnSpc>
               <a:buNone/>
             </a:pPr>
-            <a:fld id="{1BBDD0DF-1E4B-4268-8C63-5D698AC43F5F}" type="slidenum">
+            <a:fld id="{783D5B98-9F1D-48D9-A69C-B45EFB3005C1}" type="slidenum">
               <a:rPr b="0" lang="en-US" sz="1400" spc="-1" strike="noStrike">
                 <a:solidFill>
                   <a:srgbClr val="ffffff"/>
@@ -5042,10 +4700,54 @@
               <a:t>&lt;number&gt;</a:t>
             </a:fld>
             <a:endParaRPr b="0" lang="en-US" sz="1400" spc="-1" strike="noStrike">
-              <a:solidFill>
-                <a:srgbClr val="ffffff"/>
-              </a:solidFill>
-              <a:latin typeface="Arial"/>
+              <a:latin typeface="Times New Roman"/>
+            </a:endParaRPr>
+          </a:p>
+        </p:txBody>
+      </p:sp>
+      <p:sp>
+        <p:nvSpPr>
+          <p:cNvPr id="48" name="PlaceHolder 5"/>
+          <p:cNvSpPr>
+            <a:spLocks noGrp="1"/>
+          </p:cNvSpPr>
+          <p:nvPr>
+            <p:ph type="dt" idx="3"/>
+          </p:nvPr>
+        </p:nvSpPr>
+        <p:spPr>
+          <a:xfrm>
+            <a:off x="360000" y="5220000"/>
+            <a:ext cx="2339640" cy="359640"/>
+          </a:xfrm>
+          <a:prstGeom prst="rect">
+            <a:avLst/>
+          </a:prstGeom>
+          <a:noFill/>
+          <a:ln w="0">
+            <a:noFill/>
+          </a:ln>
+        </p:spPr>
+        <p:txBody>
+          <a:bodyPr lIns="0" rIns="0" tIns="0" bIns="0" anchor="t">
+            <a:noAutofit/>
+          </a:bodyPr>
+          <a:lstStyle>
+            <a:lvl1pPr>
+              <a:defRPr b="0" lang="en-US" sz="1400" spc="-1" strike="noStrike">
+                <a:latin typeface="Times New Roman"/>
+              </a:defRPr>
+            </a:lvl1pPr>
+          </a:lstStyle>
+          <a:p>
+            <a:r>
+              <a:rPr b="0" lang="en-US" sz="1400" spc="-1" strike="noStrike">
+                <a:latin typeface="Times New Roman"/>
+              </a:rPr>
+              <a:t>&lt;date/time&gt;</a:t>
+            </a:r>
+            <a:endParaRPr b="0" lang="en-US" sz="1400" spc="-1" strike="noStrike">
+              <a:latin typeface="Times New Roman"/>
             </a:endParaRPr>
           </a:p>
         </p:txBody>
@@ -5100,7 +4802,7 @@
         <p:spPr>
           <a:xfrm>
             <a:off x="0" y="1620000"/>
-            <a:ext cx="9000000" cy="1080000"/>
+            <a:ext cx="8999640" cy="1079640"/>
           </a:xfrm>
           <a:prstGeom prst="rect">
             <a:avLst/>
@@ -5116,6 +4818,9 @@
           </a:bodyPr>
           <a:p>
             <a:pPr algn="ctr">
+              <a:lnSpc>
+                <a:spcPct val="100000"/>
+              </a:lnSpc>
               <a:buNone/>
             </a:pPr>
             <a:r>
@@ -5128,11 +4833,498 @@
               <a:t>Predict Housing Prices in California</a:t>
             </a:r>
             <a:endParaRPr b="0" lang="en-US" sz="3300" spc="-1" strike="noStrike">
-              <a:solidFill>
-                <a:srgbClr val="dd4100"/>
-              </a:solidFill>
-              <a:latin typeface="Arial"/>
-            </a:endParaRPr>
+              <a:latin typeface="Arial"/>
+            </a:endParaRPr>
+          </a:p>
+        </p:txBody>
+      </p:sp>
+    </p:spTree>
+  </p:cSld>
+  <mc:AlternateContent>
+    <mc:Choice Requires="p14">
+      <p:transition spd="slow" p14:dur="2000"/>
+    </mc:Choice>
+    <mc:Fallback>
+      <p:transition spd="slow"/>
+    </mc:Fallback>
+  </mc:AlternateContent>
+</p:sld>
+</file>
+
+<file path=ppt/slides/slide10.xml><?xml version="1.0" encoding="utf-8"?>
+<p:sld xmlns:a="http://schemas.openxmlformats.org/drawingml/2006/main" xmlns:p="http://schemas.openxmlformats.org/presentationml/2006/main" xmlns:r="http://schemas.openxmlformats.org/officeDocument/2006/relationships" xmlns:p14="http://schemas.microsoft.com/office/powerpoint/2010/main" xmlns:p15="http://schemas.microsoft.com/office/powerpoint/2012/main" xmlns:mc="http://schemas.openxmlformats.org/markup-compatibility/2006">
+  <p:cSld>
+    <p:spTree>
+      <p:nvGrpSpPr>
+        <p:cNvPr id="1" name=""/>
+        <p:cNvGrpSpPr/>
+        <p:nvPr/>
+      </p:nvGrpSpPr>
+      <p:grpSpPr>
+        <a:xfrm>
+          <a:off x="0" y="0"/>
+          <a:ext cx="0" cy="0"/>
+          <a:chOff x="0" y="0"/>
+          <a:chExt cx="0" cy="0"/>
+        </a:xfrm>
+      </p:grpSpPr>
+      <p:sp>
+        <p:nvSpPr>
+          <p:cNvPr id="102" name="PlaceHolder 1"/>
+          <p:cNvSpPr>
+            <a:spLocks noGrp="1"/>
+          </p:cNvSpPr>
+          <p:nvPr>
+            <p:ph type="title"/>
+          </p:nvPr>
+        </p:nvSpPr>
+        <p:spPr>
+          <a:xfrm>
+            <a:off x="360000" y="180000"/>
+            <a:ext cx="9359640" cy="477720"/>
+          </a:xfrm>
+          <a:prstGeom prst="rect">
+            <a:avLst/>
+          </a:prstGeom>
+          <a:noFill/>
+          <a:ln w="0">
+            <a:noFill/>
+          </a:ln>
+        </p:spPr>
+        <p:txBody>
+          <a:bodyPr lIns="0" rIns="0" tIns="0" bIns="0" anchor="ctr">
+            <a:noAutofit/>
+          </a:bodyPr>
+          <a:p>
+            <a:pPr algn="ctr">
+              <a:lnSpc>
+                <a:spcPct val="100000"/>
+              </a:lnSpc>
+              <a:buNone/>
+            </a:pPr>
+            <a:r>
+              <a:rPr b="0" lang="en-US" sz="3300" spc="-1" strike="noStrike">
+                <a:solidFill>
+                  <a:srgbClr val="ffffff"/>
+                </a:solidFill>
+                <a:latin typeface="Arial"/>
+              </a:rPr>
+              <a:t>Expected Benefits</a:t>
+            </a:r>
+            <a:endParaRPr b="0" lang="en-US" sz="3300" spc="-1" strike="noStrike">
+              <a:latin typeface="Arial"/>
+            </a:endParaRPr>
+          </a:p>
+        </p:txBody>
+      </p:sp>
+      <p:sp>
+        <p:nvSpPr>
+          <p:cNvPr id="103" name="PlaceHolder 2"/>
+          <p:cNvSpPr>
+            <a:spLocks noGrp="1"/>
+          </p:cNvSpPr>
+          <p:nvPr>
+            <p:ph/>
+          </p:nvPr>
+        </p:nvSpPr>
+        <p:spPr>
+          <a:xfrm>
+            <a:off x="360000" y="1143000"/>
+            <a:ext cx="9359640" cy="3599640"/>
+          </a:xfrm>
+          <a:prstGeom prst="rect">
+            <a:avLst/>
+          </a:prstGeom>
+          <a:noFill/>
+          <a:ln w="0">
+            <a:noFill/>
+          </a:ln>
+        </p:spPr>
+        <p:txBody>
+          <a:bodyPr lIns="0" rIns="0" tIns="0" bIns="0" anchor="t">
+            <a:noAutofit/>
+          </a:bodyPr>
+          <a:p>
+            <a:pPr marL="432000" indent="-324000">
+              <a:lnSpc>
+                <a:spcPct val="100000"/>
+              </a:lnSpc>
+              <a:spcBef>
+                <a:spcPts val="1060"/>
+              </a:spcBef>
+              <a:buClr>
+                <a:srgbClr val="77caee"/>
+              </a:buClr>
+              <a:buSzPct val="45000"/>
+              <a:buFont typeface="Wingdings" charset="2"/>
+              <a:buChar char=""/>
+            </a:pPr>
+            <a:r>
+              <a:rPr b="0" lang="en-US" sz="2400" spc="-1" strike="noStrike">
+                <a:solidFill>
+                  <a:srgbClr val="009bdd"/>
+                </a:solidFill>
+                <a:latin typeface="Arial"/>
+              </a:rPr>
+              <a:t>Houses are a large part of wealth in the economy.</a:t>
+            </a:r>
+            <a:endParaRPr b="0" lang="en-US" sz="2400" spc="-1" strike="noStrike">
+              <a:latin typeface="Arial"/>
+            </a:endParaRPr>
+          </a:p>
+          <a:p>
+            <a:pPr marL="432000" indent="-324000">
+              <a:lnSpc>
+                <a:spcPct val="100000"/>
+              </a:lnSpc>
+              <a:spcBef>
+                <a:spcPts val="1060"/>
+              </a:spcBef>
+              <a:buClr>
+                <a:srgbClr val="77caee"/>
+              </a:buClr>
+              <a:buSzPct val="45000"/>
+              <a:buFont typeface="Wingdings" charset="2"/>
+              <a:buChar char=""/>
+            </a:pPr>
+            <a:r>
+              <a:rPr b="0" lang="en-US" sz="2400" spc="-1" strike="noStrike">
+                <a:solidFill>
+                  <a:srgbClr val="009bdd"/>
+                </a:solidFill>
+                <a:latin typeface="Arial"/>
+              </a:rPr>
+              <a:t>Houses have a large effect on the greater economy.</a:t>
+            </a:r>
+            <a:endParaRPr b="0" lang="en-US" sz="2400" spc="-1" strike="noStrike">
+              <a:latin typeface="Arial"/>
+            </a:endParaRPr>
+          </a:p>
+          <a:p>
+            <a:pPr marL="432000" indent="-324000">
+              <a:lnSpc>
+                <a:spcPct val="100000"/>
+              </a:lnSpc>
+              <a:spcBef>
+                <a:spcPts val="1060"/>
+              </a:spcBef>
+              <a:buClr>
+                <a:srgbClr val="77caee"/>
+              </a:buClr>
+              <a:buSzPct val="45000"/>
+              <a:buFont typeface="Wingdings" charset="2"/>
+              <a:buChar char=""/>
+            </a:pPr>
+            <a:r>
+              <a:rPr b="0" lang="en-US" sz="2400" spc="-1" strike="noStrike">
+                <a:solidFill>
+                  <a:srgbClr val="009bdd"/>
+                </a:solidFill>
+                <a:latin typeface="Arial"/>
+              </a:rPr>
+              <a:t>Estimate house prices with more accuracy</a:t>
+            </a:r>
+            <a:endParaRPr b="0" lang="en-US" sz="2400" spc="-1" strike="noStrike">
+              <a:latin typeface="Arial"/>
+            </a:endParaRPr>
+          </a:p>
+          <a:p>
+            <a:pPr marL="432000" indent="-324000">
+              <a:lnSpc>
+                <a:spcPct val="100000"/>
+              </a:lnSpc>
+              <a:spcBef>
+                <a:spcPts val="1060"/>
+              </a:spcBef>
+              <a:buClr>
+                <a:srgbClr val="77caee"/>
+              </a:buClr>
+              <a:buSzPct val="45000"/>
+              <a:buFont typeface="Wingdings" charset="2"/>
+              <a:buChar char=""/>
+            </a:pPr>
+            <a:r>
+              <a:rPr b="0" lang="en-US" sz="2400" spc="-1" strike="noStrike">
+                <a:solidFill>
+                  <a:srgbClr val="009bdd"/>
+                </a:solidFill>
+                <a:latin typeface="Arial"/>
+              </a:rPr>
+              <a:t>Understand how coefficients relate to the house price</a:t>
+            </a:r>
+            <a:endParaRPr b="0" lang="en-US" sz="2400" spc="-1" strike="noStrike">
+              <a:latin typeface="Arial"/>
+            </a:endParaRPr>
+          </a:p>
+        </p:txBody>
+      </p:sp>
+      <p:sp>
+        <p:nvSpPr>
+          <p:cNvPr id="4" name="PlaceHolder 3"/>
+          <p:cNvSpPr>
+            <a:spLocks noGrp="1"/>
+          </p:cNvSpPr>
+          <p:nvPr>
+            <p:ph type="sldNum" idx="2"/>
+          </p:nvPr>
+        </p:nvSpPr>
+        <p:spPr/>
+        <p:txBody>
+          <a:bodyPr/>
+          <a:p>
+            <a:fld id="{5897C461-F4CB-4514-9DC1-2C67AA8E6815}" type="slidenum">
+              <a:t>10</a:t>
+            </a:fld>
+          </a:p>
+        </p:txBody>
+      </p:sp>
+      <p:sp>
+        <p:nvSpPr>
+          <p:cNvPr id="5" name="PlaceHolder 4"/>
+          <p:cNvSpPr>
+            <a:spLocks noGrp="1"/>
+          </p:cNvSpPr>
+          <p:nvPr>
+            <p:ph type="dt" idx="3"/>
+          </p:nvPr>
+        </p:nvSpPr>
+        <p:spPr/>
+        <p:txBody>
+          <a:bodyPr/>
+          <a:p>
+            <a:fld id="{ACAF37DE-036A-4A80-8645-84DF89D9FAA1}" type="datetime1">
+              <a:rPr lang="en-US"/>
+              <a:t>05/24/2024</a:t>
+            </a:fld>
+          </a:p>
+        </p:txBody>
+      </p:sp>
+    </p:spTree>
+  </p:cSld>
+  <mc:AlternateContent>
+    <mc:Choice Requires="p14">
+      <p:transition spd="slow" p14:dur="2000"/>
+    </mc:Choice>
+    <mc:Fallback>
+      <p:transition spd="slow"/>
+    </mc:Fallback>
+  </mc:AlternateContent>
+</p:sld>
+</file>
+
+<file path=ppt/slides/slide11.xml><?xml version="1.0" encoding="utf-8"?>
+<p:sld xmlns:a="http://schemas.openxmlformats.org/drawingml/2006/main" xmlns:p="http://schemas.openxmlformats.org/presentationml/2006/main" xmlns:r="http://schemas.openxmlformats.org/officeDocument/2006/relationships" xmlns:p14="http://schemas.microsoft.com/office/powerpoint/2010/main" xmlns:p15="http://schemas.microsoft.com/office/powerpoint/2012/main" xmlns:mc="http://schemas.openxmlformats.org/markup-compatibility/2006">
+  <p:cSld>
+    <p:spTree>
+      <p:nvGrpSpPr>
+        <p:cNvPr id="1" name=""/>
+        <p:cNvGrpSpPr/>
+        <p:nvPr/>
+      </p:nvGrpSpPr>
+      <p:grpSpPr>
+        <a:xfrm>
+          <a:off x="0" y="0"/>
+          <a:ext cx="0" cy="0"/>
+          <a:chOff x="0" y="0"/>
+          <a:chExt cx="0" cy="0"/>
+        </a:xfrm>
+      </p:grpSpPr>
+      <p:sp>
+        <p:nvSpPr>
+          <p:cNvPr id="104" name="PlaceHolder 1"/>
+          <p:cNvSpPr>
+            <a:spLocks noGrp="1"/>
+          </p:cNvSpPr>
+          <p:nvPr>
+            <p:ph type="title"/>
+          </p:nvPr>
+        </p:nvSpPr>
+        <p:spPr>
+          <a:xfrm>
+            <a:off x="360000" y="180000"/>
+            <a:ext cx="9359640" cy="477720"/>
+          </a:xfrm>
+          <a:prstGeom prst="rect">
+            <a:avLst/>
+          </a:prstGeom>
+          <a:noFill/>
+          <a:ln w="0">
+            <a:noFill/>
+          </a:ln>
+        </p:spPr>
+        <p:txBody>
+          <a:bodyPr lIns="0" rIns="0" tIns="0" bIns="0" anchor="ctr">
+            <a:noAutofit/>
+          </a:bodyPr>
+          <a:p>
+            <a:pPr algn="ctr">
+              <a:lnSpc>
+                <a:spcPct val="100000"/>
+              </a:lnSpc>
+              <a:buNone/>
+            </a:pPr>
+            <a:r>
+              <a:rPr b="0" lang="en-US" sz="3300" spc="-1" strike="noStrike">
+                <a:solidFill>
+                  <a:srgbClr val="ffffff"/>
+                </a:solidFill>
+                <a:latin typeface="Arial"/>
+              </a:rPr>
+              <a:t>Citations</a:t>
+            </a:r>
+            <a:endParaRPr b="0" lang="en-US" sz="3300" spc="-1" strike="noStrike">
+              <a:latin typeface="Arial"/>
+            </a:endParaRPr>
+          </a:p>
+        </p:txBody>
+      </p:sp>
+      <p:sp>
+        <p:nvSpPr>
+          <p:cNvPr id="105" name="PlaceHolder 2"/>
+          <p:cNvSpPr>
+            <a:spLocks noGrp="1"/>
+          </p:cNvSpPr>
+          <p:nvPr>
+            <p:ph/>
+          </p:nvPr>
+        </p:nvSpPr>
+        <p:spPr>
+          <a:xfrm>
+            <a:off x="241200" y="1200600"/>
+            <a:ext cx="9359640" cy="3599640"/>
+          </a:xfrm>
+          <a:prstGeom prst="rect">
+            <a:avLst/>
+          </a:prstGeom>
+          <a:noFill/>
+          <a:ln w="0">
+            <a:noFill/>
+          </a:ln>
+        </p:spPr>
+        <p:txBody>
+          <a:bodyPr lIns="0" rIns="0" tIns="0" bIns="0" anchor="t">
+            <a:noAutofit/>
+          </a:bodyPr>
+          <a:p>
+            <a:pPr>
+              <a:lnSpc>
+                <a:spcPct val="100000"/>
+              </a:lnSpc>
+              <a:spcBef>
+                <a:spcPts val="1060"/>
+              </a:spcBef>
+              <a:buNone/>
+            </a:pPr>
+            <a:endParaRPr b="0" lang="en-US" sz="2400" spc="-1" strike="noStrike">
+              <a:latin typeface="Arial"/>
+            </a:endParaRPr>
+          </a:p>
+          <a:p>
+            <a:pPr marL="432000" indent="-324000">
+              <a:lnSpc>
+                <a:spcPct val="100000"/>
+              </a:lnSpc>
+              <a:spcBef>
+                <a:spcPts val="1060"/>
+              </a:spcBef>
+              <a:buClr>
+                <a:srgbClr val="77caee"/>
+              </a:buClr>
+              <a:buSzPct val="45000"/>
+              <a:buFont typeface="Wingdings" charset="2"/>
+              <a:buChar char=""/>
+            </a:pPr>
+            <a:r>
+              <a:rPr b="0" lang="en-US" sz="2400" spc="-1" strike="noStrike">
+                <a:solidFill>
+                  <a:srgbClr val="009bdd"/>
+                </a:solidFill>
+                <a:latin typeface="Arial"/>
+              </a:rPr>
+              <a:t>What Can Housing Markets Teach Us about Economics? (n.d.). NBER</a:t>
+            </a:r>
+            <a:r>
+              <a:rPr b="0" lang="en-US" sz="1000" spc="-1" strike="noStrike">
+                <a:latin typeface="Liberation Mono;Courier New"/>
+                <a:ea typeface="LM Sans 10"/>
+              </a:rPr>
+              <a:t>.</a:t>
+            </a:r>
+            <a:endParaRPr b="0" lang="en-US" sz="1000" spc="-1" strike="noStrike">
+              <a:latin typeface="Arial"/>
+            </a:endParaRPr>
+          </a:p>
+          <a:p>
+            <a:pPr marL="432000" indent="-324000">
+              <a:lnSpc>
+                <a:spcPct val="108000"/>
+              </a:lnSpc>
+              <a:spcAft>
+                <a:spcPts val="1414"/>
+              </a:spcAft>
+              <a:buClr>
+                <a:srgbClr val="77caee"/>
+              </a:buClr>
+              <a:buSzPct val="45000"/>
+              <a:buFont typeface="Wingdings" charset="2"/>
+              <a:buChar char=""/>
+            </a:pPr>
+            <a:r>
+              <a:rPr b="0" lang="en-US" sz="2400" spc="-1" strike="noStrike" u="sng">
+                <a:solidFill>
+                  <a:srgbClr val="0000ff"/>
+                </a:solidFill>
+                <a:uFillTx/>
+                <a:latin typeface="Arial"/>
+                <a:ea typeface="LM Sans 10"/>
+                <a:hlinkClick r:id="rId1"/>
+              </a:rPr>
+              <a:t>https://www.nber.org/reporter/2016number4/what-can-housing-markets-teach-us-about-economics</a:t>
+            </a:r>
+            <a:endParaRPr b="0" lang="en-US" sz="2400" spc="-1" strike="noStrike">
+              <a:latin typeface="Arial"/>
+            </a:endParaRPr>
+          </a:p>
+        </p:txBody>
+      </p:sp>
+      <p:sp>
+        <p:nvSpPr>
+          <p:cNvPr id="4" name="PlaceHolder 3"/>
+          <p:cNvSpPr>
+            <a:spLocks noGrp="1"/>
+          </p:cNvSpPr>
+          <p:nvPr>
+            <p:ph type="sldNum" idx="2"/>
+          </p:nvPr>
+        </p:nvSpPr>
+        <p:spPr/>
+        <p:txBody>
+          <a:bodyPr/>
+          <a:p>
+            <a:fld id="{AA1DA537-CAD0-4B5A-B9DC-289B8B2DFFFA}" type="slidenum">
+              <a:t>11</a:t>
+            </a:fld>
+          </a:p>
+        </p:txBody>
+      </p:sp>
+      <p:sp>
+        <p:nvSpPr>
+          <p:cNvPr id="5" name="PlaceHolder 4"/>
+          <p:cNvSpPr>
+            <a:spLocks noGrp="1"/>
+          </p:cNvSpPr>
+          <p:nvPr>
+            <p:ph type="dt" idx="3"/>
+          </p:nvPr>
+        </p:nvSpPr>
+        <p:spPr/>
+        <p:txBody>
+          <a:bodyPr/>
+          <a:p>
+            <a:fld id="{B73DE82C-918F-4710-B40B-2E02C5C25C0F}" type="datetime1">
+              <a:rPr lang="en-US"/>
+              <a:t>05/24/2024</a:t>
+            </a:fld>
           </a:p>
         </p:txBody>
       </p:sp>
@@ -5179,7 +5371,7 @@
         <p:spPr>
           <a:xfrm>
             <a:off x="360000" y="180000"/>
-            <a:ext cx="9360000" cy="478080"/>
+            <a:ext cx="9359640" cy="477720"/>
           </a:xfrm>
           <a:prstGeom prst="rect">
             <a:avLst/>
@@ -5195,6 +5387,9 @@
           </a:bodyPr>
           <a:p>
             <a:pPr algn="ctr">
+              <a:lnSpc>
+                <a:spcPct val="100000"/>
+              </a:lnSpc>
               <a:buNone/>
             </a:pPr>
             <a:r>
@@ -5207,9 +5402,6 @@
               <a:t>Introduction</a:t>
             </a:r>
             <a:endParaRPr b="0" lang="en-US" sz="3300" spc="-1" strike="noStrike">
-              <a:solidFill>
-                <a:srgbClr val="ffffff"/>
-              </a:solidFill>
               <a:latin typeface="Arial"/>
             </a:endParaRPr>
           </a:p>
@@ -5228,7 +5420,7 @@
         <p:spPr>
           <a:xfrm>
             <a:off x="360000" y="1080000"/>
-            <a:ext cx="9360000" cy="3600000"/>
+            <a:ext cx="9359640" cy="3599640"/>
           </a:xfrm>
           <a:prstGeom prst="rect">
             <a:avLst/>
@@ -5244,6 +5436,9 @@
           </a:bodyPr>
           <a:p>
             <a:pPr marL="432000" indent="-324000">
+              <a:lnSpc>
+                <a:spcPct val="100000"/>
+              </a:lnSpc>
               <a:spcBef>
                 <a:spcPts val="1060"/>
               </a:spcBef>
@@ -5264,14 +5459,14 @@
               <a:t>Darrell Friday</a:t>
             </a:r>
             <a:endParaRPr b="0" lang="en-US" sz="2400" spc="-1" strike="noStrike">
-              <a:solidFill>
-                <a:srgbClr val="009bdd"/>
-              </a:solidFill>
               <a:latin typeface="Arial"/>
             </a:endParaRPr>
           </a:p>
           <a:p>
             <a:pPr marL="432000" indent="-324000">
+              <a:lnSpc>
+                <a:spcPct val="100000"/>
+              </a:lnSpc>
               <a:spcBef>
                 <a:spcPts val="1060"/>
               </a:spcBef>
@@ -5292,14 +5487,14 @@
               <a:t>Software Engineer</a:t>
             </a:r>
             <a:endParaRPr b="0" lang="en-US" sz="2400" spc="-1" strike="noStrike">
-              <a:solidFill>
-                <a:srgbClr val="009bdd"/>
-              </a:solidFill>
               <a:latin typeface="Arial"/>
             </a:endParaRPr>
           </a:p>
           <a:p>
             <a:pPr marL="432000" indent="-324000">
+              <a:lnSpc>
+                <a:spcPct val="100000"/>
+              </a:lnSpc>
               <a:spcBef>
                 <a:spcPts val="1060"/>
               </a:spcBef>
@@ -5320,9 +5515,6 @@
               <a:t>W.G.U Data Analytics Master’s Degree Program</a:t>
             </a:r>
             <a:endParaRPr b="0" lang="en-US" sz="2400" spc="-1" strike="noStrike">
-              <a:solidFill>
-                <a:srgbClr val="009bdd"/>
-              </a:solidFill>
               <a:latin typeface="Arial"/>
             </a:endParaRPr>
           </a:p>
@@ -5335,14 +5527,14 @@
             <a:spLocks noGrp="1"/>
           </p:cNvSpPr>
           <p:nvPr>
-            <p:ph type="sldNum" idx="3"/>
+            <p:ph type="sldNum" idx="2"/>
           </p:nvPr>
         </p:nvSpPr>
         <p:spPr/>
         <p:txBody>
           <a:bodyPr/>
           <a:p>
-            <a:fld id="{E872BE60-8C4D-459B-AEFF-ABB2E243FFF3}" type="slidenum">
+            <a:fld id="{AE62675C-C732-4298-A318-76B9672D7402}" type="slidenum">
               <a:t>2</a:t>
             </a:fld>
           </a:p>
@@ -5355,14 +5547,14 @@
             <a:spLocks noGrp="1"/>
           </p:cNvSpPr>
           <p:nvPr>
-            <p:ph type="dt" idx="1"/>
+            <p:ph type="dt" idx="3"/>
           </p:nvPr>
         </p:nvSpPr>
         <p:spPr/>
         <p:txBody>
           <a:bodyPr/>
           <a:p>
-            <a:fld id="{9CC6F441-025C-4C2F-A0C5-67BBA1DA2F04}" type="datetime1">
+            <a:fld id="{8998C038-4C63-4122-95AE-052229D25A7D}" type="datetime1">
               <a:rPr lang="en-US"/>
               <a:t>05/24/2024</a:t>
             </a:fld>
@@ -5412,7 +5604,7 @@
         <p:spPr>
           <a:xfrm>
             <a:off x="360000" y="180000"/>
-            <a:ext cx="9360000" cy="478080"/>
+            <a:ext cx="9359640" cy="477720"/>
           </a:xfrm>
           <a:prstGeom prst="rect">
             <a:avLst/>
@@ -5428,6 +5620,9 @@
           </a:bodyPr>
           <a:p>
             <a:pPr algn="ctr">
+              <a:lnSpc>
+                <a:spcPct val="100000"/>
+              </a:lnSpc>
               <a:buNone/>
             </a:pPr>
             <a:r>
@@ -5440,9 +5635,6 @@
               <a:t>Problem and Hypothesis</a:t>
             </a:r>
             <a:endParaRPr b="0" lang="en-US" sz="3300" spc="-1" strike="noStrike">
-              <a:solidFill>
-                <a:srgbClr val="ffffff"/>
-              </a:solidFill>
               <a:latin typeface="Arial"/>
             </a:endParaRPr>
           </a:p>
@@ -5461,7 +5653,7 @@
         <p:spPr>
           <a:xfrm>
             <a:off x="360000" y="1080000"/>
-            <a:ext cx="9360000" cy="3600000"/>
+            <a:ext cx="9359640" cy="3599640"/>
           </a:xfrm>
           <a:prstGeom prst="rect">
             <a:avLst/>
@@ -5477,6 +5669,9 @@
           </a:bodyPr>
           <a:p>
             <a:pPr marL="432000" indent="-324000">
+              <a:lnSpc>
+                <a:spcPct val="100000"/>
+              </a:lnSpc>
               <a:spcBef>
                 <a:spcPts val="1060"/>
               </a:spcBef>
@@ -5497,14 +5692,14 @@
               <a:t>Houses are a large part of the economy</a:t>
             </a:r>
             <a:endParaRPr b="0" lang="en-US" sz="2400" spc="-1" strike="noStrike">
-              <a:solidFill>
-                <a:srgbClr val="009bdd"/>
-              </a:solidFill>
               <a:latin typeface="Arial"/>
             </a:endParaRPr>
           </a:p>
           <a:p>
             <a:pPr marL="432000" indent="-324000">
+              <a:lnSpc>
+                <a:spcPct val="100000"/>
+              </a:lnSpc>
               <a:spcBef>
                 <a:spcPts val="1060"/>
               </a:spcBef>
@@ -5525,14 +5720,14 @@
               <a:t>House values are hard to appraise</a:t>
             </a:r>
             <a:endParaRPr b="0" lang="en-US" sz="2400" spc="-1" strike="noStrike">
-              <a:solidFill>
-                <a:srgbClr val="009bdd"/>
-              </a:solidFill>
               <a:latin typeface="Arial"/>
             </a:endParaRPr>
           </a:p>
           <a:p>
             <a:pPr marL="432000" indent="-324000">
+              <a:lnSpc>
+                <a:spcPct val="100000"/>
+              </a:lnSpc>
               <a:spcBef>
                 <a:spcPts val="1060"/>
               </a:spcBef>
@@ -5553,14 +5748,14 @@
               <a:t>What causes a house to increase in value?</a:t>
             </a:r>
             <a:endParaRPr b="0" lang="en-US" sz="2400" spc="-1" strike="noStrike">
-              <a:solidFill>
-                <a:srgbClr val="009bdd"/>
-              </a:solidFill>
               <a:latin typeface="Arial"/>
             </a:endParaRPr>
           </a:p>
           <a:p>
             <a:pPr marL="432000" indent="-324000">
+              <a:lnSpc>
+                <a:spcPct val="100000"/>
+              </a:lnSpc>
               <a:spcBef>
                 <a:spcPts val="1060"/>
               </a:spcBef>
@@ -5581,14 +5776,14 @@
               <a:t>Research data</a:t>
             </a:r>
             <a:endParaRPr b="0" lang="en-US" sz="2400" spc="-1" strike="noStrike">
-              <a:solidFill>
-                <a:srgbClr val="009bdd"/>
-              </a:solidFill>
               <a:latin typeface="Arial"/>
             </a:endParaRPr>
           </a:p>
           <a:p>
             <a:pPr marL="432000" indent="-324000">
+              <a:lnSpc>
+                <a:spcPct val="100000"/>
+              </a:lnSpc>
               <a:spcBef>
                 <a:spcPts val="1060"/>
               </a:spcBef>
@@ -5609,9 +5804,6 @@
               <a:t>A MLR model can be constructed on the research data</a:t>
             </a:r>
             <a:endParaRPr b="0" lang="en-US" sz="2400" spc="-1" strike="noStrike">
-              <a:solidFill>
-                <a:srgbClr val="009bdd"/>
-              </a:solidFill>
               <a:latin typeface="Arial"/>
             </a:endParaRPr>
           </a:p>
@@ -5624,14 +5816,14 @@
             <a:spLocks noGrp="1"/>
           </p:cNvSpPr>
           <p:nvPr>
-            <p:ph type="sldNum" idx="3"/>
+            <p:ph type="sldNum" idx="2"/>
           </p:nvPr>
         </p:nvSpPr>
         <p:spPr/>
         <p:txBody>
           <a:bodyPr/>
           <a:p>
-            <a:fld id="{2D1CF10D-34AC-4168-8B1E-7DA861E9F02D}" type="slidenum">
+            <a:fld id="{E4BBD353-1570-4986-BD4F-DB31CA040308}" type="slidenum">
               <a:t>3</a:t>
             </a:fld>
           </a:p>
@@ -5644,14 +5836,14 @@
             <a:spLocks noGrp="1"/>
           </p:cNvSpPr>
           <p:nvPr>
-            <p:ph type="dt" idx="1"/>
+            <p:ph type="dt" idx="3"/>
           </p:nvPr>
         </p:nvSpPr>
         <p:spPr/>
         <p:txBody>
           <a:bodyPr/>
           <a:p>
-            <a:fld id="{5D018E4D-B572-431B-9E8E-D57E8F10EED8}" type="datetime1">
+            <a:fld id="{72A9A246-4057-49EF-B7A2-676A870C104B}" type="datetime1">
               <a:rPr lang="en-US"/>
               <a:t>05/24/2024</a:t>
             </a:fld>
@@ -5701,7 +5893,7 @@
         <p:spPr>
           <a:xfrm>
             <a:off x="360000" y="180000"/>
-            <a:ext cx="9360000" cy="478080"/>
+            <a:ext cx="9359640" cy="477720"/>
           </a:xfrm>
           <a:prstGeom prst="rect">
             <a:avLst/>
@@ -5717,6 +5909,9 @@
           </a:bodyPr>
           <a:p>
             <a:pPr algn="ctr">
+              <a:lnSpc>
+                <a:spcPct val="100000"/>
+              </a:lnSpc>
               <a:buNone/>
             </a:pPr>
             <a:r>
@@ -5729,9 +5924,6 @@
               <a:t>Data Analysis Summary</a:t>
             </a:r>
             <a:endParaRPr b="0" lang="en-US" sz="3300" spc="-1" strike="noStrike">
-              <a:solidFill>
-                <a:srgbClr val="ffffff"/>
-              </a:solidFill>
               <a:latin typeface="Arial"/>
             </a:endParaRPr>
           </a:p>
@@ -5750,7 +5942,7 @@
         <p:spPr>
           <a:xfrm>
             <a:off x="360000" y="1080000"/>
-            <a:ext cx="9360000" cy="3600000"/>
+            <a:ext cx="9359640" cy="3599640"/>
           </a:xfrm>
           <a:prstGeom prst="rect">
             <a:avLst/>
@@ -5766,6 +5958,9 @@
           </a:bodyPr>
           <a:p>
             <a:pPr marL="432000" indent="-324000">
+              <a:lnSpc>
+                <a:spcPct val="100000"/>
+              </a:lnSpc>
               <a:spcBef>
                 <a:spcPts val="1060"/>
               </a:spcBef>
@@ -5786,14 +5981,14 @@
               <a:t>Collect Data</a:t>
             </a:r>
             <a:endParaRPr b="0" lang="en-US" sz="2400" spc="-1" strike="noStrike">
-              <a:solidFill>
-                <a:srgbClr val="009bdd"/>
-              </a:solidFill>
               <a:latin typeface="Arial"/>
             </a:endParaRPr>
           </a:p>
           <a:p>
             <a:pPr marL="432000" indent="-324000">
+              <a:lnSpc>
+                <a:spcPct val="100000"/>
+              </a:lnSpc>
               <a:spcBef>
                 <a:spcPts val="1060"/>
               </a:spcBef>
@@ -5814,14 +6009,14 @@
               <a:t>Clean Data</a:t>
             </a:r>
             <a:endParaRPr b="0" lang="en-US" sz="2400" spc="-1" strike="noStrike">
-              <a:solidFill>
-                <a:srgbClr val="009bdd"/>
-              </a:solidFill>
               <a:latin typeface="Arial"/>
             </a:endParaRPr>
           </a:p>
           <a:p>
             <a:pPr marL="432000" indent="-324000">
+              <a:lnSpc>
+                <a:spcPct val="100000"/>
+              </a:lnSpc>
               <a:spcBef>
                 <a:spcPts val="1060"/>
               </a:spcBef>
@@ -5842,14 +6037,14 @@
               <a:t>Prepare Data</a:t>
             </a:r>
             <a:endParaRPr b="0" lang="en-US" sz="2400" spc="-1" strike="noStrike">
-              <a:solidFill>
-                <a:srgbClr val="009bdd"/>
-              </a:solidFill>
               <a:latin typeface="Arial"/>
             </a:endParaRPr>
           </a:p>
           <a:p>
             <a:pPr marL="432000" indent="-324000">
+              <a:lnSpc>
+                <a:spcPct val="100000"/>
+              </a:lnSpc>
               <a:spcBef>
                 <a:spcPts val="1060"/>
               </a:spcBef>
@@ -5870,14 +6065,14 @@
               <a:t>Construct MLR model</a:t>
             </a:r>
             <a:endParaRPr b="0" lang="en-US" sz="2400" spc="-1" strike="noStrike">
-              <a:solidFill>
-                <a:srgbClr val="009bdd"/>
-              </a:solidFill>
               <a:latin typeface="Arial"/>
             </a:endParaRPr>
           </a:p>
           <a:p>
             <a:pPr marL="432000" indent="-324000">
+              <a:lnSpc>
+                <a:spcPct val="100000"/>
+              </a:lnSpc>
               <a:spcBef>
                 <a:spcPts val="1060"/>
               </a:spcBef>
@@ -5898,9 +6093,6 @@
               <a:t>Test MLR model</a:t>
             </a:r>
             <a:endParaRPr b="0" lang="en-US" sz="2400" spc="-1" strike="noStrike">
-              <a:solidFill>
-                <a:srgbClr val="009bdd"/>
-              </a:solidFill>
               <a:latin typeface="Arial"/>
             </a:endParaRPr>
           </a:p>
@@ -5913,14 +6105,14 @@
             <a:spLocks noGrp="1"/>
           </p:cNvSpPr>
           <p:nvPr>
-            <p:ph type="sldNum" idx="3"/>
+            <p:ph type="sldNum" idx="2"/>
           </p:nvPr>
         </p:nvSpPr>
         <p:spPr/>
         <p:txBody>
           <a:bodyPr/>
           <a:p>
-            <a:fld id="{7A2E751E-294E-4913-8ED3-6F6118BC9B4B}" type="slidenum">
+            <a:fld id="{59BD15C9-198A-4222-BEFB-77519B36E246}" type="slidenum">
               <a:t>4</a:t>
             </a:fld>
           </a:p>
@@ -5933,14 +6125,14 @@
             <a:spLocks noGrp="1"/>
           </p:cNvSpPr>
           <p:nvPr>
-            <p:ph type="dt" idx="1"/>
+            <p:ph type="dt" idx="3"/>
           </p:nvPr>
         </p:nvSpPr>
         <p:spPr/>
         <p:txBody>
           <a:bodyPr/>
           <a:p>
-            <a:fld id="{BAA5B6ED-1A27-4E7D-9CC4-8395725B7536}" type="datetime1">
+            <a:fld id="{2C696D30-62F5-4437-AA56-52EFC361F974}" type="datetime1">
               <a:rPr lang="en-US"/>
               <a:t>05/24/2024</a:t>
             </a:fld>
@@ -5990,7 +6182,7 @@
         <p:spPr>
           <a:xfrm>
             <a:off x="360000" y="180000"/>
-            <a:ext cx="9360000" cy="478080"/>
+            <a:ext cx="9359640" cy="477720"/>
           </a:xfrm>
           <a:prstGeom prst="rect">
             <a:avLst/>
@@ -6006,6 +6198,9 @@
           </a:bodyPr>
           <a:p>
             <a:pPr algn="ctr">
+              <a:lnSpc>
+                <a:spcPct val="100000"/>
+              </a:lnSpc>
               <a:buNone/>
             </a:pPr>
             <a:r>
@@ -6018,9 +6213,6 @@
               <a:t>Outline of Findings</a:t>
             </a:r>
             <a:endParaRPr b="0" lang="en-US" sz="3300" spc="-1" strike="noStrike">
-              <a:solidFill>
-                <a:srgbClr val="ffffff"/>
-              </a:solidFill>
               <a:latin typeface="Arial"/>
             </a:endParaRPr>
           </a:p>
@@ -6039,7 +6231,7 @@
         <p:spPr>
           <a:xfrm>
             <a:off x="360000" y="1080000"/>
-            <a:ext cx="9360000" cy="3600000"/>
+            <a:ext cx="9359640" cy="3599640"/>
           </a:xfrm>
           <a:prstGeom prst="rect">
             <a:avLst/>
@@ -6055,6 +6247,9 @@
           </a:bodyPr>
           <a:p>
             <a:pPr marL="432000" indent="-324000">
+              <a:lnSpc>
+                <a:spcPct val="100000"/>
+              </a:lnSpc>
               <a:spcBef>
                 <a:spcPts val="1060"/>
               </a:spcBef>
@@ -6075,14 +6270,14 @@
               <a:t>Non linear relationship between predictor variables and target variables</a:t>
             </a:r>
             <a:endParaRPr b="0" lang="en-US" sz="2400" spc="-1" strike="noStrike">
-              <a:solidFill>
-                <a:srgbClr val="009bdd"/>
-              </a:solidFill>
               <a:latin typeface="Arial"/>
             </a:endParaRPr>
           </a:p>
           <a:p>
             <a:pPr marL="432000" indent="-324000">
+              <a:lnSpc>
+                <a:spcPct val="100000"/>
+              </a:lnSpc>
               <a:spcBef>
                 <a:spcPts val="1060"/>
               </a:spcBef>
@@ -6103,14 +6298,14 @@
               <a:t>No coefficients with P value greater than .05</a:t>
             </a:r>
             <a:endParaRPr b="0" lang="en-US" sz="2400" spc="-1" strike="noStrike">
-              <a:solidFill>
-                <a:srgbClr val="009bdd"/>
-              </a:solidFill>
               <a:latin typeface="Arial"/>
             </a:endParaRPr>
           </a:p>
           <a:p>
             <a:pPr marL="432000" indent="-324000">
+              <a:lnSpc>
+                <a:spcPct val="100000"/>
+              </a:lnSpc>
               <a:spcBef>
                 <a:spcPts val="1060"/>
               </a:spcBef>
@@ -6131,14 +6326,14 @@
               <a:t>R-squared of 0.649 which is less than .7  </a:t>
             </a:r>
             <a:endParaRPr b="0" lang="en-US" sz="2400" spc="-1" strike="noStrike">
-              <a:solidFill>
-                <a:srgbClr val="009bdd"/>
-              </a:solidFill>
               <a:latin typeface="Arial"/>
             </a:endParaRPr>
           </a:p>
           <a:p>
             <a:pPr marL="432000" indent="-324000">
+              <a:lnSpc>
+                <a:spcPct val="100000"/>
+              </a:lnSpc>
               <a:spcBef>
                 <a:spcPts val="1060"/>
               </a:spcBef>
@@ -6159,28 +6354,20 @@
               <a:t>Failed to reject the null hypothesis</a:t>
             </a:r>
             <a:endParaRPr b="0" lang="en-US" sz="2400" spc="-1" strike="noStrike">
-              <a:solidFill>
-                <a:srgbClr val="009bdd"/>
-              </a:solidFill>
-              <a:latin typeface="Arial"/>
-            </a:endParaRPr>
-          </a:p>
-          <a:p>
-            <a:pPr marL="432000" indent="-324000">
+              <a:latin typeface="Arial"/>
+            </a:endParaRPr>
+          </a:p>
+          <a:p>
+            <a:pPr>
+              <a:lnSpc>
+                <a:spcPct val="100000"/>
+              </a:lnSpc>
               <a:spcBef>
                 <a:spcPts val="1060"/>
               </a:spcBef>
-              <a:buClr>
-                <a:srgbClr val="77caee"/>
-              </a:buClr>
-              <a:buSzPct val="45000"/>
-              <a:buFont typeface="Wingdings" charset="2"/>
-              <a:buChar char=""/>
+              <a:buNone/>
             </a:pPr>
             <a:endParaRPr b="0" lang="en-US" sz="2400" spc="-1" strike="noStrike">
-              <a:solidFill>
-                <a:srgbClr val="009bdd"/>
-              </a:solidFill>
               <a:latin typeface="Arial"/>
             </a:endParaRPr>
           </a:p>
@@ -6193,14 +6380,14 @@
             <a:spLocks noGrp="1"/>
           </p:cNvSpPr>
           <p:nvPr>
-            <p:ph type="sldNum" idx="3"/>
+            <p:ph type="sldNum" idx="2"/>
           </p:nvPr>
         </p:nvSpPr>
         <p:spPr/>
         <p:txBody>
           <a:bodyPr/>
           <a:p>
-            <a:fld id="{87DE61F5-EF80-4288-8E66-D9A127DF2DBC}" type="slidenum">
+            <a:fld id="{F254E2F3-8724-47BA-A460-1C60AF396E2C}" type="slidenum">
               <a:t>5</a:t>
             </a:fld>
           </a:p>
@@ -6213,14 +6400,14 @@
             <a:spLocks noGrp="1"/>
           </p:cNvSpPr>
           <p:nvPr>
-            <p:ph type="dt" idx="1"/>
+            <p:ph type="dt" idx="3"/>
           </p:nvPr>
         </p:nvSpPr>
         <p:spPr/>
         <p:txBody>
           <a:bodyPr/>
           <a:p>
-            <a:fld id="{72BE76DF-32E4-4123-88CD-53DEBE7950E2}" type="datetime1">
+            <a:fld id="{C7FA9035-EDC5-4CA3-9D2B-089DC3F01C6A}" type="datetime1">
               <a:rPr lang="en-US"/>
               <a:t>05/24/2024</a:t>
             </a:fld>
@@ -6269,8 +6456,8 @@
         </p:nvSpPr>
         <p:spPr>
           <a:xfrm>
-            <a:off x="360000" y="180000"/>
-            <a:ext cx="9360000" cy="478080"/>
+            <a:off x="360000" y="106200"/>
+            <a:ext cx="9359640" cy="625320"/>
           </a:xfrm>
           <a:prstGeom prst="rect">
             <a:avLst/>
@@ -6289,142 +6476,55 @@
               <a:buNone/>
             </a:pPr>
             <a:r>
-              <a:rPr b="0" lang="en-US" sz="3300" spc="-1" strike="noStrike">
-                <a:solidFill>
-                  <a:srgbClr val="ffffff"/>
-                </a:solidFill>
+              <a:rPr b="0" lang="en-US" sz="4400" spc="-1" strike="noStrike">
                 <a:latin typeface="Arial"/>
               </a:rPr>
-              <a:t>Limitations of Tools and Techniques</a:t>
-            </a:r>
-            <a:endParaRPr b="0" lang="en-US" sz="3300" spc="-1" strike="noStrike">
-              <a:solidFill>
-                <a:srgbClr val="ffffff"/>
-              </a:solidFill>
-              <a:latin typeface="Arial"/>
-            </a:endParaRPr>
-          </a:p>
-        </p:txBody>
-      </p:sp>
-      <p:sp>
-        <p:nvSpPr>
-          <p:cNvPr id="95" name="PlaceHolder 2"/>
-          <p:cNvSpPr>
-            <a:spLocks noGrp="1"/>
-          </p:cNvSpPr>
-          <p:nvPr>
-            <p:ph/>
-          </p:nvPr>
-        </p:nvSpPr>
-        <p:spPr>
-          <a:xfrm>
-            <a:off x="360000" y="1080000"/>
-            <a:ext cx="9360000" cy="3600000"/>
-          </a:xfrm>
-          <a:prstGeom prst="rect">
-            <a:avLst/>
-          </a:prstGeom>
-          <a:noFill/>
-          <a:ln w="0">
-            <a:noFill/>
-          </a:ln>
-        </p:spPr>
-        <p:txBody>
-          <a:bodyPr lIns="0" rIns="0" tIns="0" bIns="0" anchor="t">
-            <a:noAutofit/>
-          </a:bodyPr>
-          <a:p>
-            <a:pPr marL="432000" indent="-324000">
-              <a:spcBef>
-                <a:spcPts val="1060"/>
-              </a:spcBef>
-              <a:buClr>
-                <a:srgbClr val="77caee"/>
-              </a:buClr>
-              <a:buSzPct val="45000"/>
-              <a:buFont typeface="Wingdings" charset="2"/>
-              <a:buChar char=""/>
-            </a:pPr>
-            <a:r>
-              <a:rPr b="0" lang="en-US" sz="2400" spc="-1" strike="noStrike">
-                <a:solidFill>
-                  <a:srgbClr val="009bdd"/>
-                </a:solidFill>
-                <a:latin typeface="Arial"/>
-              </a:rPr>
-              <a:t>MLR assumes a linear relationship between predictor and target variables</a:t>
-            </a:r>
-            <a:endParaRPr b="0" lang="en-US" sz="2400" spc="-1" strike="noStrike">
-              <a:solidFill>
-                <a:srgbClr val="009bdd"/>
-              </a:solidFill>
-              <a:latin typeface="Arial"/>
-            </a:endParaRPr>
-          </a:p>
-          <a:p>
-            <a:pPr marL="432000" indent="-324000">
-              <a:spcBef>
-                <a:spcPts val="1060"/>
-              </a:spcBef>
-              <a:buClr>
-                <a:srgbClr val="77caee"/>
-              </a:buClr>
-              <a:buSzPct val="45000"/>
-              <a:buFont typeface="Wingdings" charset="2"/>
-              <a:buChar char=""/>
-            </a:pPr>
-            <a:r>
-              <a:rPr b="0" lang="en-US" sz="2400" spc="-1" strike="noStrike">
-                <a:solidFill>
-                  <a:srgbClr val="009bdd"/>
-                </a:solidFill>
-                <a:latin typeface="Arial"/>
-              </a:rPr>
-              <a:t>No domain specific knowledge to aid in identifying outliers</a:t>
-            </a:r>
-            <a:endParaRPr b="0" lang="en-US" sz="2400" spc="-1" strike="noStrike">
-              <a:solidFill>
-                <a:srgbClr val="009bdd"/>
-              </a:solidFill>
-              <a:latin typeface="Arial"/>
-            </a:endParaRPr>
-          </a:p>
-          <a:p>
-            <a:pPr marL="432000" indent="-324000">
-              <a:spcBef>
-                <a:spcPts val="1060"/>
-              </a:spcBef>
-              <a:buClr>
-                <a:srgbClr val="77caee"/>
-              </a:buClr>
-              <a:buSzPct val="45000"/>
-              <a:buFont typeface="Wingdings" charset="2"/>
-              <a:buChar char=""/>
-            </a:pPr>
-            <a:endParaRPr b="0" lang="en-US" sz="2400" spc="-1" strike="noStrike">
-              <a:solidFill>
-                <a:srgbClr val="009bdd"/>
-              </a:solidFill>
-              <a:latin typeface="Arial"/>
-            </a:endParaRPr>
-          </a:p>
-        </p:txBody>
-      </p:sp>
-      <p:sp>
-        <p:nvSpPr>
-          <p:cNvPr id="4" name="PlaceHolder 3"/>
-          <p:cNvSpPr>
-            <a:spLocks noGrp="1"/>
-          </p:cNvSpPr>
-          <p:nvPr>
-            <p:ph type="sldNum" idx="3"/>
+              <a:t>Non linear relationship</a:t>
+            </a:r>
+            <a:endParaRPr b="0" lang="en-US" sz="4400" spc="-1" strike="noStrike">
+              <a:latin typeface="Arial"/>
+            </a:endParaRPr>
+          </a:p>
+        </p:txBody>
+      </p:sp>
+      <p:pic>
+        <p:nvPicPr>
+          <p:cNvPr id="95" name="" descr=""/>
+          <p:cNvPicPr/>
+          <p:nvPr/>
+        </p:nvPicPr>
+        <p:blipFill>
+          <a:blip r:embed="rId1"/>
+          <a:stretch/>
+        </p:blipFill>
+        <p:spPr>
+          <a:xfrm>
+            <a:off x="1600200" y="1143000"/>
+            <a:ext cx="5794560" cy="3742200"/>
+          </a:xfrm>
+          <a:prstGeom prst="rect">
+            <a:avLst/>
+          </a:prstGeom>
+          <a:ln w="0">
+            <a:noFill/>
+          </a:ln>
+        </p:spPr>
+      </p:pic>
+      <p:sp>
+        <p:nvSpPr>
+          <p:cNvPr id="3" name="PlaceHolder 2"/>
+          <p:cNvSpPr>
+            <a:spLocks noGrp="1"/>
+          </p:cNvSpPr>
+          <p:nvPr>
+            <p:ph type="sldNum" idx="2"/>
           </p:nvPr>
         </p:nvSpPr>
         <p:spPr/>
         <p:txBody>
           <a:bodyPr/>
           <a:p>
-            <a:fld id="{209B73B7-3863-467C-84A5-357BE364A634}" type="slidenum">
+            <a:fld id="{CAD94DCF-F35C-4DA4-B3DD-51403860C1E4}" type="slidenum">
               <a:t>6</a:t>
             </a:fld>
           </a:p>
@@ -6432,19 +6532,19 @@
       </p:sp>
       <p:sp>
         <p:nvSpPr>
-          <p:cNvPr id="5" name="PlaceHolder 4"/>
-          <p:cNvSpPr>
-            <a:spLocks noGrp="1"/>
-          </p:cNvSpPr>
-          <p:nvPr>
-            <p:ph type="dt" idx="1"/>
+          <p:cNvPr id="4" name="PlaceHolder 3"/>
+          <p:cNvSpPr>
+            <a:spLocks noGrp="1"/>
+          </p:cNvSpPr>
+          <p:nvPr>
+            <p:ph type="dt" idx="3"/>
           </p:nvPr>
         </p:nvSpPr>
         <p:spPr/>
         <p:txBody>
           <a:bodyPr/>
           <a:p>
-            <a:fld id="{0084F4B7-081C-4486-BC11-EA96667F35AB}" type="datetime1">
+            <a:fld id="{079B2DAC-157B-4E89-BE8D-149E6E552555}" type="datetime1">
               <a:rPr lang="en-US"/>
               <a:t>05/24/2024</a:t>
             </a:fld>
@@ -6493,8 +6593,8 @@
         </p:nvSpPr>
         <p:spPr>
           <a:xfrm>
-            <a:off x="360000" y="180000"/>
-            <a:ext cx="9360000" cy="478080"/>
+            <a:off x="360000" y="106200"/>
+            <a:ext cx="9359640" cy="625320"/>
           </a:xfrm>
           <a:prstGeom prst="rect">
             <a:avLst/>
@@ -6513,151 +6613,55 @@
               <a:buNone/>
             </a:pPr>
             <a:r>
-              <a:rPr b="0" lang="en-US" sz="3300" spc="-1" strike="noStrike">
-                <a:solidFill>
-                  <a:srgbClr val="ffffff"/>
-                </a:solidFill>
+              <a:rPr b="0" lang="en-US" sz="4400" spc="-1" strike="noStrike">
                 <a:latin typeface="Arial"/>
               </a:rPr>
-              <a:t>Proposed Actions</a:t>
-            </a:r>
-            <a:endParaRPr b="0" lang="en-US" sz="3300" spc="-1" strike="noStrike">
-              <a:solidFill>
-                <a:srgbClr val="ffffff"/>
-              </a:solidFill>
-              <a:latin typeface="Arial"/>
-            </a:endParaRPr>
-          </a:p>
-        </p:txBody>
-      </p:sp>
-      <p:sp>
-        <p:nvSpPr>
-          <p:cNvPr id="97" name="PlaceHolder 2"/>
-          <p:cNvSpPr>
-            <a:spLocks noGrp="1"/>
-          </p:cNvSpPr>
-          <p:nvPr>
-            <p:ph/>
-          </p:nvPr>
-        </p:nvSpPr>
-        <p:spPr>
-          <a:xfrm>
-            <a:off x="360000" y="1080000"/>
-            <a:ext cx="9360000" cy="3600000"/>
-          </a:xfrm>
-          <a:prstGeom prst="rect">
-            <a:avLst/>
-          </a:prstGeom>
-          <a:noFill/>
-          <a:ln w="0">
-            <a:noFill/>
-          </a:ln>
-        </p:spPr>
-        <p:txBody>
-          <a:bodyPr lIns="0" rIns="0" tIns="0" bIns="0" anchor="t">
-            <a:noAutofit/>
-          </a:bodyPr>
-          <a:p>
-            <a:pPr marL="432000" indent="-324000">
-              <a:spcBef>
-                <a:spcPts val="1060"/>
-              </a:spcBef>
-              <a:buClr>
-                <a:srgbClr val="77caee"/>
-              </a:buClr>
-              <a:buSzPct val="45000"/>
-              <a:buFont typeface="Wingdings" charset="2"/>
-              <a:buChar char=""/>
-            </a:pPr>
-            <a:r>
-              <a:rPr b="0" lang="en-US" sz="2400" spc="-1" strike="noStrike">
-                <a:solidFill>
-                  <a:srgbClr val="009bdd"/>
-                </a:solidFill>
-                <a:latin typeface="Arial"/>
-              </a:rPr>
-              <a:t>Work with domain experts to identify outliers</a:t>
-            </a:r>
-            <a:endParaRPr b="0" lang="en-US" sz="2400" spc="-1" strike="noStrike">
-              <a:solidFill>
-                <a:srgbClr val="009bdd"/>
-              </a:solidFill>
-              <a:latin typeface="Arial"/>
-            </a:endParaRPr>
-          </a:p>
-          <a:p>
-            <a:pPr marL="432000" indent="-324000">
-              <a:spcBef>
-                <a:spcPts val="1060"/>
-              </a:spcBef>
-              <a:buClr>
-                <a:srgbClr val="77caee"/>
-              </a:buClr>
-              <a:buSzPct val="45000"/>
-              <a:buFont typeface="Wingdings" charset="2"/>
-              <a:buChar char=""/>
-            </a:pPr>
-            <a:r>
-              <a:rPr b="0" lang="en-US" sz="2400" spc="-1" strike="noStrike">
-                <a:solidFill>
-                  <a:srgbClr val="009bdd"/>
-                </a:solidFill>
-                <a:latin typeface="Arial"/>
-              </a:rPr>
-              <a:t>Apply logarithmic transformations to the skewed predictors to normalize them</a:t>
-            </a:r>
-            <a:endParaRPr b="0" lang="en-US" sz="2400" spc="-1" strike="noStrike">
-              <a:solidFill>
-                <a:srgbClr val="009bdd"/>
-              </a:solidFill>
-              <a:latin typeface="Arial"/>
-            </a:endParaRPr>
-          </a:p>
-          <a:p>
-            <a:pPr marL="432000" indent="-324000">
-              <a:spcBef>
-                <a:spcPts val="1060"/>
-              </a:spcBef>
-              <a:buClr>
-                <a:srgbClr val="77caee"/>
-              </a:buClr>
-              <a:buSzPct val="45000"/>
-              <a:buFont typeface="Wingdings" charset="2"/>
-              <a:buChar char=""/>
-            </a:pPr>
-            <a:r>
-              <a:rPr b="0" lang="en-US" sz="2400" spc="-1" strike="noStrike">
-                <a:solidFill>
-                  <a:srgbClr val="009bdd"/>
-                </a:solidFill>
-                <a:latin typeface="Arial"/>
-              </a:rPr>
-              <a:t>Do not use this model for house appraisal until the accuracy is increased to at least 70%</a:t>
-            </a:r>
-            <a:endParaRPr b="0" lang="en-US" sz="2400" spc="-1" strike="noStrike">
-              <a:solidFill>
-                <a:srgbClr val="009bdd"/>
-              </a:solidFill>
-              <a:latin typeface="Arial"/>
-            </a:endParaRPr>
-          </a:p>
-        </p:txBody>
-      </p:sp>
-      <p:sp>
-        <p:nvSpPr>
-          <p:cNvPr id="4" name="PlaceHolder 3"/>
-          <p:cNvSpPr>
-            <a:spLocks noGrp="1"/>
-          </p:cNvSpPr>
-          <p:nvPr>
-            <p:ph type="sldNum" idx="3"/>
+              <a:t>Non Normal Distribution of Residuals</a:t>
+            </a:r>
+            <a:endParaRPr b="0" lang="en-US" sz="4400" spc="-1" strike="noStrike">
+              <a:latin typeface="Arial"/>
+            </a:endParaRPr>
+          </a:p>
+        </p:txBody>
+      </p:sp>
+      <p:pic>
+        <p:nvPicPr>
+          <p:cNvPr id="97" name="" descr=""/>
+          <p:cNvPicPr/>
+          <p:nvPr/>
+        </p:nvPicPr>
+        <p:blipFill>
+          <a:blip r:embed="rId1"/>
+          <a:stretch/>
+        </p:blipFill>
+        <p:spPr>
+          <a:xfrm>
+            <a:off x="1828800" y="731520"/>
+            <a:ext cx="6172200" cy="4067280"/>
+          </a:xfrm>
+          <a:prstGeom prst="rect">
+            <a:avLst/>
+          </a:prstGeom>
+          <a:ln w="0">
+            <a:noFill/>
+          </a:ln>
+        </p:spPr>
+      </p:pic>
+      <p:sp>
+        <p:nvSpPr>
+          <p:cNvPr id="3" name="PlaceHolder 2"/>
+          <p:cNvSpPr>
+            <a:spLocks noGrp="1"/>
+          </p:cNvSpPr>
+          <p:nvPr>
+            <p:ph type="sldNum" idx="2"/>
           </p:nvPr>
         </p:nvSpPr>
         <p:spPr/>
         <p:txBody>
           <a:bodyPr/>
           <a:p>
-            <a:fld id="{861F9C44-D7D5-456E-8481-935552DDEA9E}" type="slidenum">
+            <a:fld id="{E4382D66-8D6E-4799-9762-A177B3BFD8E7}" type="slidenum">
               <a:t>7</a:t>
             </a:fld>
           </a:p>
@@ -6665,19 +6669,19 @@
       </p:sp>
       <p:sp>
         <p:nvSpPr>
-          <p:cNvPr id="5" name="PlaceHolder 4"/>
-          <p:cNvSpPr>
-            <a:spLocks noGrp="1"/>
-          </p:cNvSpPr>
-          <p:nvPr>
-            <p:ph type="dt" idx="1"/>
+          <p:cNvPr id="4" name="PlaceHolder 3"/>
+          <p:cNvSpPr>
+            <a:spLocks noGrp="1"/>
+          </p:cNvSpPr>
+          <p:nvPr>
+            <p:ph type="dt" idx="3"/>
           </p:nvPr>
         </p:nvSpPr>
         <p:spPr/>
         <p:txBody>
           <a:bodyPr/>
           <a:p>
-            <a:fld id="{28B3966D-7D47-4A63-B038-F6B5640DDA00}" type="datetime1">
+            <a:fld id="{D2AC4BE1-7B49-40F6-9A4C-E2091FA0ED5B}" type="datetime1">
               <a:rPr lang="en-US"/>
               <a:t>05/24/2024</a:t>
             </a:fld>
@@ -6727,7 +6731,7 @@
         <p:spPr>
           <a:xfrm>
             <a:off x="360000" y="180000"/>
-            <a:ext cx="9360000" cy="478080"/>
+            <a:ext cx="9359640" cy="477720"/>
           </a:xfrm>
           <a:prstGeom prst="rect">
             <a:avLst/>
@@ -6743,6 +6747,9 @@
           </a:bodyPr>
           <a:p>
             <a:pPr algn="ctr">
+              <a:lnSpc>
+                <a:spcPct val="100000"/>
+              </a:lnSpc>
               <a:buNone/>
             </a:pPr>
             <a:r>
@@ -6752,12 +6759,9 @@
                 </a:solidFill>
                 <a:latin typeface="Arial"/>
               </a:rPr>
-              <a:t>Expected Benefits</a:t>
+              <a:t>Limitations of Tools and Techniques</a:t>
             </a:r>
             <a:endParaRPr b="0" lang="en-US" sz="3300" spc="-1" strike="noStrike">
-              <a:solidFill>
-                <a:srgbClr val="ffffff"/>
-              </a:solidFill>
               <a:latin typeface="Arial"/>
             </a:endParaRPr>
           </a:p>
@@ -6775,8 +6779,8 @@
         </p:nvSpPr>
         <p:spPr>
           <a:xfrm>
-            <a:off x="360000" y="1143000"/>
-            <a:ext cx="9360000" cy="3600000"/>
+            <a:off x="360000" y="1080000"/>
+            <a:ext cx="9359640" cy="3599640"/>
           </a:xfrm>
           <a:prstGeom prst="rect">
             <a:avLst/>
@@ -6792,6 +6796,9 @@
           </a:bodyPr>
           <a:p>
             <a:pPr marL="432000" indent="-324000">
+              <a:lnSpc>
+                <a:spcPct val="100000"/>
+              </a:lnSpc>
               <a:spcBef>
                 <a:spcPts val="1060"/>
               </a:spcBef>
@@ -6809,17 +6816,17 @@
                 </a:solidFill>
                 <a:latin typeface="Arial"/>
               </a:rPr>
-              <a:t>Houses are a large part of wealth in the economy.</a:t>
+              <a:t>MLR assumes a linear relationship between predictor and target variables</a:t>
             </a:r>
             <a:endParaRPr b="0" lang="en-US" sz="2400" spc="-1" strike="noStrike">
-              <a:solidFill>
-                <a:srgbClr val="009bdd"/>
-              </a:solidFill>
               <a:latin typeface="Arial"/>
             </a:endParaRPr>
           </a:p>
           <a:p>
             <a:pPr marL="432000" indent="-324000">
+              <a:lnSpc>
+                <a:spcPct val="100000"/>
+              </a:lnSpc>
               <a:spcBef>
                 <a:spcPts val="1060"/>
               </a:spcBef>
@@ -6837,68 +6844,23 @@
                 </a:solidFill>
                 <a:latin typeface="Arial"/>
               </a:rPr>
-              <a:t>Houses have a large effect on the greater economy.</a:t>
+              <a:t>No domain specific knowledge to aid in identifying outliers</a:t>
             </a:r>
             <a:endParaRPr b="0" lang="en-US" sz="2400" spc="-1" strike="noStrike">
-              <a:solidFill>
-                <a:srgbClr val="009bdd"/>
-              </a:solidFill>
-              <a:latin typeface="Arial"/>
-            </a:endParaRPr>
-          </a:p>
-          <a:p>
-            <a:pPr marL="432000" indent="-324000">
+              <a:latin typeface="Arial"/>
+            </a:endParaRPr>
+          </a:p>
+          <a:p>
+            <a:pPr>
+              <a:lnSpc>
+                <a:spcPct val="100000"/>
+              </a:lnSpc>
               <a:spcBef>
                 <a:spcPts val="1060"/>
               </a:spcBef>
-              <a:buClr>
-                <a:srgbClr val="77caee"/>
-              </a:buClr>
-              <a:buSzPct val="45000"/>
-              <a:buFont typeface="Wingdings" charset="2"/>
-              <a:buChar char=""/>
-            </a:pPr>
-            <a:r>
-              <a:rPr b="0" lang="en-US" sz="2400" spc="-1" strike="noStrike">
-                <a:solidFill>
-                  <a:srgbClr val="009bdd"/>
-                </a:solidFill>
-                <a:latin typeface="Arial"/>
-              </a:rPr>
-              <a:t>Estimate house prices with more accuracy</a:t>
-            </a:r>
+              <a:buNone/>
+            </a:pPr>
             <a:endParaRPr b="0" lang="en-US" sz="2400" spc="-1" strike="noStrike">
-              <a:solidFill>
-                <a:srgbClr val="009bdd"/>
-              </a:solidFill>
-              <a:latin typeface="Arial"/>
-            </a:endParaRPr>
-          </a:p>
-          <a:p>
-            <a:pPr marL="432000" indent="-324000">
-              <a:spcBef>
-                <a:spcPts val="1060"/>
-              </a:spcBef>
-              <a:buClr>
-                <a:srgbClr val="77caee"/>
-              </a:buClr>
-              <a:buSzPct val="45000"/>
-              <a:buFont typeface="Wingdings" charset="2"/>
-              <a:buChar char=""/>
-            </a:pPr>
-            <a:r>
-              <a:rPr b="0" lang="en-US" sz="2400" spc="-1" strike="noStrike">
-                <a:solidFill>
-                  <a:srgbClr val="009bdd"/>
-                </a:solidFill>
-                <a:latin typeface="Arial"/>
-              </a:rPr>
-              <a:t>Understand how coefficients relate to the house price</a:t>
-            </a:r>
-            <a:endParaRPr b="0" lang="en-US" sz="2400" spc="-1" strike="noStrike">
-              <a:solidFill>
-                <a:srgbClr val="009bdd"/>
-              </a:solidFill>
               <a:latin typeface="Arial"/>
             </a:endParaRPr>
           </a:p>
@@ -6911,14 +6873,14 @@
             <a:spLocks noGrp="1"/>
           </p:cNvSpPr>
           <p:nvPr>
-            <p:ph type="sldNum" idx="3"/>
+            <p:ph type="sldNum" idx="2"/>
           </p:nvPr>
         </p:nvSpPr>
         <p:spPr/>
         <p:txBody>
           <a:bodyPr/>
           <a:p>
-            <a:fld id="{3E04EFD0-67FF-434A-B77C-44A3658F97A2}" type="slidenum">
+            <a:fld id="{D12665A6-0752-417C-A595-078A6E6E3372}" type="slidenum">
               <a:t>8</a:t>
             </a:fld>
           </a:p>
@@ -6931,14 +6893,14 @@
             <a:spLocks noGrp="1"/>
           </p:cNvSpPr>
           <p:nvPr>
-            <p:ph type="dt" idx="1"/>
+            <p:ph type="dt" idx="3"/>
           </p:nvPr>
         </p:nvSpPr>
         <p:spPr/>
         <p:txBody>
           <a:bodyPr/>
           <a:p>
-            <a:fld id="{CB6A9744-AE38-46BD-ADE6-AF10BCB81E53}" type="datetime1">
+            <a:fld id="{D4B03C12-B77A-4221-BBEA-A3C888262C64}" type="datetime1">
               <a:rPr lang="en-US"/>
               <a:t>05/24/2024</a:t>
             </a:fld>
@@ -6988,7 +6950,7 @@
         <p:spPr>
           <a:xfrm>
             <a:off x="360000" y="180000"/>
-            <a:ext cx="9360000" cy="478080"/>
+            <a:ext cx="9359640" cy="477720"/>
           </a:xfrm>
           <a:prstGeom prst="rect">
             <a:avLst/>
@@ -7004,6 +6966,9 @@
           </a:bodyPr>
           <a:p>
             <a:pPr algn="ctr">
+              <a:lnSpc>
+                <a:spcPct val="100000"/>
+              </a:lnSpc>
               <a:buNone/>
             </a:pPr>
             <a:r>
@@ -7013,12 +6978,9 @@
                 </a:solidFill>
                 <a:latin typeface="Arial"/>
               </a:rPr>
-              <a:t>Citations</a:t>
+              <a:t>Proposed Actions</a:t>
             </a:r>
             <a:endParaRPr b="0" lang="en-US" sz="3300" spc="-1" strike="noStrike">
-              <a:solidFill>
-                <a:srgbClr val="ffffff"/>
-              </a:solidFill>
               <a:latin typeface="Arial"/>
             </a:endParaRPr>
           </a:p>
@@ -7036,8 +6998,8 @@
         </p:nvSpPr>
         <p:spPr>
           <a:xfrm>
-            <a:off x="241200" y="1200600"/>
-            <a:ext cx="9360000" cy="3600000"/>
+            <a:off x="360000" y="1080000"/>
+            <a:ext cx="9359640" cy="3599640"/>
           </a:xfrm>
           <a:prstGeom prst="rect">
             <a:avLst/>
@@ -7053,6 +7015,9 @@
           </a:bodyPr>
           <a:p>
             <a:pPr marL="432000" indent="-324000">
+              <a:lnSpc>
+                <a:spcPct val="100000"/>
+              </a:lnSpc>
               <a:spcBef>
                 <a:spcPts val="1060"/>
               </a:spcBef>
@@ -7063,15 +7028,24 @@
               <a:buFont typeface="Wingdings" charset="2"/>
               <a:buChar char=""/>
             </a:pPr>
+            <a:r>
+              <a:rPr b="0" lang="en-US" sz="2400" spc="-1" strike="noStrike">
+                <a:solidFill>
+                  <a:srgbClr val="009bdd"/>
+                </a:solidFill>
+                <a:latin typeface="Arial"/>
+              </a:rPr>
+              <a:t>Work with domain experts to identify outliers</a:t>
+            </a:r>
             <a:endParaRPr b="0" lang="en-US" sz="2400" spc="-1" strike="noStrike">
-              <a:solidFill>
-                <a:srgbClr val="009bdd"/>
-              </a:solidFill>
               <a:latin typeface="Arial"/>
             </a:endParaRPr>
           </a:p>
           <a:p>
             <a:pPr marL="432000" indent="-324000">
+              <a:lnSpc>
+                <a:spcPct val="100000"/>
+              </a:lnSpc>
               <a:spcBef>
                 <a:spcPts val="1060"/>
               </a:spcBef>
@@ -7089,30 +7063,20 @@
                 </a:solidFill>
                 <a:latin typeface="Arial"/>
               </a:rPr>
-              <a:t>What Can Housing Markets Teach Us about Economics? (n.d.). NBER</a:t>
-            </a:r>
-            <a:r>
-              <a:rPr b="0" lang="en-US" sz="1000" spc="-1" strike="noStrike">
-                <a:latin typeface="Liberation Mono;Courier New"/>
-                <a:ea typeface="LM Sans 10"/>
-              </a:rPr>
-              <a:t>.</a:t>
-            </a:r>
-            <a:endParaRPr b="0" lang="en-US" sz="1000" spc="-1" strike="noStrike">
-              <a:solidFill>
-                <a:srgbClr val="009bdd"/>
-              </a:solidFill>
+              <a:t>Apply logarithmic transformations to the skewed predictors to normalize them</a:t>
+            </a:r>
+            <a:endParaRPr b="0" lang="en-US" sz="2400" spc="-1" strike="noStrike">
               <a:latin typeface="Arial"/>
             </a:endParaRPr>
           </a:p>
           <a:p>
             <a:pPr marL="432000" indent="-324000">
               <a:lnSpc>
-                <a:spcPct val="108000"/>
+                <a:spcPct val="100000"/>
               </a:lnSpc>
-              <a:spcAft>
-                <a:spcPts val="1414"/>
-              </a:spcAft>
+              <a:spcBef>
+                <a:spcPts val="1060"/>
+              </a:spcBef>
               <a:buClr>
                 <a:srgbClr val="77caee"/>
               </a:buClr>
@@ -7126,14 +7090,10 @@
                   <a:srgbClr val="009bdd"/>
                 </a:solidFill>
                 <a:latin typeface="Arial"/>
-                <a:hlinkClick r:id="rId1"/>
               </a:rPr>
-              <a:t>https://www.nber.org/reporter/2016number4/what-can-housing-markets-teach-us-about-economics</a:t>
+              <a:t>Do not use this model for house appraisal until the accuracy is increased to at least 70%</a:t>
             </a:r>
             <a:endParaRPr b="0" lang="en-US" sz="2400" spc="-1" strike="noStrike">
-              <a:solidFill>
-                <a:srgbClr val="009bdd"/>
-              </a:solidFill>
               <a:latin typeface="Arial"/>
             </a:endParaRPr>
           </a:p>
@@ -7146,14 +7106,14 @@
             <a:spLocks noGrp="1"/>
           </p:cNvSpPr>
           <p:nvPr>
-            <p:ph type="sldNum" idx="3"/>
+            <p:ph type="sldNum" idx="2"/>
           </p:nvPr>
         </p:nvSpPr>
         <p:spPr/>
         <p:txBody>
           <a:bodyPr/>
           <a:p>
-            <a:fld id="{8B49F7E3-1EF9-455D-9D5C-B2AC0A9C4305}" type="slidenum">
+            <a:fld id="{BAC229D6-D415-4885-B4D5-1CB8D4A0932B}" type="slidenum">
               <a:t>9</a:t>
             </a:fld>
           </a:p>
@@ -7166,14 +7126,14 @@
             <a:spLocks noGrp="1"/>
           </p:cNvSpPr>
           <p:nvPr>
-            <p:ph type="dt" idx="1"/>
+            <p:ph type="dt" idx="3"/>
           </p:nvPr>
         </p:nvSpPr>
         <p:spPr/>
         <p:txBody>
           <a:bodyPr/>
           <a:p>
-            <a:fld id="{3ECB9B5B-92FB-49DA-938E-AD2E0F6EFDC2}" type="datetime1">
+            <a:fld id="{8DD168E0-E46C-4829-A65F-239984B212D0}" type="datetime1">
               <a:rPr lang="en-US"/>
               <a:t>05/24/2024</a:t>
             </a:fld>

--- a/capstone-presentation.pptx
+++ b/capstone-presentation.pptx
@@ -74,8 +74,8 @@
         </p:nvSpPr>
         <p:spPr>
           <a:xfrm>
-            <a:off x="360000" y="106200"/>
-            <a:ext cx="9359640" cy="625320"/>
+            <a:off x="504000" y="226080"/>
+            <a:ext cx="9072000" cy="946440"/>
           </a:xfrm>
           <a:prstGeom prst="rect">
             <a:avLst/>
@@ -111,8 +111,8 @@
         </p:nvSpPr>
         <p:spPr>
           <a:xfrm>
-            <a:off x="360000" y="1080000"/>
-            <a:ext cx="9359640" cy="1716840"/>
+            <a:off x="504000" y="1326600"/>
+            <a:ext cx="9072000" cy="1568520"/>
           </a:xfrm>
           <a:prstGeom prst="rect">
             <a:avLst/>
@@ -145,8 +145,8 @@
         </p:nvSpPr>
         <p:spPr>
           <a:xfrm>
-            <a:off x="360000" y="2960280"/>
-            <a:ext cx="9359640" cy="1716840"/>
+            <a:off x="504000" y="3044520"/>
+            <a:ext cx="9072000" cy="1568520"/>
           </a:xfrm>
           <a:prstGeom prst="rect">
             <a:avLst/>
@@ -201,8 +201,8 @@
         </p:nvSpPr>
         <p:spPr>
           <a:xfrm>
-            <a:off x="360000" y="106200"/>
-            <a:ext cx="9359640" cy="625320"/>
+            <a:off x="504000" y="226080"/>
+            <a:ext cx="9072000" cy="946440"/>
           </a:xfrm>
           <a:prstGeom prst="rect">
             <a:avLst/>
@@ -238,8 +238,8 @@
         </p:nvSpPr>
         <p:spPr>
           <a:xfrm>
-            <a:off x="360000" y="1080000"/>
-            <a:ext cx="4567320" cy="1716840"/>
+            <a:off x="504000" y="1326600"/>
+            <a:ext cx="4426920" cy="1568520"/>
           </a:xfrm>
           <a:prstGeom prst="rect">
             <a:avLst/>
@@ -272,8 +272,8 @@
         </p:nvSpPr>
         <p:spPr>
           <a:xfrm>
-            <a:off x="5155920" y="1080000"/>
-            <a:ext cx="4567320" cy="1716840"/>
+            <a:off x="5152680" y="1326600"/>
+            <a:ext cx="4426920" cy="1568520"/>
           </a:xfrm>
           <a:prstGeom prst="rect">
             <a:avLst/>
@@ -306,8 +306,8 @@
         </p:nvSpPr>
         <p:spPr>
           <a:xfrm>
-            <a:off x="360000" y="2960280"/>
-            <a:ext cx="4567320" cy="1716840"/>
+            <a:off x="504000" y="3044520"/>
+            <a:ext cx="4426920" cy="1568520"/>
           </a:xfrm>
           <a:prstGeom prst="rect">
             <a:avLst/>
@@ -340,8 +340,8 @@
         </p:nvSpPr>
         <p:spPr>
           <a:xfrm>
-            <a:off x="5155920" y="2960280"/>
-            <a:ext cx="4567320" cy="1716840"/>
+            <a:off x="5152680" y="3044520"/>
+            <a:ext cx="4426920" cy="1568520"/>
           </a:xfrm>
           <a:prstGeom prst="rect">
             <a:avLst/>
@@ -396,8 +396,8 @@
         </p:nvSpPr>
         <p:spPr>
           <a:xfrm>
-            <a:off x="360000" y="106200"/>
-            <a:ext cx="9359640" cy="625320"/>
+            <a:off x="504000" y="226080"/>
+            <a:ext cx="9072000" cy="946440"/>
           </a:xfrm>
           <a:prstGeom prst="rect">
             <a:avLst/>
@@ -433,8 +433,8 @@
         </p:nvSpPr>
         <p:spPr>
           <a:xfrm>
-            <a:off x="360000" y="1080000"/>
-            <a:ext cx="3013560" cy="1716840"/>
+            <a:off x="504000" y="1326600"/>
+            <a:ext cx="2921040" cy="1568520"/>
           </a:xfrm>
           <a:prstGeom prst="rect">
             <a:avLst/>
@@ -467,8 +467,8 @@
         </p:nvSpPr>
         <p:spPr>
           <a:xfrm>
-            <a:off x="3524760" y="1080000"/>
-            <a:ext cx="3013560" cy="1716840"/>
+            <a:off x="3571560" y="1326600"/>
+            <a:ext cx="2921040" cy="1568520"/>
           </a:xfrm>
           <a:prstGeom prst="rect">
             <a:avLst/>
@@ -501,8 +501,8 @@
         </p:nvSpPr>
         <p:spPr>
           <a:xfrm>
-            <a:off x="6689160" y="1080000"/>
-            <a:ext cx="3013560" cy="1716840"/>
+            <a:off x="6639120" y="1326600"/>
+            <a:ext cx="2921040" cy="1568520"/>
           </a:xfrm>
           <a:prstGeom prst="rect">
             <a:avLst/>
@@ -535,8 +535,8 @@
         </p:nvSpPr>
         <p:spPr>
           <a:xfrm>
-            <a:off x="360000" y="2960280"/>
-            <a:ext cx="3013560" cy="1716840"/>
+            <a:off x="504000" y="3044520"/>
+            <a:ext cx="2921040" cy="1568520"/>
           </a:xfrm>
           <a:prstGeom prst="rect">
             <a:avLst/>
@@ -569,8 +569,8 @@
         </p:nvSpPr>
         <p:spPr>
           <a:xfrm>
-            <a:off x="3524760" y="2960280"/>
-            <a:ext cx="3013560" cy="1716840"/>
+            <a:off x="3571560" y="3044520"/>
+            <a:ext cx="2921040" cy="1568520"/>
           </a:xfrm>
           <a:prstGeom prst="rect">
             <a:avLst/>
@@ -603,8 +603,8 @@
         </p:nvSpPr>
         <p:spPr>
           <a:xfrm>
-            <a:off x="6689160" y="2960280"/>
-            <a:ext cx="3013560" cy="1716840"/>
+            <a:off x="6639120" y="3044520"/>
+            <a:ext cx="2921040" cy="1568520"/>
           </a:xfrm>
           <a:prstGeom prst="rect">
             <a:avLst/>
@@ -681,7 +681,7 @@
         <p:txBody>
           <a:bodyPr/>
           <a:p>
-            <a:fld id="{C197BBFC-592F-4E29-9205-040B4CF6EEF0}" type="slidenum">
+            <a:fld id="{E4BF234C-8E06-43C6-A863-338359EA46D4}" type="slidenum">
               <a:t>&lt;#&gt;</a:t>
             </a:fld>
           </a:p>
@@ -742,8 +742,8 @@
         </p:nvSpPr>
         <p:spPr>
           <a:xfrm>
-            <a:off x="360000" y="106200"/>
-            <a:ext cx="9359640" cy="625320"/>
+            <a:off x="504000" y="226080"/>
+            <a:ext cx="9072000" cy="946440"/>
           </a:xfrm>
           <a:prstGeom prst="rect">
             <a:avLst/>
@@ -779,8 +779,8 @@
         </p:nvSpPr>
         <p:spPr>
           <a:xfrm>
-            <a:off x="360000" y="1080000"/>
-            <a:ext cx="9359640" cy="3599640"/>
+            <a:off x="504000" y="1326600"/>
+            <a:ext cx="9072000" cy="3288600"/>
           </a:xfrm>
           <a:prstGeom prst="rect">
             <a:avLst/>
@@ -838,7 +838,7 @@
         <p:txBody>
           <a:bodyPr/>
           <a:p>
-            <a:fld id="{60096F9E-8BA3-43F2-9B1A-E0157DB9115C}" type="slidenum">
+            <a:fld id="{ABEE46AC-8BD8-46B9-AFE9-F8191FEEE43D}" type="slidenum">
               <a:t>&lt;#&gt;</a:t>
             </a:fld>
           </a:p>
@@ -899,8 +899,8 @@
         </p:nvSpPr>
         <p:spPr>
           <a:xfrm>
-            <a:off x="360000" y="106200"/>
-            <a:ext cx="9359640" cy="625320"/>
+            <a:off x="504000" y="226080"/>
+            <a:ext cx="9072000" cy="946440"/>
           </a:xfrm>
           <a:prstGeom prst="rect">
             <a:avLst/>
@@ -936,8 +936,8 @@
         </p:nvSpPr>
         <p:spPr>
           <a:xfrm>
-            <a:off x="360000" y="1080000"/>
-            <a:ext cx="9359640" cy="3599640"/>
+            <a:off x="504000" y="1326600"/>
+            <a:ext cx="9072000" cy="3288600"/>
           </a:xfrm>
           <a:prstGeom prst="rect">
             <a:avLst/>
@@ -992,7 +992,7 @@
         <p:txBody>
           <a:bodyPr/>
           <a:p>
-            <a:fld id="{1DB4F2BF-26C9-4CC7-88D5-9FBC511F08C3}" type="slidenum">
+            <a:fld id="{E18080A1-1EBA-4BA1-89D5-667EFDCF15AF}" type="slidenum">
               <a:t>&lt;#&gt;</a:t>
             </a:fld>
           </a:p>
@@ -1053,8 +1053,8 @@
         </p:nvSpPr>
         <p:spPr>
           <a:xfrm>
-            <a:off x="360000" y="106200"/>
-            <a:ext cx="9359640" cy="625320"/>
+            <a:off x="504000" y="226080"/>
+            <a:ext cx="9072000" cy="946440"/>
           </a:xfrm>
           <a:prstGeom prst="rect">
             <a:avLst/>
@@ -1090,8 +1090,8 @@
         </p:nvSpPr>
         <p:spPr>
           <a:xfrm>
-            <a:off x="360000" y="1080000"/>
-            <a:ext cx="4567320" cy="3599640"/>
+            <a:off x="504000" y="1326600"/>
+            <a:ext cx="4426920" cy="3288600"/>
           </a:xfrm>
           <a:prstGeom prst="rect">
             <a:avLst/>
@@ -1124,8 +1124,8 @@
         </p:nvSpPr>
         <p:spPr>
           <a:xfrm>
-            <a:off x="5155920" y="1080000"/>
-            <a:ext cx="4567320" cy="3599640"/>
+            <a:off x="5152680" y="1326600"/>
+            <a:ext cx="4426920" cy="3288600"/>
           </a:xfrm>
           <a:prstGeom prst="rect">
             <a:avLst/>
@@ -1180,7 +1180,7 @@
         <p:txBody>
           <a:bodyPr/>
           <a:p>
-            <a:fld id="{287A7C90-07DC-453B-A976-6DFEF246754D}" type="slidenum">
+            <a:fld id="{C78B330C-AA59-42C6-A45B-243B7857B958}" type="slidenum">
               <a:t>&lt;#&gt;</a:t>
             </a:fld>
           </a:p>
@@ -1241,8 +1241,8 @@
         </p:nvSpPr>
         <p:spPr>
           <a:xfrm>
-            <a:off x="360000" y="106200"/>
-            <a:ext cx="9359640" cy="625320"/>
+            <a:off x="504000" y="226080"/>
+            <a:ext cx="9072000" cy="946440"/>
           </a:xfrm>
           <a:prstGeom prst="rect">
             <a:avLst/>
@@ -1300,7 +1300,7 @@
         <p:txBody>
           <a:bodyPr/>
           <a:p>
-            <a:fld id="{5B19522E-57AB-4EDE-B516-1685947510C2}" type="slidenum">
+            <a:fld id="{FEF4F49A-9204-4FA2-B793-CE934164D649}" type="slidenum">
               <a:t>&lt;#&gt;</a:t>
             </a:fld>
           </a:p>
@@ -1361,8 +1361,8 @@
         </p:nvSpPr>
         <p:spPr>
           <a:xfrm>
-            <a:off x="360000" y="180000"/>
-            <a:ext cx="9359640" cy="2215800"/>
+            <a:off x="504000" y="226080"/>
+            <a:ext cx="9072000" cy="4388400"/>
           </a:xfrm>
           <a:prstGeom prst="rect">
             <a:avLst/>
@@ -1420,7 +1420,7 @@
         <p:txBody>
           <a:bodyPr/>
           <a:p>
-            <a:fld id="{9D97A86E-2863-46DC-BFA8-DC5B0A2380AE}" type="slidenum">
+            <a:fld id="{5F74FC8E-D2DB-4B71-AC4F-0A9A921078B8}" type="slidenum">
               <a:t>&lt;#&gt;</a:t>
             </a:fld>
           </a:p>
@@ -1481,8 +1481,8 @@
         </p:nvSpPr>
         <p:spPr>
           <a:xfrm>
-            <a:off x="360000" y="106200"/>
-            <a:ext cx="9359640" cy="625320"/>
+            <a:off x="504000" y="226080"/>
+            <a:ext cx="9072000" cy="946440"/>
           </a:xfrm>
           <a:prstGeom prst="rect">
             <a:avLst/>
@@ -1518,8 +1518,8 @@
         </p:nvSpPr>
         <p:spPr>
           <a:xfrm>
-            <a:off x="360000" y="1080000"/>
-            <a:ext cx="4567320" cy="1716840"/>
+            <a:off x="504000" y="1326600"/>
+            <a:ext cx="4426920" cy="1568520"/>
           </a:xfrm>
           <a:prstGeom prst="rect">
             <a:avLst/>
@@ -1552,8 +1552,8 @@
         </p:nvSpPr>
         <p:spPr>
           <a:xfrm>
-            <a:off x="5155920" y="1080000"/>
-            <a:ext cx="4567320" cy="3599640"/>
+            <a:off x="5152680" y="1326600"/>
+            <a:ext cx="4426920" cy="3288600"/>
           </a:xfrm>
           <a:prstGeom prst="rect">
             <a:avLst/>
@@ -1586,8 +1586,8 @@
         </p:nvSpPr>
         <p:spPr>
           <a:xfrm>
-            <a:off x="360000" y="2960280"/>
-            <a:ext cx="4567320" cy="1716840"/>
+            <a:off x="504000" y="3044520"/>
+            <a:ext cx="4426920" cy="1568520"/>
           </a:xfrm>
           <a:prstGeom prst="rect">
             <a:avLst/>
@@ -1642,7 +1642,7 @@
         <p:txBody>
           <a:bodyPr/>
           <a:p>
-            <a:fld id="{B4817BD4-D559-431C-8771-05D889BAEA1B}" type="slidenum">
+            <a:fld id="{756C0947-D49E-45B3-8DC4-C648738F5A4A}" type="slidenum">
               <a:t>&lt;#&gt;</a:t>
             </a:fld>
           </a:p>
@@ -1703,8 +1703,8 @@
         </p:nvSpPr>
         <p:spPr>
           <a:xfrm>
-            <a:off x="360000" y="106200"/>
-            <a:ext cx="9359640" cy="625320"/>
+            <a:off x="504000" y="226080"/>
+            <a:ext cx="9072000" cy="946440"/>
           </a:xfrm>
           <a:prstGeom prst="rect">
             <a:avLst/>
@@ -1740,8 +1740,8 @@
         </p:nvSpPr>
         <p:spPr>
           <a:xfrm>
-            <a:off x="360000" y="1080000"/>
-            <a:ext cx="9359640" cy="3599640"/>
+            <a:off x="504000" y="1326600"/>
+            <a:ext cx="9072000" cy="3288600"/>
           </a:xfrm>
           <a:prstGeom prst="rect">
             <a:avLst/>
@@ -1799,8 +1799,8 @@
         </p:nvSpPr>
         <p:spPr>
           <a:xfrm>
-            <a:off x="360000" y="106200"/>
-            <a:ext cx="9359640" cy="625320"/>
+            <a:off x="504000" y="226080"/>
+            <a:ext cx="9072000" cy="946440"/>
           </a:xfrm>
           <a:prstGeom prst="rect">
             <a:avLst/>
@@ -1836,8 +1836,8 @@
         </p:nvSpPr>
         <p:spPr>
           <a:xfrm>
-            <a:off x="360000" y="1080000"/>
-            <a:ext cx="4567320" cy="3599640"/>
+            <a:off x="504000" y="1326600"/>
+            <a:ext cx="4426920" cy="3288600"/>
           </a:xfrm>
           <a:prstGeom prst="rect">
             <a:avLst/>
@@ -1870,8 +1870,8 @@
         </p:nvSpPr>
         <p:spPr>
           <a:xfrm>
-            <a:off x="5155920" y="1080000"/>
-            <a:ext cx="4567320" cy="1716840"/>
+            <a:off x="5152680" y="1326600"/>
+            <a:ext cx="4426920" cy="1568520"/>
           </a:xfrm>
           <a:prstGeom prst="rect">
             <a:avLst/>
@@ -1904,8 +1904,8 @@
         </p:nvSpPr>
         <p:spPr>
           <a:xfrm>
-            <a:off x="5155920" y="2960280"/>
-            <a:ext cx="4567320" cy="1716840"/>
+            <a:off x="5152680" y="3044520"/>
+            <a:ext cx="4426920" cy="1568520"/>
           </a:xfrm>
           <a:prstGeom prst="rect">
             <a:avLst/>
@@ -1960,7 +1960,7 @@
         <p:txBody>
           <a:bodyPr/>
           <a:p>
-            <a:fld id="{0822C200-3952-47D3-B208-FF608A6211D6}" type="slidenum">
+            <a:fld id="{08F448A3-15F8-4151-9BE0-F096B143BE09}" type="slidenum">
               <a:t>&lt;#&gt;</a:t>
             </a:fld>
           </a:p>
@@ -2021,8 +2021,8 @@
         </p:nvSpPr>
         <p:spPr>
           <a:xfrm>
-            <a:off x="360000" y="106200"/>
-            <a:ext cx="9359640" cy="625320"/>
+            <a:off x="504000" y="226080"/>
+            <a:ext cx="9072000" cy="946440"/>
           </a:xfrm>
           <a:prstGeom prst="rect">
             <a:avLst/>
@@ -2058,8 +2058,8 @@
         </p:nvSpPr>
         <p:spPr>
           <a:xfrm>
-            <a:off x="360000" y="1080000"/>
-            <a:ext cx="4567320" cy="1716840"/>
+            <a:off x="504000" y="1326600"/>
+            <a:ext cx="4426920" cy="1568520"/>
           </a:xfrm>
           <a:prstGeom prst="rect">
             <a:avLst/>
@@ -2092,8 +2092,8 @@
         </p:nvSpPr>
         <p:spPr>
           <a:xfrm>
-            <a:off x="5155920" y="1080000"/>
-            <a:ext cx="4567320" cy="1716840"/>
+            <a:off x="5152680" y="1326600"/>
+            <a:ext cx="4426920" cy="1568520"/>
           </a:xfrm>
           <a:prstGeom prst="rect">
             <a:avLst/>
@@ -2126,8 +2126,8 @@
         </p:nvSpPr>
         <p:spPr>
           <a:xfrm>
-            <a:off x="360000" y="2960280"/>
-            <a:ext cx="9359640" cy="1716840"/>
+            <a:off x="504000" y="3044520"/>
+            <a:ext cx="9072000" cy="1568520"/>
           </a:xfrm>
           <a:prstGeom prst="rect">
             <a:avLst/>
@@ -2182,7 +2182,7 @@
         <p:txBody>
           <a:bodyPr/>
           <a:p>
-            <a:fld id="{1B38450F-51EE-466A-AB07-0B1944665649}" type="slidenum">
+            <a:fld id="{56EC22FB-06CA-42AA-A9EE-0361BE97CA01}" type="slidenum">
               <a:t>&lt;#&gt;</a:t>
             </a:fld>
           </a:p>
@@ -2243,8 +2243,8 @@
         </p:nvSpPr>
         <p:spPr>
           <a:xfrm>
-            <a:off x="360000" y="106200"/>
-            <a:ext cx="9359640" cy="625320"/>
+            <a:off x="504000" y="226080"/>
+            <a:ext cx="9072000" cy="946440"/>
           </a:xfrm>
           <a:prstGeom prst="rect">
             <a:avLst/>
@@ -2280,8 +2280,8 @@
         </p:nvSpPr>
         <p:spPr>
           <a:xfrm>
-            <a:off x="360000" y="1080000"/>
-            <a:ext cx="9359640" cy="1716840"/>
+            <a:off x="504000" y="1326600"/>
+            <a:ext cx="9072000" cy="1568520"/>
           </a:xfrm>
           <a:prstGeom prst="rect">
             <a:avLst/>
@@ -2314,8 +2314,8 @@
         </p:nvSpPr>
         <p:spPr>
           <a:xfrm>
-            <a:off x="360000" y="2960280"/>
-            <a:ext cx="9359640" cy="1716840"/>
+            <a:off x="504000" y="3044520"/>
+            <a:ext cx="9072000" cy="1568520"/>
           </a:xfrm>
           <a:prstGeom prst="rect">
             <a:avLst/>
@@ -2370,7 +2370,7 @@
         <p:txBody>
           <a:bodyPr/>
           <a:p>
-            <a:fld id="{7B865B89-F66F-47EE-8A31-E34C6C2C628C}" type="slidenum">
+            <a:fld id="{E9D8D2C5-A1B5-46E0-AD9A-4B00924C6B86}" type="slidenum">
               <a:t>&lt;#&gt;</a:t>
             </a:fld>
           </a:p>
@@ -2431,8 +2431,8 @@
         </p:nvSpPr>
         <p:spPr>
           <a:xfrm>
-            <a:off x="360000" y="106200"/>
-            <a:ext cx="9359640" cy="625320"/>
+            <a:off x="504000" y="226080"/>
+            <a:ext cx="9072000" cy="946440"/>
           </a:xfrm>
           <a:prstGeom prst="rect">
             <a:avLst/>
@@ -2468,8 +2468,8 @@
         </p:nvSpPr>
         <p:spPr>
           <a:xfrm>
-            <a:off x="360000" y="1080000"/>
-            <a:ext cx="4567320" cy="1716840"/>
+            <a:off x="504000" y="1326600"/>
+            <a:ext cx="4426920" cy="1568520"/>
           </a:xfrm>
           <a:prstGeom prst="rect">
             <a:avLst/>
@@ -2502,8 +2502,8 @@
         </p:nvSpPr>
         <p:spPr>
           <a:xfrm>
-            <a:off x="5155920" y="1080000"/>
-            <a:ext cx="4567320" cy="1716840"/>
+            <a:off x="5152680" y="1326600"/>
+            <a:ext cx="4426920" cy="1568520"/>
           </a:xfrm>
           <a:prstGeom prst="rect">
             <a:avLst/>
@@ -2536,8 +2536,8 @@
         </p:nvSpPr>
         <p:spPr>
           <a:xfrm>
-            <a:off x="360000" y="2960280"/>
-            <a:ext cx="4567320" cy="1716840"/>
+            <a:off x="504000" y="3044520"/>
+            <a:ext cx="4426920" cy="1568520"/>
           </a:xfrm>
           <a:prstGeom prst="rect">
             <a:avLst/>
@@ -2570,8 +2570,8 @@
         </p:nvSpPr>
         <p:spPr>
           <a:xfrm>
-            <a:off x="5155920" y="2960280"/>
-            <a:ext cx="4567320" cy="1716840"/>
+            <a:off x="5152680" y="3044520"/>
+            <a:ext cx="4426920" cy="1568520"/>
           </a:xfrm>
           <a:prstGeom prst="rect">
             <a:avLst/>
@@ -2626,7 +2626,7 @@
         <p:txBody>
           <a:bodyPr/>
           <a:p>
-            <a:fld id="{4DFF8F9D-C4AD-4979-AFA8-DC69B3E5EF05}" type="slidenum">
+            <a:fld id="{BD7D066D-D76E-41D6-98FB-6D9867F7E005}" type="slidenum">
               <a:t>&lt;#&gt;</a:t>
             </a:fld>
           </a:p>
@@ -2687,8 +2687,8 @@
         </p:nvSpPr>
         <p:spPr>
           <a:xfrm>
-            <a:off x="360000" y="106200"/>
-            <a:ext cx="9359640" cy="625320"/>
+            <a:off x="504000" y="226080"/>
+            <a:ext cx="9072000" cy="946440"/>
           </a:xfrm>
           <a:prstGeom prst="rect">
             <a:avLst/>
@@ -2724,8 +2724,8 @@
         </p:nvSpPr>
         <p:spPr>
           <a:xfrm>
-            <a:off x="360000" y="1080000"/>
-            <a:ext cx="3013560" cy="1716840"/>
+            <a:off x="504000" y="1326600"/>
+            <a:ext cx="2921040" cy="1568520"/>
           </a:xfrm>
           <a:prstGeom prst="rect">
             <a:avLst/>
@@ -2758,8 +2758,8 @@
         </p:nvSpPr>
         <p:spPr>
           <a:xfrm>
-            <a:off x="3524760" y="1080000"/>
-            <a:ext cx="3013560" cy="1716840"/>
+            <a:off x="3571560" y="1326600"/>
+            <a:ext cx="2921040" cy="1568520"/>
           </a:xfrm>
           <a:prstGeom prst="rect">
             <a:avLst/>
@@ -2792,8 +2792,8 @@
         </p:nvSpPr>
         <p:spPr>
           <a:xfrm>
-            <a:off x="6689160" y="1080000"/>
-            <a:ext cx="3013560" cy="1716840"/>
+            <a:off x="6639120" y="1326600"/>
+            <a:ext cx="2921040" cy="1568520"/>
           </a:xfrm>
           <a:prstGeom prst="rect">
             <a:avLst/>
@@ -2826,8 +2826,8 @@
         </p:nvSpPr>
         <p:spPr>
           <a:xfrm>
-            <a:off x="360000" y="2960280"/>
-            <a:ext cx="3013560" cy="1716840"/>
+            <a:off x="504000" y="3044520"/>
+            <a:ext cx="2921040" cy="1568520"/>
           </a:xfrm>
           <a:prstGeom prst="rect">
             <a:avLst/>
@@ -2860,8 +2860,8 @@
         </p:nvSpPr>
         <p:spPr>
           <a:xfrm>
-            <a:off x="3524760" y="2960280"/>
-            <a:ext cx="3013560" cy="1716840"/>
+            <a:off x="3571560" y="3044520"/>
+            <a:ext cx="2921040" cy="1568520"/>
           </a:xfrm>
           <a:prstGeom prst="rect">
             <a:avLst/>
@@ -2894,8 +2894,8 @@
         </p:nvSpPr>
         <p:spPr>
           <a:xfrm>
-            <a:off x="6689160" y="2960280"/>
-            <a:ext cx="3013560" cy="1716840"/>
+            <a:off x="6639120" y="3044520"/>
+            <a:ext cx="2921040" cy="1568520"/>
           </a:xfrm>
           <a:prstGeom prst="rect">
             <a:avLst/>
@@ -2950,7 +2950,7 @@
         <p:txBody>
           <a:bodyPr/>
           <a:p>
-            <a:fld id="{2C1182EA-1503-4BAE-B450-CE924F6EE88A}" type="slidenum">
+            <a:fld id="{0A0F7603-1578-48B0-AAF6-62DA15537393}" type="slidenum">
               <a:t>&lt;#&gt;</a:t>
             </a:fld>
           </a:p>
@@ -3011,8 +3011,8 @@
         </p:nvSpPr>
         <p:spPr>
           <a:xfrm>
-            <a:off x="360000" y="106200"/>
-            <a:ext cx="9359640" cy="625320"/>
+            <a:off x="504000" y="226080"/>
+            <a:ext cx="9072000" cy="946440"/>
           </a:xfrm>
           <a:prstGeom prst="rect">
             <a:avLst/>
@@ -3048,8 +3048,8 @@
         </p:nvSpPr>
         <p:spPr>
           <a:xfrm>
-            <a:off x="360000" y="1080000"/>
-            <a:ext cx="9359640" cy="3599640"/>
+            <a:off x="504000" y="1326600"/>
+            <a:ext cx="9072000" cy="3288600"/>
           </a:xfrm>
           <a:prstGeom prst="rect">
             <a:avLst/>
@@ -3104,8 +3104,8 @@
         </p:nvSpPr>
         <p:spPr>
           <a:xfrm>
-            <a:off x="360000" y="106200"/>
-            <a:ext cx="9359640" cy="625320"/>
+            <a:off x="504000" y="226080"/>
+            <a:ext cx="9072000" cy="946440"/>
           </a:xfrm>
           <a:prstGeom prst="rect">
             <a:avLst/>
@@ -3141,8 +3141,8 @@
         </p:nvSpPr>
         <p:spPr>
           <a:xfrm>
-            <a:off x="360000" y="1080000"/>
-            <a:ext cx="4567320" cy="3599640"/>
+            <a:off x="504000" y="1326600"/>
+            <a:ext cx="4426920" cy="3288600"/>
           </a:xfrm>
           <a:prstGeom prst="rect">
             <a:avLst/>
@@ -3175,8 +3175,8 @@
         </p:nvSpPr>
         <p:spPr>
           <a:xfrm>
-            <a:off x="5155920" y="1080000"/>
-            <a:ext cx="4567320" cy="3599640"/>
+            <a:off x="5152680" y="1326600"/>
+            <a:ext cx="4426920" cy="3288600"/>
           </a:xfrm>
           <a:prstGeom prst="rect">
             <a:avLst/>
@@ -3231,8 +3231,8 @@
         </p:nvSpPr>
         <p:spPr>
           <a:xfrm>
-            <a:off x="360000" y="106200"/>
-            <a:ext cx="9359640" cy="625320"/>
+            <a:off x="504000" y="226080"/>
+            <a:ext cx="9072000" cy="946440"/>
           </a:xfrm>
           <a:prstGeom prst="rect">
             <a:avLst/>
@@ -3290,8 +3290,8 @@
         </p:nvSpPr>
         <p:spPr>
           <a:xfrm>
-            <a:off x="360000" y="180000"/>
-            <a:ext cx="9359640" cy="2215800"/>
+            <a:off x="504000" y="226080"/>
+            <a:ext cx="9072000" cy="4388400"/>
           </a:xfrm>
           <a:prstGeom prst="rect">
             <a:avLst/>
@@ -3349,8 +3349,8 @@
         </p:nvSpPr>
         <p:spPr>
           <a:xfrm>
-            <a:off x="360000" y="106200"/>
-            <a:ext cx="9359640" cy="625320"/>
+            <a:off x="504000" y="226080"/>
+            <a:ext cx="9072000" cy="946440"/>
           </a:xfrm>
           <a:prstGeom prst="rect">
             <a:avLst/>
@@ -3386,8 +3386,8 @@
         </p:nvSpPr>
         <p:spPr>
           <a:xfrm>
-            <a:off x="360000" y="1080000"/>
-            <a:ext cx="4567320" cy="1716840"/>
+            <a:off x="504000" y="1326600"/>
+            <a:ext cx="4426920" cy="1568520"/>
           </a:xfrm>
           <a:prstGeom prst="rect">
             <a:avLst/>
@@ -3420,8 +3420,8 @@
         </p:nvSpPr>
         <p:spPr>
           <a:xfrm>
-            <a:off x="5155920" y="1080000"/>
-            <a:ext cx="4567320" cy="3599640"/>
+            <a:off x="5152680" y="1326600"/>
+            <a:ext cx="4426920" cy="3288600"/>
           </a:xfrm>
           <a:prstGeom prst="rect">
             <a:avLst/>
@@ -3454,8 +3454,8 @@
         </p:nvSpPr>
         <p:spPr>
           <a:xfrm>
-            <a:off x="360000" y="2960280"/>
-            <a:ext cx="4567320" cy="1716840"/>
+            <a:off x="504000" y="3044520"/>
+            <a:ext cx="4426920" cy="1568520"/>
           </a:xfrm>
           <a:prstGeom prst="rect">
             <a:avLst/>
@@ -3510,8 +3510,8 @@
         </p:nvSpPr>
         <p:spPr>
           <a:xfrm>
-            <a:off x="360000" y="106200"/>
-            <a:ext cx="9359640" cy="625320"/>
+            <a:off x="504000" y="226080"/>
+            <a:ext cx="9072000" cy="946440"/>
           </a:xfrm>
           <a:prstGeom prst="rect">
             <a:avLst/>
@@ -3547,8 +3547,8 @@
         </p:nvSpPr>
         <p:spPr>
           <a:xfrm>
-            <a:off x="360000" y="1080000"/>
-            <a:ext cx="4567320" cy="3599640"/>
+            <a:off x="504000" y="1326600"/>
+            <a:ext cx="4426920" cy="3288600"/>
           </a:xfrm>
           <a:prstGeom prst="rect">
             <a:avLst/>
@@ -3581,8 +3581,8 @@
         </p:nvSpPr>
         <p:spPr>
           <a:xfrm>
-            <a:off x="5155920" y="1080000"/>
-            <a:ext cx="4567320" cy="1716840"/>
+            <a:off x="5152680" y="1326600"/>
+            <a:ext cx="4426920" cy="1568520"/>
           </a:xfrm>
           <a:prstGeom prst="rect">
             <a:avLst/>
@@ -3615,8 +3615,8 @@
         </p:nvSpPr>
         <p:spPr>
           <a:xfrm>
-            <a:off x="5155920" y="2960280"/>
-            <a:ext cx="4567320" cy="1716840"/>
+            <a:off x="5152680" y="3044520"/>
+            <a:ext cx="4426920" cy="1568520"/>
           </a:xfrm>
           <a:prstGeom prst="rect">
             <a:avLst/>
@@ -3671,8 +3671,8 @@
         </p:nvSpPr>
         <p:spPr>
           <a:xfrm>
-            <a:off x="360000" y="106200"/>
-            <a:ext cx="9359640" cy="625320"/>
+            <a:off x="504000" y="226080"/>
+            <a:ext cx="9072000" cy="946440"/>
           </a:xfrm>
           <a:prstGeom prst="rect">
             <a:avLst/>
@@ -3708,8 +3708,8 @@
         </p:nvSpPr>
         <p:spPr>
           <a:xfrm>
-            <a:off x="360000" y="1080000"/>
-            <a:ext cx="4567320" cy="1716840"/>
+            <a:off x="504000" y="1326600"/>
+            <a:ext cx="4426920" cy="1568520"/>
           </a:xfrm>
           <a:prstGeom prst="rect">
             <a:avLst/>
@@ -3742,8 +3742,8 @@
         </p:nvSpPr>
         <p:spPr>
           <a:xfrm>
-            <a:off x="5155920" y="1080000"/>
-            <a:ext cx="4567320" cy="1716840"/>
+            <a:off x="5152680" y="1326600"/>
+            <a:ext cx="4426920" cy="1568520"/>
           </a:xfrm>
           <a:prstGeom prst="rect">
             <a:avLst/>
@@ -3776,8 +3776,8 @@
         </p:nvSpPr>
         <p:spPr>
           <a:xfrm>
-            <a:off x="360000" y="2960280"/>
-            <a:ext cx="9359640" cy="1716840"/>
+            <a:off x="504000" y="3044520"/>
+            <a:ext cx="9072000" cy="1568520"/>
           </a:xfrm>
           <a:prstGeom prst="rect">
             <a:avLst/>
@@ -3829,7 +3829,7 @@
         <p:spPr>
           <a:xfrm flipH="1" flipV="1">
             <a:off x="-720" y="4499280"/>
-            <a:ext cx="10079640" cy="1169640"/>
+            <a:ext cx="10079280" cy="1169280"/>
           </a:xfrm>
           <a:prstGeom prst="flowChartDocument">
             <a:avLst/>
@@ -3843,7 +3843,7 @@
                 <a:srgbClr val="009bdd"/>
               </a:gs>
             </a:gsLst>
-            <a:lin ang="0"/>
+            <a:lin ang="10800000"/>
           </a:gradFill>
           <a:ln w="18000">
             <a:noFill/>
@@ -3870,7 +3870,7 @@
         <p:spPr>
           <a:xfrm>
             <a:off x="360000" y="5220000"/>
-            <a:ext cx="2339640" cy="359640"/>
+            <a:ext cx="2339280" cy="359280"/>
           </a:xfrm>
           <a:prstGeom prst="rect">
             <a:avLst/>
@@ -3903,6 +3903,7 @@
                   <a:srgbClr val="ffffff"/>
                 </a:solidFill>
                 <a:latin typeface="Arial"/>
+                <a:ea typeface="DejaVu Sans"/>
               </a:rPr>
               <a:t>&lt;date/time&gt;</a:t>
             </a:r>
@@ -3921,7 +3922,7 @@
         <p:spPr>
           <a:xfrm>
             <a:off x="3420000" y="5220000"/>
-            <a:ext cx="3239640" cy="359640"/>
+            <a:ext cx="3239280" cy="359280"/>
           </a:xfrm>
           <a:prstGeom prst="rect">
             <a:avLst/>
@@ -3954,6 +3955,7 @@
                   <a:srgbClr val="ffffff"/>
                 </a:solidFill>
                 <a:latin typeface="Arial"/>
+                <a:ea typeface="DejaVu Sans"/>
               </a:rPr>
               <a:t>&lt;footer&gt;</a:t>
             </a:r>
@@ -3972,7 +3974,7 @@
         <p:spPr>
           <a:xfrm>
             <a:off x="7380000" y="5220000"/>
-            <a:ext cx="2339640" cy="359640"/>
+            <a:ext cx="2339280" cy="359280"/>
           </a:xfrm>
           <a:prstGeom prst="rect">
             <a:avLst/>
@@ -3999,14 +4001,15 @@
               </a:lnSpc>
               <a:buNone/>
             </a:pPr>
-            <a:fld id="{431C2E27-D0FC-4D81-99E2-BBEC445BBE3F}" type="slidenum">
+            <a:fld id="{9033B7A8-6CF2-48A4-817A-C7AEFD0B1E29}" type="slidenum">
               <a:rPr b="0" lang="en-US" sz="1400" spc="-1" strike="noStrike">
                 <a:solidFill>
                   <a:srgbClr val="ffffff"/>
                 </a:solidFill>
                 <a:latin typeface="Arial"/>
+                <a:ea typeface="DejaVu Sans"/>
               </a:rPr>
-              <a:t>6</a:t>
+              <a:t>10</a:t>
             </a:fld>
             <a:endParaRPr b="0" lang="en-US" sz="1400" spc="-1" strike="noStrike">
               <a:latin typeface="Arial"/>
@@ -4026,8 +4029,8 @@
         </p:nvSpPr>
         <p:spPr>
           <a:xfrm>
-            <a:off x="360000" y="180000"/>
-            <a:ext cx="9359640" cy="477720"/>
+            <a:off x="360000" y="106200"/>
+            <a:ext cx="9359280" cy="624960"/>
           </a:xfrm>
           <a:prstGeom prst="rect">
             <a:avLst/>
@@ -4283,7 +4286,7 @@
         <p:spPr>
           <a:xfrm>
             <a:off x="0" y="0"/>
-            <a:ext cx="10076400" cy="719640"/>
+            <a:ext cx="10076040" cy="719280"/>
           </a:xfrm>
           <a:prstGeom prst="rect">
             <a:avLst/>
@@ -4324,7 +4327,7 @@
         <p:spPr>
           <a:xfrm>
             <a:off x="3240" y="5040000"/>
-            <a:ext cx="10076400" cy="631080"/>
+            <a:ext cx="10076040" cy="630720"/>
           </a:xfrm>
           <a:prstGeom prst="rect">
             <a:avLst/>
@@ -4363,236 +4366,13 @@
             <a:spLocks noGrp="1"/>
           </p:cNvSpPr>
           <p:nvPr>
-            <p:ph type="title"/>
-          </p:nvPr>
-        </p:nvSpPr>
-        <p:spPr>
-          <a:xfrm>
-            <a:off x="360000" y="180000"/>
-            <a:ext cx="9359640" cy="477720"/>
-          </a:xfrm>
-          <a:prstGeom prst="rect">
-            <a:avLst/>
-          </a:prstGeom>
-          <a:noFill/>
-          <a:ln w="0">
-            <a:noFill/>
-          </a:ln>
-        </p:spPr>
-        <p:txBody>
-          <a:bodyPr lIns="0" rIns="0" tIns="0" bIns="0" anchor="ctr">
-            <a:noAutofit/>
-          </a:bodyPr>
-          <a:p>
-            <a:r>
-              <a:rPr b="0" lang="en-US" sz="1800" spc="-1" strike="noStrike">
-                <a:latin typeface="Arial"/>
-              </a:rPr>
-              <a:t>Click to edit the title text format</a:t>
-            </a:r>
-            <a:endParaRPr b="0" lang="en-US" sz="1800" spc="-1" strike="noStrike">
-              <a:latin typeface="Arial"/>
-            </a:endParaRPr>
-          </a:p>
-        </p:txBody>
-      </p:sp>
-      <p:sp>
-        <p:nvSpPr>
-          <p:cNvPr id="45" name="PlaceHolder 2"/>
-          <p:cNvSpPr>
-            <a:spLocks noGrp="1"/>
-          </p:cNvSpPr>
-          <p:nvPr>
-            <p:ph type="body"/>
-          </p:nvPr>
-        </p:nvSpPr>
-        <p:spPr>
-          <a:xfrm>
-            <a:off x="360000" y="1080000"/>
-            <a:ext cx="9359640" cy="3599640"/>
-          </a:xfrm>
-          <a:prstGeom prst="rect">
-            <a:avLst/>
-          </a:prstGeom>
-          <a:noFill/>
-          <a:ln w="0">
-            <a:noFill/>
-          </a:ln>
-        </p:spPr>
-        <p:txBody>
-          <a:bodyPr lIns="0" rIns="0" tIns="0" bIns="0" anchor="t">
-            <a:noAutofit/>
-          </a:bodyPr>
-          <a:p>
-            <a:pPr marL="432000" indent="-324000">
-              <a:spcBef>
-                <a:spcPts val="1417"/>
-              </a:spcBef>
-              <a:buClr>
-                <a:srgbClr val="000000"/>
-              </a:buClr>
-              <a:buSzPct val="45000"/>
-              <a:buFont typeface="Wingdings" charset="2"/>
-              <a:buChar char=""/>
-            </a:pPr>
-            <a:r>
-              <a:rPr b="0" lang="en-US" sz="1800" spc="-1" strike="noStrike">
-                <a:latin typeface="Arial"/>
-              </a:rPr>
-              <a:t>Click to edit the outline text format</a:t>
-            </a:r>
-            <a:endParaRPr b="0" lang="en-US" sz="1800" spc="-1" strike="noStrike">
-              <a:latin typeface="Arial"/>
-            </a:endParaRPr>
-          </a:p>
-          <a:p>
-            <a:pPr lvl="1" marL="864000" indent="-324000">
-              <a:spcBef>
-                <a:spcPts val="1134"/>
-              </a:spcBef>
-              <a:buClr>
-                <a:srgbClr val="000000"/>
-              </a:buClr>
-              <a:buSzPct val="75000"/>
-              <a:buFont typeface="Symbol" charset="2"/>
-              <a:buChar char=""/>
-            </a:pPr>
-            <a:r>
-              <a:rPr b="0" lang="en-US" sz="1800" spc="-1" strike="noStrike">
-                <a:latin typeface="Arial"/>
-              </a:rPr>
-              <a:t>Second Outline Level</a:t>
-            </a:r>
-            <a:endParaRPr b="0" lang="en-US" sz="1800" spc="-1" strike="noStrike">
-              <a:latin typeface="Arial"/>
-            </a:endParaRPr>
-          </a:p>
-          <a:p>
-            <a:pPr lvl="2" marL="1296000" indent="-288000">
-              <a:spcBef>
-                <a:spcPts val="850"/>
-              </a:spcBef>
-              <a:buClr>
-                <a:srgbClr val="000000"/>
-              </a:buClr>
-              <a:buSzPct val="45000"/>
-              <a:buFont typeface="Wingdings" charset="2"/>
-              <a:buChar char=""/>
-            </a:pPr>
-            <a:r>
-              <a:rPr b="0" lang="en-US" sz="1800" spc="-1" strike="noStrike">
-                <a:latin typeface="Arial"/>
-              </a:rPr>
-              <a:t>Third Outline Level</a:t>
-            </a:r>
-            <a:endParaRPr b="0" lang="en-US" sz="1800" spc="-1" strike="noStrike">
-              <a:latin typeface="Arial"/>
-            </a:endParaRPr>
-          </a:p>
-          <a:p>
-            <a:pPr lvl="3" marL="1728000" indent="-216000">
-              <a:spcBef>
-                <a:spcPts val="567"/>
-              </a:spcBef>
-              <a:buClr>
-                <a:srgbClr val="000000"/>
-              </a:buClr>
-              <a:buSzPct val="75000"/>
-              <a:buFont typeface="Symbol" charset="2"/>
-              <a:buChar char=""/>
-            </a:pPr>
-            <a:r>
-              <a:rPr b="0" lang="en-US" sz="1800" spc="-1" strike="noStrike">
-                <a:latin typeface="Arial"/>
-              </a:rPr>
-              <a:t>Fourth Outline Level</a:t>
-            </a:r>
-            <a:endParaRPr b="0" lang="en-US" sz="1800" spc="-1" strike="noStrike">
-              <a:latin typeface="Arial"/>
-            </a:endParaRPr>
-          </a:p>
-          <a:p>
-            <a:pPr lvl="4" marL="2160000" indent="-216000">
-              <a:spcBef>
-                <a:spcPts val="283"/>
-              </a:spcBef>
-              <a:buClr>
-                <a:srgbClr val="000000"/>
-              </a:buClr>
-              <a:buSzPct val="45000"/>
-              <a:buFont typeface="Wingdings" charset="2"/>
-              <a:buChar char=""/>
-            </a:pPr>
-            <a:r>
-              <a:rPr b="0" lang="en-US" sz="1800" spc="-1" strike="noStrike">
-                <a:latin typeface="Arial"/>
-              </a:rPr>
-              <a:t>Fifth Outline Level</a:t>
-            </a:r>
-            <a:endParaRPr b="0" lang="en-US" sz="1800" spc="-1" strike="noStrike">
-              <a:latin typeface="Arial"/>
-            </a:endParaRPr>
-          </a:p>
-          <a:p>
-            <a:pPr lvl="5" marL="2592000" indent="-216000">
-              <a:spcBef>
-                <a:spcPts val="283"/>
-              </a:spcBef>
-              <a:buClr>
-                <a:srgbClr val="000000"/>
-              </a:buClr>
-              <a:buSzPct val="45000"/>
-              <a:buFont typeface="Wingdings" charset="2"/>
-              <a:buChar char=""/>
-            </a:pPr>
-            <a:r>
-              <a:rPr b="0" lang="en-US" sz="1800" spc="-1" strike="noStrike">
-                <a:latin typeface="Arial"/>
-              </a:rPr>
-              <a:t>Sixth Outline Level</a:t>
-            </a:r>
-            <a:endParaRPr b="0" lang="en-US" sz="1800" spc="-1" strike="noStrike">
-              <a:latin typeface="Arial"/>
-            </a:endParaRPr>
-          </a:p>
-          <a:p>
-            <a:pPr lvl="6" marL="3024000" indent="-216000">
-              <a:spcBef>
-                <a:spcPts val="283"/>
-              </a:spcBef>
-              <a:buClr>
-                <a:srgbClr val="000000"/>
-              </a:buClr>
-              <a:buSzPct val="45000"/>
-              <a:buFont typeface="Wingdings" charset="2"/>
-              <a:buChar char=""/>
-            </a:pPr>
-            <a:r>
-              <a:rPr b="0" lang="en-US" sz="1800" spc="-1" strike="noStrike">
-                <a:latin typeface="Arial"/>
-              </a:rPr>
-              <a:t>Seventh Outline Level</a:t>
-            </a:r>
-            <a:endParaRPr b="0" lang="en-US" sz="1800" spc="-1" strike="noStrike">
-              <a:latin typeface="Arial"/>
-            </a:endParaRPr>
-          </a:p>
-        </p:txBody>
-      </p:sp>
-      <p:sp>
-        <p:nvSpPr>
-          <p:cNvPr id="46" name="PlaceHolder 3"/>
-          <p:cNvSpPr>
-            <a:spLocks noGrp="1"/>
-          </p:cNvSpPr>
-          <p:nvPr>
             <p:ph type="ftr" idx="1"/>
           </p:nvPr>
         </p:nvSpPr>
         <p:spPr>
           <a:xfrm>
             <a:off x="3420000" y="5220000"/>
-            <a:ext cx="3239640" cy="359640"/>
+            <a:ext cx="3239280" cy="359280"/>
           </a:xfrm>
           <a:prstGeom prst="rect">
             <a:avLst/>
@@ -4644,7 +4424,7 @@
       </p:sp>
       <p:sp>
         <p:nvSpPr>
-          <p:cNvPr id="47" name="PlaceHolder 4"/>
+          <p:cNvPr id="45" name="PlaceHolder 2"/>
           <p:cNvSpPr>
             <a:spLocks noGrp="1"/>
           </p:cNvSpPr>
@@ -4655,7 +4435,7 @@
         <p:spPr>
           <a:xfrm>
             <a:off x="7380000" y="5220000"/>
-            <a:ext cx="2339640" cy="359640"/>
+            <a:ext cx="2339280" cy="359280"/>
           </a:xfrm>
           <a:prstGeom prst="rect">
             <a:avLst/>
@@ -4690,7 +4470,7 @@
               </a:lnSpc>
               <a:buNone/>
             </a:pPr>
-            <a:fld id="{783D5B98-9F1D-48D9-A69C-B45EFB3005C1}" type="slidenum">
+            <a:fld id="{F21DB62A-48F1-43A0-BF73-184727F42C77}" type="slidenum">
               <a:rPr b="0" lang="en-US" sz="1400" spc="-1" strike="noStrike">
                 <a:solidFill>
                   <a:srgbClr val="ffffff"/>
@@ -4707,7 +4487,7 @@
       </p:sp>
       <p:sp>
         <p:nvSpPr>
-          <p:cNvPr id="48" name="PlaceHolder 5"/>
+          <p:cNvPr id="46" name="PlaceHolder 3"/>
           <p:cNvSpPr>
             <a:spLocks noGrp="1"/>
           </p:cNvSpPr>
@@ -4718,7 +4498,7 @@
         <p:spPr>
           <a:xfrm>
             <a:off x="360000" y="5220000"/>
-            <a:ext cx="2339640" cy="359640"/>
+            <a:ext cx="2339280" cy="359280"/>
           </a:xfrm>
           <a:prstGeom prst="rect">
             <a:avLst/>
@@ -4748,6 +4528,232 @@
             </a:r>
             <a:endParaRPr b="0" lang="en-US" sz="1400" spc="-1" strike="noStrike">
               <a:latin typeface="Times New Roman"/>
+            </a:endParaRPr>
+          </a:p>
+        </p:txBody>
+      </p:sp>
+      <p:sp>
+        <p:nvSpPr>
+          <p:cNvPr id="47" name="PlaceHolder 4"/>
+          <p:cNvSpPr>
+            <a:spLocks noGrp="1"/>
+          </p:cNvSpPr>
+          <p:nvPr>
+            <p:ph type="title"/>
+          </p:nvPr>
+        </p:nvSpPr>
+        <p:spPr>
+          <a:xfrm>
+            <a:off x="504000" y="226080"/>
+            <a:ext cx="9072000" cy="946440"/>
+          </a:xfrm>
+          <a:prstGeom prst="rect">
+            <a:avLst/>
+          </a:prstGeom>
+          <a:noFill/>
+          <a:ln w="0">
+            <a:noFill/>
+          </a:ln>
+        </p:spPr>
+        <p:txBody>
+          <a:bodyPr lIns="0" rIns="0" tIns="0" bIns="0" anchor="ctr">
+            <a:noAutofit/>
+          </a:bodyPr>
+          <a:p>
+            <a:pPr algn="ctr">
+              <a:buNone/>
+            </a:pPr>
+            <a:r>
+              <a:rPr b="0" lang="en-US" sz="4400" spc="-1" strike="noStrike">
+                <a:latin typeface="Arial"/>
+              </a:rPr>
+              <a:t>Click to edit the title text format</a:t>
+            </a:r>
+            <a:endParaRPr b="0" lang="en-US" sz="4400" spc="-1" strike="noStrike">
+              <a:latin typeface="Arial"/>
+            </a:endParaRPr>
+          </a:p>
+        </p:txBody>
+      </p:sp>
+      <p:sp>
+        <p:nvSpPr>
+          <p:cNvPr id="48" name="PlaceHolder 5"/>
+          <p:cNvSpPr>
+            <a:spLocks noGrp="1"/>
+          </p:cNvSpPr>
+          <p:nvPr>
+            <p:ph type="body"/>
+          </p:nvPr>
+        </p:nvSpPr>
+        <p:spPr>
+          <a:xfrm>
+            <a:off x="504000" y="1326600"/>
+            <a:ext cx="9072000" cy="3288600"/>
+          </a:xfrm>
+          <a:prstGeom prst="rect">
+            <a:avLst/>
+          </a:prstGeom>
+          <a:noFill/>
+          <a:ln w="0">
+            <a:noFill/>
+          </a:ln>
+        </p:spPr>
+        <p:txBody>
+          <a:bodyPr lIns="0" rIns="0" tIns="0" bIns="0" anchor="t">
+            <a:normAutofit/>
+          </a:bodyPr>
+          <a:p>
+            <a:pPr marL="432000" indent="-324000">
+              <a:spcBef>
+                <a:spcPts val="1417"/>
+              </a:spcBef>
+              <a:buClr>
+                <a:srgbClr val="000000"/>
+              </a:buClr>
+              <a:buSzPct val="45000"/>
+              <a:buFont typeface="Wingdings" charset="2"/>
+              <a:buChar char=""/>
+            </a:pPr>
+            <a:r>
+              <a:rPr b="0" lang="en-US" sz="3200" spc="-1" strike="noStrike">
+                <a:latin typeface="Arial"/>
+              </a:rPr>
+              <a:t>Click to edit the outline text format</a:t>
+            </a:r>
+            <a:endParaRPr b="0" lang="en-US" sz="3200" spc="-1" strike="noStrike">
+              <a:latin typeface="Arial"/>
+            </a:endParaRPr>
+          </a:p>
+          <a:p>
+            <a:pPr lvl="1" marL="864000" indent="-324000">
+              <a:spcBef>
+                <a:spcPts val="1134"/>
+              </a:spcBef>
+              <a:buClr>
+                <a:srgbClr val="000000"/>
+              </a:buClr>
+              <a:buSzPct val="75000"/>
+              <a:buFont typeface="Symbol" charset="2"/>
+              <a:buChar char=""/>
+            </a:pPr>
+            <a:r>
+              <a:rPr b="0" lang="en-US" sz="2800" spc="-1" strike="noStrike">
+                <a:latin typeface="Arial"/>
+              </a:rPr>
+              <a:t>Second Outline Level</a:t>
+            </a:r>
+            <a:endParaRPr b="0" lang="en-US" sz="2800" spc="-1" strike="noStrike">
+              <a:latin typeface="Arial"/>
+            </a:endParaRPr>
+          </a:p>
+          <a:p>
+            <a:pPr lvl="2" marL="1296000" indent="-288000">
+              <a:spcBef>
+                <a:spcPts val="850"/>
+              </a:spcBef>
+              <a:buClr>
+                <a:srgbClr val="000000"/>
+              </a:buClr>
+              <a:buSzPct val="45000"/>
+              <a:buFont typeface="Wingdings" charset="2"/>
+              <a:buChar char=""/>
+            </a:pPr>
+            <a:r>
+              <a:rPr b="0" lang="en-US" sz="2400" spc="-1" strike="noStrike">
+                <a:latin typeface="Arial"/>
+              </a:rPr>
+              <a:t>Third Outline Level</a:t>
+            </a:r>
+            <a:endParaRPr b="0" lang="en-US" sz="2400" spc="-1" strike="noStrike">
+              <a:latin typeface="Arial"/>
+            </a:endParaRPr>
+          </a:p>
+          <a:p>
+            <a:pPr lvl="3" marL="1728000" indent="-216000">
+              <a:spcBef>
+                <a:spcPts val="567"/>
+              </a:spcBef>
+              <a:buClr>
+                <a:srgbClr val="000000"/>
+              </a:buClr>
+              <a:buSzPct val="75000"/>
+              <a:buFont typeface="Symbol" charset="2"/>
+              <a:buChar char=""/>
+            </a:pPr>
+            <a:r>
+              <a:rPr b="0" lang="en-US" sz="2000" spc="-1" strike="noStrike">
+                <a:latin typeface="Arial"/>
+              </a:rPr>
+              <a:t>Fourth Outline Level</a:t>
+            </a:r>
+            <a:endParaRPr b="0" lang="en-US" sz="2000" spc="-1" strike="noStrike">
+              <a:latin typeface="Arial"/>
+            </a:endParaRPr>
+          </a:p>
+          <a:p>
+            <a:pPr lvl="4" marL="2160000" indent="-216000">
+              <a:spcBef>
+                <a:spcPts val="283"/>
+              </a:spcBef>
+              <a:buClr>
+                <a:srgbClr val="000000"/>
+              </a:buClr>
+              <a:buSzPct val="45000"/>
+              <a:buFont typeface="Wingdings" charset="2"/>
+              <a:buChar char=""/>
+            </a:pPr>
+            <a:r>
+              <a:rPr b="0" lang="en-US" sz="2000" spc="-1" strike="noStrike">
+                <a:latin typeface="Arial"/>
+              </a:rPr>
+              <a:t>Fifth Outline Level</a:t>
+            </a:r>
+            <a:endParaRPr b="0" lang="en-US" sz="2000" spc="-1" strike="noStrike">
+              <a:latin typeface="Arial"/>
+            </a:endParaRPr>
+          </a:p>
+          <a:p>
+            <a:pPr lvl="5" marL="2592000" indent="-216000">
+              <a:spcBef>
+                <a:spcPts val="283"/>
+              </a:spcBef>
+              <a:buClr>
+                <a:srgbClr val="000000"/>
+              </a:buClr>
+              <a:buSzPct val="45000"/>
+              <a:buFont typeface="Wingdings" charset="2"/>
+              <a:buChar char=""/>
+            </a:pPr>
+            <a:r>
+              <a:rPr b="0" lang="en-US" sz="2000" spc="-1" strike="noStrike">
+                <a:latin typeface="Arial"/>
+              </a:rPr>
+              <a:t>Sixth Outline Level</a:t>
+            </a:r>
+            <a:endParaRPr b="0" lang="en-US" sz="2000" spc="-1" strike="noStrike">
+              <a:latin typeface="Arial"/>
+            </a:endParaRPr>
+          </a:p>
+          <a:p>
+            <a:pPr lvl="6" marL="3024000" indent="-216000">
+              <a:spcBef>
+                <a:spcPts val="283"/>
+              </a:spcBef>
+              <a:buClr>
+                <a:srgbClr val="000000"/>
+              </a:buClr>
+              <a:buSzPct val="45000"/>
+              <a:buFont typeface="Wingdings" charset="2"/>
+              <a:buChar char=""/>
+            </a:pPr>
+            <a:r>
+              <a:rPr b="0" lang="en-US" sz="2000" spc="-1" strike="noStrike">
+                <a:latin typeface="Arial"/>
+              </a:rPr>
+              <a:t>Seventh Outline Level</a:t>
+            </a:r>
+            <a:endParaRPr b="0" lang="en-US" sz="2000" spc="-1" strike="noStrike">
+              <a:latin typeface="Arial"/>
             </a:endParaRPr>
           </a:p>
         </p:txBody>
@@ -4802,7 +4808,7 @@
         <p:spPr>
           <a:xfrm>
             <a:off x="0" y="1620000"/>
-            <a:ext cx="8999640" cy="1079640"/>
+            <a:ext cx="8999280" cy="1079280"/>
           </a:xfrm>
           <a:prstGeom prst="rect">
             <a:avLst/>
@@ -4881,7 +4887,7 @@
         <p:spPr>
           <a:xfrm>
             <a:off x="360000" y="180000"/>
-            <a:ext cx="9359640" cy="477720"/>
+            <a:ext cx="9359280" cy="477360"/>
           </a:xfrm>
           <a:prstGeom prst="rect">
             <a:avLst/>
@@ -4930,7 +4936,7 @@
         <p:spPr>
           <a:xfrm>
             <a:off x="360000" y="1143000"/>
-            <a:ext cx="9359640" cy="3599640"/>
+            <a:ext cx="9359280" cy="3599280"/>
           </a:xfrm>
           <a:prstGeom prst="rect">
             <a:avLst/>
@@ -5056,6 +5062,60 @@
               <a:latin typeface="Arial"/>
             </a:endParaRPr>
           </a:p>
+          <a:p>
+            <a:pPr marL="432000" indent="-324000">
+              <a:lnSpc>
+                <a:spcPct val="100000"/>
+              </a:lnSpc>
+              <a:spcBef>
+                <a:spcPts val="1060"/>
+              </a:spcBef>
+              <a:buClr>
+                <a:srgbClr val="77caee"/>
+              </a:buClr>
+              <a:buSzPct val="45000"/>
+              <a:buFont typeface="Wingdings" charset="2"/>
+              <a:buChar char=""/>
+            </a:pPr>
+            <a:endParaRPr b="0" lang="en-US" sz="2400" spc="-1" strike="noStrike">
+              <a:latin typeface="Arial"/>
+            </a:endParaRPr>
+          </a:p>
+          <a:p>
+            <a:pPr>
+              <a:lnSpc>
+                <a:spcPct val="200000"/>
+              </a:lnSpc>
+              <a:buNone/>
+            </a:pPr>
+            <a:r>
+              <a:rPr b="0" lang="en-US" sz="2400" spc="-1" strike="noStrike">
+                <a:solidFill>
+                  <a:srgbClr val="009bdd"/>
+                </a:solidFill>
+                <a:latin typeface="Arial"/>
+                <a:ea typeface="LM Sans 10"/>
+              </a:rPr>
+              <a:t>(What Can Housing Markets Teach Us about Economics?, n.d.)</a:t>
+            </a:r>
+            <a:endParaRPr b="0" lang="en-US" sz="2400" spc="-1" strike="noStrike">
+              <a:latin typeface="Arial"/>
+            </a:endParaRPr>
+          </a:p>
+          <a:p>
+            <a:pPr>
+              <a:lnSpc>
+                <a:spcPct val="100000"/>
+              </a:lnSpc>
+              <a:spcBef>
+                <a:spcPts val="1060"/>
+              </a:spcBef>
+              <a:buNone/>
+            </a:pPr>
+            <a:endParaRPr b="0" lang="en-US" sz="2400" spc="-1" strike="noStrike">
+              <a:latin typeface="Arial"/>
+            </a:endParaRPr>
+          </a:p>
         </p:txBody>
       </p:sp>
       <p:sp>
@@ -5072,7 +5132,7 @@
         <p:txBody>
           <a:bodyPr/>
           <a:p>
-            <a:fld id="{5897C461-F4CB-4514-9DC1-2C67AA8E6815}" type="slidenum">
+            <a:fld id="{DB91BAFE-A4CB-4B26-91F3-68EEAFEE380C}" type="slidenum">
               <a:t>10</a:t>
             </a:fld>
           </a:p>
@@ -5092,9 +5152,9 @@
         <p:txBody>
           <a:bodyPr/>
           <a:p>
-            <a:fld id="{ACAF37DE-036A-4A80-8645-84DF89D9FAA1}" type="datetime1">
+            <a:fld id="{42C5EA9E-DBEF-4F1C-BB76-7E814605F13D}" type="datetime1">
               <a:rPr lang="en-US"/>
-              <a:t>05/24/2024</a:t>
+              <a:t>05/27/2024</a:t>
             </a:fld>
           </a:p>
         </p:txBody>
@@ -5142,7 +5202,7 @@
         <p:spPr>
           <a:xfrm>
             <a:off x="360000" y="180000"/>
-            <a:ext cx="9359640" cy="477720"/>
+            <a:ext cx="9359280" cy="477360"/>
           </a:xfrm>
           <a:prstGeom prst="rect">
             <a:avLst/>
@@ -5191,7 +5251,7 @@
         <p:spPr>
           <a:xfrm>
             <a:off x="241200" y="1200600"/>
-            <a:ext cx="9359640" cy="3599640"/>
+            <a:ext cx="9359280" cy="3599280"/>
           </a:xfrm>
           <a:prstGeom prst="rect">
             <a:avLst/>
@@ -5301,7 +5361,7 @@
         <p:txBody>
           <a:bodyPr/>
           <a:p>
-            <a:fld id="{AA1DA537-CAD0-4B5A-B9DC-289B8B2DFFFA}" type="slidenum">
+            <a:fld id="{6DDF053A-5CC9-4E59-8D67-986A2E4B3097}" type="slidenum">
               <a:t>11</a:t>
             </a:fld>
           </a:p>
@@ -5321,9 +5381,9 @@
         <p:txBody>
           <a:bodyPr/>
           <a:p>
-            <a:fld id="{B73DE82C-918F-4710-B40B-2E02C5C25C0F}" type="datetime1">
+            <a:fld id="{8C949A24-8960-4EDE-B642-3D0F26ADEFCD}" type="datetime1">
               <a:rPr lang="en-US"/>
-              <a:t>05/24/2024</a:t>
+              <a:t>05/27/2024</a:t>
             </a:fld>
           </a:p>
         </p:txBody>
@@ -5371,7 +5431,7 @@
         <p:spPr>
           <a:xfrm>
             <a:off x="360000" y="180000"/>
-            <a:ext cx="9359640" cy="477720"/>
+            <a:ext cx="9359280" cy="477360"/>
           </a:xfrm>
           <a:prstGeom prst="rect">
             <a:avLst/>
@@ -5420,7 +5480,7 @@
         <p:spPr>
           <a:xfrm>
             <a:off x="360000" y="1080000"/>
-            <a:ext cx="9359640" cy="3599640"/>
+            <a:ext cx="9359280" cy="3599280"/>
           </a:xfrm>
           <a:prstGeom prst="rect">
             <a:avLst/>
@@ -5534,7 +5594,7 @@
         <p:txBody>
           <a:bodyPr/>
           <a:p>
-            <a:fld id="{AE62675C-C732-4298-A318-76B9672D7402}" type="slidenum">
+            <a:fld id="{549E9EB6-C17D-49CD-A43D-AE9F46AD5815}" type="slidenum">
               <a:t>2</a:t>
             </a:fld>
           </a:p>
@@ -5554,9 +5614,9 @@
         <p:txBody>
           <a:bodyPr/>
           <a:p>
-            <a:fld id="{8998C038-4C63-4122-95AE-052229D25A7D}" type="datetime1">
+            <a:fld id="{FF94D05D-F51A-4CD5-9DEA-04456E6A52D9}" type="datetime1">
               <a:rPr lang="en-US"/>
-              <a:t>05/24/2024</a:t>
+              <a:t>05/27/2024</a:t>
             </a:fld>
           </a:p>
         </p:txBody>
@@ -5604,7 +5664,7 @@
         <p:spPr>
           <a:xfrm>
             <a:off x="360000" y="180000"/>
-            <a:ext cx="9359640" cy="477720"/>
+            <a:ext cx="9359280" cy="477360"/>
           </a:xfrm>
           <a:prstGeom prst="rect">
             <a:avLst/>
@@ -5653,7 +5713,7 @@
         <p:spPr>
           <a:xfrm>
             <a:off x="360000" y="1080000"/>
-            <a:ext cx="9359640" cy="3599640"/>
+            <a:ext cx="9359280" cy="3599280"/>
           </a:xfrm>
           <a:prstGeom prst="rect">
             <a:avLst/>
@@ -5807,6 +5867,41 @@
               <a:latin typeface="Arial"/>
             </a:endParaRPr>
           </a:p>
+          <a:p>
+            <a:pPr>
+              <a:lnSpc>
+                <a:spcPct val="200000"/>
+              </a:lnSpc>
+              <a:buNone/>
+            </a:pPr>
+            <a:r>
+              <a:rPr b="0" lang="en-US" sz="2400" spc="-1" strike="noStrike">
+                <a:solidFill>
+                  <a:srgbClr val="009bdd"/>
+                </a:solidFill>
+                <a:latin typeface="Arial"/>
+                <a:ea typeface="LM Sans 10"/>
+              </a:rPr>
+              <a:t>(What Can Housing Markets Teach Us about Economics?, n.d.)</a:t>
+            </a:r>
+            <a:endParaRPr b="0" lang="en-US" sz="2400" spc="-1" strike="noStrike">
+              <a:latin typeface="Arial"/>
+            </a:endParaRPr>
+          </a:p>
+          <a:p>
+            <a:pPr>
+              <a:lnSpc>
+                <a:spcPct val="100000"/>
+              </a:lnSpc>
+              <a:spcBef>
+                <a:spcPts val="1060"/>
+              </a:spcBef>
+              <a:buNone/>
+            </a:pPr>
+            <a:endParaRPr b="0" lang="en-US" sz="2400" spc="-1" strike="noStrike">
+              <a:latin typeface="Arial"/>
+            </a:endParaRPr>
+          </a:p>
         </p:txBody>
       </p:sp>
       <p:sp>
@@ -5823,7 +5918,7 @@
         <p:txBody>
           <a:bodyPr/>
           <a:p>
-            <a:fld id="{E4BBD353-1570-4986-BD4F-DB31CA040308}" type="slidenum">
+            <a:fld id="{9B89DB8A-92E5-4527-A64F-EA756AD3A8AD}" type="slidenum">
               <a:t>3</a:t>
             </a:fld>
           </a:p>
@@ -5843,9 +5938,9 @@
         <p:txBody>
           <a:bodyPr/>
           <a:p>
-            <a:fld id="{72A9A246-4057-49EF-B7A2-676A870C104B}" type="datetime1">
+            <a:fld id="{BDFC3BCA-A67E-423F-9280-9AA52A14468C}" type="datetime1">
               <a:rPr lang="en-US"/>
-              <a:t>05/24/2024</a:t>
+              <a:t>05/27/2024</a:t>
             </a:fld>
           </a:p>
         </p:txBody>
@@ -5893,7 +5988,7 @@
         <p:spPr>
           <a:xfrm>
             <a:off x="360000" y="180000"/>
-            <a:ext cx="9359640" cy="477720"/>
+            <a:ext cx="9359280" cy="477360"/>
           </a:xfrm>
           <a:prstGeom prst="rect">
             <a:avLst/>
@@ -5942,7 +6037,7 @@
         <p:spPr>
           <a:xfrm>
             <a:off x="360000" y="1080000"/>
-            <a:ext cx="9359640" cy="3599640"/>
+            <a:ext cx="9359280" cy="3599280"/>
           </a:xfrm>
           <a:prstGeom prst="rect">
             <a:avLst/>
@@ -6112,7 +6207,7 @@
         <p:txBody>
           <a:bodyPr/>
           <a:p>
-            <a:fld id="{59BD15C9-198A-4222-BEFB-77519B36E246}" type="slidenum">
+            <a:fld id="{3489B3D2-DD93-4A7B-8BB6-9E60418AF339}" type="slidenum">
               <a:t>4</a:t>
             </a:fld>
           </a:p>
@@ -6132,9 +6227,9 @@
         <p:txBody>
           <a:bodyPr/>
           <a:p>
-            <a:fld id="{2C696D30-62F5-4437-AA56-52EFC361F974}" type="datetime1">
+            <a:fld id="{6B275176-D2C3-4EF8-A229-61BD239B6243}" type="datetime1">
               <a:rPr lang="en-US"/>
-              <a:t>05/24/2024</a:t>
+              <a:t>05/27/2024</a:t>
             </a:fld>
           </a:p>
         </p:txBody>
@@ -6182,7 +6277,7 @@
         <p:spPr>
           <a:xfrm>
             <a:off x="360000" y="180000"/>
-            <a:ext cx="9359640" cy="477720"/>
+            <a:ext cx="9359280" cy="477360"/>
           </a:xfrm>
           <a:prstGeom prst="rect">
             <a:avLst/>
@@ -6231,7 +6326,7 @@
         <p:spPr>
           <a:xfrm>
             <a:off x="360000" y="1080000"/>
-            <a:ext cx="9359640" cy="3599640"/>
+            <a:ext cx="9359280" cy="3599280"/>
           </a:xfrm>
           <a:prstGeom prst="rect">
             <a:avLst/>
@@ -6387,7 +6482,7 @@
         <p:txBody>
           <a:bodyPr/>
           <a:p>
-            <a:fld id="{F254E2F3-8724-47BA-A460-1C60AF396E2C}" type="slidenum">
+            <a:fld id="{7975E411-5E20-427D-AB0D-591AF7380649}" type="slidenum">
               <a:t>5</a:t>
             </a:fld>
           </a:p>
@@ -6407,9 +6502,9 @@
         <p:txBody>
           <a:bodyPr/>
           <a:p>
-            <a:fld id="{C7FA9035-EDC5-4CA3-9D2B-089DC3F01C6A}" type="datetime1">
+            <a:fld id="{B919C62F-E7DD-4204-B337-D12FF3685DD7}" type="datetime1">
               <a:rPr lang="en-US"/>
-              <a:t>05/24/2024</a:t>
+              <a:t>05/27/2024</a:t>
             </a:fld>
           </a:p>
         </p:txBody>
@@ -6457,7 +6552,7 @@
         <p:spPr>
           <a:xfrm>
             <a:off x="360000" y="106200"/>
-            <a:ext cx="9359640" cy="625320"/>
+            <a:ext cx="9359280" cy="624960"/>
           </a:xfrm>
           <a:prstGeom prst="rect">
             <a:avLst/>
@@ -6473,6 +6568,9 @@
           </a:bodyPr>
           <a:p>
             <a:pPr algn="ctr">
+              <a:lnSpc>
+                <a:spcPct val="100000"/>
+              </a:lnSpc>
               <a:buNone/>
             </a:pPr>
             <a:r>
@@ -6500,7 +6598,7 @@
         <p:spPr>
           <a:xfrm>
             <a:off x="1600200" y="1143000"/>
-            <a:ext cx="5794560" cy="3742200"/>
+            <a:ext cx="5794200" cy="3741840"/>
           </a:xfrm>
           <a:prstGeom prst="rect">
             <a:avLst/>
@@ -6524,7 +6622,7 @@
         <p:txBody>
           <a:bodyPr/>
           <a:p>
-            <a:fld id="{CAD94DCF-F35C-4DA4-B3DD-51403860C1E4}" type="slidenum">
+            <a:fld id="{7215085F-F7C1-47B4-95B2-4E9D789ECC7D}" type="slidenum">
               <a:t>6</a:t>
             </a:fld>
           </a:p>
@@ -6544,9 +6642,9 @@
         <p:txBody>
           <a:bodyPr/>
           <a:p>
-            <a:fld id="{079B2DAC-157B-4E89-BE8D-149E6E552555}" type="datetime1">
+            <a:fld id="{B1B52642-B209-4A97-9BFB-F599F95080A0}" type="datetime1">
               <a:rPr lang="en-US"/>
-              <a:t>05/24/2024</a:t>
+              <a:t>05/27/2024</a:t>
             </a:fld>
           </a:p>
         </p:txBody>
@@ -6594,7 +6692,7 @@
         <p:spPr>
           <a:xfrm>
             <a:off x="360000" y="106200"/>
-            <a:ext cx="9359640" cy="625320"/>
+            <a:ext cx="9359280" cy="624960"/>
           </a:xfrm>
           <a:prstGeom prst="rect">
             <a:avLst/>
@@ -6610,6 +6708,9 @@
           </a:bodyPr>
           <a:p>
             <a:pPr algn="ctr">
+              <a:lnSpc>
+                <a:spcPct val="100000"/>
+              </a:lnSpc>
               <a:buNone/>
             </a:pPr>
             <a:r>
@@ -6637,7 +6738,7 @@
         <p:spPr>
           <a:xfrm>
             <a:off x="1828800" y="731520"/>
-            <a:ext cx="6172200" cy="4067280"/>
+            <a:ext cx="6171840" cy="4066920"/>
           </a:xfrm>
           <a:prstGeom prst="rect">
             <a:avLst/>
@@ -6661,7 +6762,7 @@
         <p:txBody>
           <a:bodyPr/>
           <a:p>
-            <a:fld id="{E4382D66-8D6E-4799-9762-A177B3BFD8E7}" type="slidenum">
+            <a:fld id="{0D223878-6B0F-41F2-BD5A-4649CCEAD63E}" type="slidenum">
               <a:t>7</a:t>
             </a:fld>
           </a:p>
@@ -6681,9 +6782,9 @@
         <p:txBody>
           <a:bodyPr/>
           <a:p>
-            <a:fld id="{D2AC4BE1-7B49-40F6-9A4C-E2091FA0ED5B}" type="datetime1">
+            <a:fld id="{EAE1BD75-6C1B-4C0B-B187-BA717D6811BB}" type="datetime1">
               <a:rPr lang="en-US"/>
-              <a:t>05/24/2024</a:t>
+              <a:t>05/27/2024</a:t>
             </a:fld>
           </a:p>
         </p:txBody>
@@ -6731,7 +6832,7 @@
         <p:spPr>
           <a:xfrm>
             <a:off x="360000" y="180000"/>
-            <a:ext cx="9359640" cy="477720"/>
+            <a:ext cx="9359280" cy="477360"/>
           </a:xfrm>
           <a:prstGeom prst="rect">
             <a:avLst/>
@@ -6780,7 +6881,7 @@
         <p:spPr>
           <a:xfrm>
             <a:off x="360000" y="1080000"/>
-            <a:ext cx="9359640" cy="3599640"/>
+            <a:ext cx="9359280" cy="3599280"/>
           </a:xfrm>
           <a:prstGeom prst="rect">
             <a:avLst/>
@@ -6880,7 +6981,7 @@
         <p:txBody>
           <a:bodyPr/>
           <a:p>
-            <a:fld id="{D12665A6-0752-417C-A595-078A6E6E3372}" type="slidenum">
+            <a:fld id="{9AD1E71C-E7D3-470F-9FB3-C1175D8E19FC}" type="slidenum">
               <a:t>8</a:t>
             </a:fld>
           </a:p>
@@ -6900,9 +7001,9 @@
         <p:txBody>
           <a:bodyPr/>
           <a:p>
-            <a:fld id="{D4B03C12-B77A-4221-BBEA-A3C888262C64}" type="datetime1">
+            <a:fld id="{586A9BD4-3EA5-4A52-928D-24289A289BCC}" type="datetime1">
               <a:rPr lang="en-US"/>
-              <a:t>05/24/2024</a:t>
+              <a:t>05/27/2024</a:t>
             </a:fld>
           </a:p>
         </p:txBody>
@@ -6950,7 +7051,7 @@
         <p:spPr>
           <a:xfrm>
             <a:off x="360000" y="180000"/>
-            <a:ext cx="9359640" cy="477720"/>
+            <a:ext cx="9359280" cy="477360"/>
           </a:xfrm>
           <a:prstGeom prst="rect">
             <a:avLst/>
@@ -6999,7 +7100,7 @@
         <p:spPr>
           <a:xfrm>
             <a:off x="360000" y="1080000"/>
-            <a:ext cx="9359640" cy="3599640"/>
+            <a:ext cx="9359280" cy="3599280"/>
           </a:xfrm>
           <a:prstGeom prst="rect">
             <a:avLst/>
@@ -7113,7 +7214,7 @@
         <p:txBody>
           <a:bodyPr/>
           <a:p>
-            <a:fld id="{BAC229D6-D415-4885-B4D5-1CB8D4A0932B}" type="slidenum">
+            <a:fld id="{25946BFD-346A-403B-8FE5-67AF7594E758}" type="slidenum">
               <a:t>9</a:t>
             </a:fld>
           </a:p>
@@ -7133,9 +7234,9 @@
         <p:txBody>
           <a:bodyPr/>
           <a:p>
-            <a:fld id="{8DD168E0-E46C-4829-A65F-239984B212D0}" type="datetime1">
+            <a:fld id="{F1A2D7A7-12C3-4DEB-BEB0-2B47A821F931}" type="datetime1">
               <a:rPr lang="en-US"/>
-              <a:t>05/24/2024</a:t>
+              <a:t>05/27/2024</a:t>
             </a:fld>
           </a:p>
         </p:txBody>
